--- a/hierarchy.pptx
+++ b/hierarchy.pptx
@@ -290,7 +290,7 @@
             <a:fld id="{530820CF-B880-4189-942D-D702A7CBA730}" type="datetimeFigureOut">
               <a:rPr lang="zh-CN" altLang="en-US" smtClean="0"/>
               <a:pPr/>
-              <a:t>2015/5/3</a:t>
+              <a:t>2015/5/13</a:t>
             </a:fld>
             <a:endParaRPr lang="zh-CN" altLang="en-US"/>
           </a:p>
@@ -457,7 +457,7 @@
             <a:fld id="{530820CF-B880-4189-942D-D702A7CBA730}" type="datetimeFigureOut">
               <a:rPr lang="zh-CN" altLang="en-US" smtClean="0"/>
               <a:pPr/>
-              <a:t>2015/5/3</a:t>
+              <a:t>2015/5/13</a:t>
             </a:fld>
             <a:endParaRPr lang="zh-CN" altLang="en-US"/>
           </a:p>
@@ -634,7 +634,7 @@
             <a:fld id="{530820CF-B880-4189-942D-D702A7CBA730}" type="datetimeFigureOut">
               <a:rPr lang="zh-CN" altLang="en-US" smtClean="0"/>
               <a:pPr/>
-              <a:t>2015/5/3</a:t>
+              <a:t>2015/5/13</a:t>
             </a:fld>
             <a:endParaRPr lang="zh-CN" altLang="en-US"/>
           </a:p>
@@ -801,7 +801,7 @@
             <a:fld id="{530820CF-B880-4189-942D-D702A7CBA730}" type="datetimeFigureOut">
               <a:rPr lang="zh-CN" altLang="en-US" smtClean="0"/>
               <a:pPr/>
-              <a:t>2015/5/3</a:t>
+              <a:t>2015/5/13</a:t>
             </a:fld>
             <a:endParaRPr lang="zh-CN" altLang="en-US"/>
           </a:p>
@@ -1044,7 +1044,7 @@
             <a:fld id="{530820CF-B880-4189-942D-D702A7CBA730}" type="datetimeFigureOut">
               <a:rPr lang="zh-CN" altLang="en-US" smtClean="0"/>
               <a:pPr/>
-              <a:t>2015/5/3</a:t>
+              <a:t>2015/5/13</a:t>
             </a:fld>
             <a:endParaRPr lang="zh-CN" altLang="en-US"/>
           </a:p>
@@ -1329,7 +1329,7 @@
             <a:fld id="{530820CF-B880-4189-942D-D702A7CBA730}" type="datetimeFigureOut">
               <a:rPr lang="zh-CN" altLang="en-US" smtClean="0"/>
               <a:pPr/>
-              <a:t>2015/5/3</a:t>
+              <a:t>2015/5/13</a:t>
             </a:fld>
             <a:endParaRPr lang="zh-CN" altLang="en-US"/>
           </a:p>
@@ -1748,7 +1748,7 @@
             <a:fld id="{530820CF-B880-4189-942D-D702A7CBA730}" type="datetimeFigureOut">
               <a:rPr lang="zh-CN" altLang="en-US" smtClean="0"/>
               <a:pPr/>
-              <a:t>2015/5/3</a:t>
+              <a:t>2015/5/13</a:t>
             </a:fld>
             <a:endParaRPr lang="zh-CN" altLang="en-US"/>
           </a:p>
@@ -1863,7 +1863,7 @@
             <a:fld id="{530820CF-B880-4189-942D-D702A7CBA730}" type="datetimeFigureOut">
               <a:rPr lang="zh-CN" altLang="en-US" smtClean="0"/>
               <a:pPr/>
-              <a:t>2015/5/3</a:t>
+              <a:t>2015/5/13</a:t>
             </a:fld>
             <a:endParaRPr lang="zh-CN" altLang="en-US"/>
           </a:p>
@@ -1955,7 +1955,7 @@
             <a:fld id="{530820CF-B880-4189-942D-D702A7CBA730}" type="datetimeFigureOut">
               <a:rPr lang="zh-CN" altLang="en-US" smtClean="0"/>
               <a:pPr/>
-              <a:t>2015/5/3</a:t>
+              <a:t>2015/5/13</a:t>
             </a:fld>
             <a:endParaRPr lang="zh-CN" altLang="en-US"/>
           </a:p>
@@ -2229,7 +2229,7 @@
             <a:fld id="{530820CF-B880-4189-942D-D702A7CBA730}" type="datetimeFigureOut">
               <a:rPr lang="zh-CN" altLang="en-US" smtClean="0"/>
               <a:pPr/>
-              <a:t>2015/5/3</a:t>
+              <a:t>2015/5/13</a:t>
             </a:fld>
             <a:endParaRPr lang="zh-CN" altLang="en-US"/>
           </a:p>
@@ -2479,7 +2479,7 @@
             <a:fld id="{530820CF-B880-4189-942D-D702A7CBA730}" type="datetimeFigureOut">
               <a:rPr lang="zh-CN" altLang="en-US" smtClean="0"/>
               <a:pPr/>
-              <a:t>2015/5/3</a:t>
+              <a:t>2015/5/13</a:t>
             </a:fld>
             <a:endParaRPr lang="zh-CN" altLang="en-US"/>
           </a:p>
@@ -2689,7 +2689,7 @@
             <a:fld id="{530820CF-B880-4189-942D-D702A7CBA730}" type="datetimeFigureOut">
               <a:rPr lang="zh-CN" altLang="en-US" smtClean="0"/>
               <a:pPr/>
-              <a:t>2015/5/3</a:t>
+              <a:t>2015/5/13</a:t>
             </a:fld>
             <a:endParaRPr lang="zh-CN" altLang="en-US"/>
           </a:p>
@@ -3068,7 +3068,7 @@
         </p:nvSpPr>
         <p:spPr>
           <a:xfrm>
-            <a:off x="142844" y="142852"/>
+            <a:off x="142844" y="70272"/>
             <a:ext cx="2643206" cy="428628"/>
           </a:xfrm>
           <a:prstGeom prst="rect">
@@ -3095,7 +3095,7 @@
           <a:p>
             <a:pPr algn="ctr"/>
             <a:r>
-              <a:rPr lang="en-US" altLang="zh-CN" sz="1200" smtClean="0"/>
+              <a:rPr lang="en-US" altLang="zh-CN" sz="1200" err="1" smtClean="0"/>
               <a:t>articleType</a:t>
             </a:r>
             <a:endParaRPr lang="zh-CN" altLang="en-US" sz="1200"/>
@@ -3110,8 +3110,8 @@
         </p:nvSpPr>
         <p:spPr>
           <a:xfrm>
-            <a:off x="642910" y="642918"/>
-            <a:ext cx="2643206" cy="714380"/>
+            <a:off x="642910" y="552670"/>
+            <a:ext cx="2643206" cy="500066"/>
           </a:xfrm>
           <a:prstGeom prst="rect">
             <a:avLst/>
@@ -3159,7 +3159,7 @@
         </p:nvSpPr>
         <p:spPr>
           <a:xfrm>
-            <a:off x="3428992" y="642918"/>
+            <a:off x="3571868" y="443852"/>
             <a:ext cx="3357586" cy="500066"/>
           </a:xfrm>
           <a:prstGeom prst="rect">
@@ -3201,8 +3201,8 @@
         </p:nvSpPr>
         <p:spPr>
           <a:xfrm>
-            <a:off x="642910" y="1428736"/>
-            <a:ext cx="2928958" cy="1214446"/>
+            <a:off x="642910" y="1117040"/>
+            <a:ext cx="2928958" cy="1284560"/>
           </a:xfrm>
           <a:prstGeom prst="rect">
             <a:avLst/>
@@ -3299,7 +3299,7 @@
         </p:nvSpPr>
         <p:spPr>
           <a:xfrm>
-            <a:off x="3714744" y="1428736"/>
+            <a:off x="3714744" y="1064320"/>
             <a:ext cx="4857784" cy="1000132"/>
           </a:xfrm>
           <a:prstGeom prst="rect">
@@ -3400,8 +3400,8 @@
         </p:nvSpPr>
         <p:spPr>
           <a:xfrm>
-            <a:off x="642910" y="2714620"/>
-            <a:ext cx="3857652" cy="2143140"/>
+            <a:off x="642910" y="2492896"/>
+            <a:ext cx="3857652" cy="2088232"/>
           </a:xfrm>
           <a:prstGeom prst="rect">
             <a:avLst/>
@@ -3432,11 +3432,7 @@
             </a:pPr>
             <a:r>
               <a:rPr lang="en-US" altLang="zh-CN" sz="1200" smtClean="0"/>
-              <a:t>t</a:t>
-            </a:r>
-            <a:r>
-              <a:rPr lang="en-US" altLang="zh-CN" sz="1200" smtClean="0"/>
-              <a:t>itle</a:t>
+              <a:t>title</a:t>
             </a:r>
             <a:r>
               <a:rPr lang="zh-CN" altLang="en-US" sz="1200" smtClean="0"/>
@@ -3452,11 +3448,15 @@
             </a:pPr>
             <a:r>
               <a:rPr lang="en-US" altLang="zh-CN" sz="1200" smtClean="0"/>
-              <a:t>showTitle</a:t>
+              <a:t>Brief</a:t>
             </a:r>
             <a:r>
               <a:rPr lang="zh-CN" altLang="en-US" sz="1200" smtClean="0"/>
-              <a:t>：标题名称</a:t>
+              <a:t>：简介，</a:t>
+            </a:r>
+            <a:r>
+              <a:rPr lang="zh-CN" altLang="en-US" sz="1200" smtClean="0"/>
+              <a:t>介绍</a:t>
             </a:r>
             <a:endParaRPr lang="en-US" altLang="zh-CN" sz="1200" smtClean="0"/>
           </a:p>
@@ -3468,13 +3468,32 @@
             </a:pPr>
             <a:r>
               <a:rPr lang="en-US" altLang="zh-CN" sz="1200" smtClean="0"/>
-              <a:t>Brief</a:t>
+              <a:t>menuTitle</a:t>
             </a:r>
             <a:r>
               <a:rPr lang="zh-CN" altLang="en-US" sz="1200" smtClean="0"/>
-              <a:t>：简介，介绍</a:t>
-            </a:r>
-            <a:endParaRPr lang="en-US" altLang="zh-CN" sz="1200" smtClean="0"/>
+              <a:t>：菜单</a:t>
+            </a:r>
+            <a:r>
+              <a:rPr lang="zh-CN" altLang="en-US" sz="1200"/>
+              <a:t>栏目</a:t>
+            </a:r>
+            <a:r>
+              <a:rPr lang="en-US" altLang="zh-CN" sz="1200" smtClean="0"/>
+              <a:t/>
+            </a:r>
+            <a:br>
+              <a:rPr lang="en-US" altLang="zh-CN" sz="1200" smtClean="0"/>
+            </a:br>
+            <a:r>
+              <a:rPr lang="en-US" altLang="zh-CN" sz="1200" b="1" smtClean="0"/>
+              <a:t>linkTitle: </a:t>
+            </a:r>
+            <a:r>
+              <a:rPr lang="zh-CN" altLang="en-US" sz="1200" b="1" smtClean="0"/>
+              <a:t>点击链接的文字</a:t>
+            </a:r>
+            <a:endParaRPr lang="en-US" altLang="zh-CN" sz="1200" b="1" smtClean="0"/>
           </a:p>
           <a:p>
             <a:pPr algn="ctr">
@@ -3483,14 +3502,14 @@
               </a:lnSpc>
             </a:pPr>
             <a:r>
-              <a:rPr lang="en-US" altLang="zh-CN" sz="1200" smtClean="0"/>
+              <a:rPr lang="en-US" altLang="zh-CN" sz="1200" b="1" err="1" smtClean="0"/>
               <a:t>linkClick</a:t>
             </a:r>
             <a:r>
-              <a:rPr lang="zh-CN" altLang="en-US" sz="1200" smtClean="0"/>
+              <a:rPr lang="zh-CN" altLang="en-US" sz="1200" b="1" smtClean="0"/>
               <a:t>：点击链接</a:t>
             </a:r>
-            <a:endParaRPr lang="en-US" altLang="zh-CN" sz="1200" smtClean="0"/>
+            <a:endParaRPr lang="en-US" altLang="zh-CN" sz="1200" b="1" smtClean="0"/>
           </a:p>
           <a:p>
             <a:pPr algn="ctr">
@@ -3499,7 +3518,7 @@
               </a:lnSpc>
             </a:pPr>
             <a:r>
-              <a:rPr lang="en-US" altLang="zh-CN" sz="1200" smtClean="0"/>
+              <a:rPr lang="en-US" altLang="zh-CN" sz="1200" err="1" smtClean="0"/>
               <a:t>linkPic</a:t>
             </a:r>
             <a:r>
@@ -3515,29 +3534,24 @@
               </a:lnSpc>
             </a:pPr>
             <a:r>
-              <a:rPr lang="en-US" altLang="zh-CN" sz="1200" smtClean="0"/>
+              <a:rPr lang="en-US" altLang="zh-CN" sz="1200" err="1" smtClean="0"/>
               <a:t>linkVideo</a:t>
             </a:r>
             <a:r>
               <a:rPr lang="zh-CN" altLang="en-US" sz="1200" smtClean="0"/>
-              <a:t>：视频链接</a:t>
-            </a:r>
-            <a:endParaRPr lang="en-US" altLang="zh-CN" sz="1200" smtClean="0"/>
-          </a:p>
-          <a:p>
-            <a:pPr algn="ctr">
-              <a:lnSpc>
-                <a:spcPct val="150000"/>
-              </a:lnSpc>
-            </a:pPr>
-            <a:r>
-              <a:rPr lang="en-US" altLang="zh-CN" sz="1200" smtClean="0"/>
-              <a:t>exkind</a:t>
+              <a:t>：视频</a:t>
             </a:r>
             <a:r>
               <a:rPr lang="zh-CN" altLang="en-US" sz="1200" smtClean="0"/>
-              <a:t>：特殊控制：后台用户不可见，单记录栏目等。</a:t>
-            </a:r>
+              <a:t>链接</a:t>
+            </a:r>
+            <a:r>
+              <a:rPr lang="en-US" altLang="zh-CN" sz="1200" smtClean="0"/>
+              <a:t/>
+            </a:r>
+            <a:br>
+              <a:rPr lang="en-US" altLang="zh-CN" sz="1200" smtClean="0"/>
+            </a:br>
             <a:endParaRPr lang="en-US" altLang="zh-CN" sz="1200" smtClean="0"/>
           </a:p>
         </p:txBody>
@@ -3550,8 +3564,8 @@
         </p:nvSpPr>
         <p:spPr>
           <a:xfrm>
-            <a:off x="642910" y="4929198"/>
-            <a:ext cx="3500462" cy="571504"/>
+            <a:off x="646358" y="4653136"/>
+            <a:ext cx="4073106" cy="2088232"/>
           </a:xfrm>
           <a:prstGeom prst="rect">
             <a:avLst/>
@@ -3580,7 +3594,14 @@
                 <a:spcPct val="150000"/>
               </a:lnSpc>
             </a:pPr>
-            <a:endParaRPr lang="en-US" altLang="zh-CN" sz="1200" smtClean="0"/>
+            <a:r>
+              <a:rPr lang="en-US" altLang="zh-CN" sz="1200" smtClean="0"/>
+              <a:t>pageView</a:t>
+            </a:r>
+            <a:r>
+              <a:rPr lang="en-US" altLang="zh-CN" sz="1200" smtClean="0"/>
+              <a:t>: ‘single’, ‘flat3x3’ </a:t>
+            </a:r>
           </a:p>
           <a:p>
             <a:pPr algn="ctr">
@@ -3589,12 +3610,16 @@
               </a:lnSpc>
             </a:pPr>
             <a:r>
-              <a:rPr lang="en-US" altLang="zh-CN" sz="1200" smtClean="0"/>
-              <a:t>exillu</a:t>
-            </a:r>
-            <a:r>
-              <a:rPr lang="zh-CN" altLang="en-US" sz="1200" smtClean="0"/>
-              <a:t>：内部一些设置说明。</a:t>
+              <a:rPr lang="en-US" altLang="zh-CN" sz="1200"/>
+              <a:t>boardPic: {‘main’:’s</a:t>
+            </a:r>
+            <a:r>
+              <a:rPr lang="en-US" altLang="zh-CN" sz="1200"/>
+              <a:t>’, </a:t>
+            </a:r>
+            <a:r>
+              <a:rPr lang="en-US" altLang="zh-CN" sz="1200" smtClean="0"/>
+              <a:t>‘’}</a:t>
             </a:r>
             <a:endParaRPr lang="en-US" altLang="zh-CN" sz="1200" smtClean="0"/>
           </a:p>
@@ -3604,6 +3629,211 @@
                 <a:spcPct val="150000"/>
               </a:lnSpc>
             </a:pPr>
+            <a:r>
+              <a:rPr lang="en-US" altLang="zh-CN" sz="1200"/>
+              <a:t>exkind</a:t>
+            </a:r>
+            <a:r>
+              <a:rPr lang="zh-CN" altLang="en-US" sz="1200"/>
+              <a:t>：特殊控制：后台用户</a:t>
+            </a:r>
+            <a:r>
+              <a:rPr lang="zh-CN" altLang="en-US" sz="1200"/>
+              <a:t>不</a:t>
+            </a:r>
+            <a:r>
+              <a:rPr lang="zh-CN" altLang="en-US" sz="1200" smtClean="0"/>
+              <a:t>可见。</a:t>
+            </a:r>
+            <a:r>
+              <a:rPr lang="en-US" altLang="zh-CN" sz="1200" smtClean="0"/>
+              <a:t/>
+            </a:r>
+            <a:br>
+              <a:rPr lang="en-US" altLang="zh-CN" sz="1200" smtClean="0"/>
+            </a:br>
+            <a:r>
+              <a:rPr lang="en-US" altLang="zh-CN" sz="1200" smtClean="0"/>
+              <a:t>mapPostion</a:t>
+            </a:r>
+            <a:r>
+              <a:rPr lang="en-US" altLang="zh-CN" sz="1200"/>
+              <a:t>: </a:t>
+            </a:r>
+            <a:r>
+              <a:rPr lang="zh-CN" altLang="en-US" sz="1200"/>
+              <a:t>网站地图的位置</a:t>
+            </a:r>
+            <a:r>
+              <a:rPr lang="en-US" altLang="zh-CN" sz="1200"/>
+              <a:t>()</a:t>
+            </a:r>
+          </a:p>
+          <a:p>
+            <a:pPr algn="ctr">
+              <a:lnSpc>
+                <a:spcPct val="150000"/>
+              </a:lnSpc>
+            </a:pPr>
+            <a:r>
+              <a:rPr lang="en-US" altLang="zh-CN" sz="1200" smtClean="0"/>
+              <a:t>exillu</a:t>
+            </a:r>
+            <a:r>
+              <a:rPr lang="zh-CN" altLang="en-US" sz="1200" smtClean="0"/>
+              <a:t>：内部一些设置说明</a:t>
+            </a:r>
+            <a:r>
+              <a:rPr lang="zh-CN" altLang="en-US" sz="1200" smtClean="0"/>
+              <a:t>。</a:t>
+            </a:r>
+            <a:r>
+              <a:rPr lang="en-US" altLang="zh-CN" sz="1200"/>
+              <a:t/>
+            </a:r>
+            <a:br>
+              <a:rPr lang="en-US" altLang="zh-CN" sz="1200"/>
+            </a:br>
+            <a:r>
+              <a:rPr lang="en-US" altLang="zh-CN" sz="1200"/>
+              <a:t>jsonEx</a:t>
+            </a:r>
+            <a:r>
+              <a:rPr lang="en-US" altLang="zh-CN" sz="1200" smtClean="0"/>
+              <a:t>: </a:t>
+            </a:r>
+            <a:r>
+              <a:rPr lang="zh-CN" altLang="en-US" sz="1200" smtClean="0"/>
+              <a:t>为了防止表字段更改而设立的扩展功能。</a:t>
+            </a:r>
+            <a:endParaRPr lang="en-US" altLang="zh-CN" sz="1200" smtClean="0"/>
+          </a:p>
+          <a:p>
+            <a:pPr algn="ctr">
+              <a:lnSpc>
+                <a:spcPct val="150000"/>
+              </a:lnSpc>
+            </a:pPr>
+            <a:r>
+              <a:rPr lang="en-US" altLang="zh-CN" sz="1200" smtClean="0"/>
+              <a:t>renderTemp: ‘’</a:t>
+            </a:r>
+            <a:endParaRPr lang="zh-CN" altLang="en-US" sz="1200"/>
+          </a:p>
+        </p:txBody>
+      </p:sp>
+      <p:sp>
+        <p:nvSpPr>
+          <p:cNvPr id="10" name="矩形 9"/>
+          <p:cNvSpPr/>
+          <p:nvPr/>
+        </p:nvSpPr>
+        <p:spPr>
+          <a:xfrm>
+            <a:off x="4841222" y="5013176"/>
+            <a:ext cx="4176464" cy="1080119"/>
+          </a:xfrm>
+          <a:prstGeom prst="rect">
+            <a:avLst/>
+          </a:prstGeom>
+        </p:spPr>
+        <p:style>
+          <a:lnRef idx="2">
+            <a:schemeClr val="accent1"/>
+          </a:lnRef>
+          <a:fillRef idx="1">
+            <a:schemeClr val="lt1"/>
+          </a:fillRef>
+          <a:effectRef idx="0">
+            <a:schemeClr val="accent1"/>
+          </a:effectRef>
+          <a:fontRef idx="minor">
+            <a:schemeClr val="dk1"/>
+          </a:fontRef>
+        </p:style>
+        <p:txBody>
+          <a:bodyPr rtlCol="0" anchor="ctr"/>
+          <a:lstStyle/>
+          <a:p>
+            <a:pPr algn="ctr"/>
+            <a:r>
+              <a:rPr lang="en-US" altLang="zh-CN" sz="1200" b="1"/>
+              <a:t>[</a:t>
+            </a:r>
+            <a:r>
+              <a:rPr lang="en-US" altLang="zh-CN" sz="1200" b="1"/>
+              <a:t>(</a:t>
+            </a:r>
+            <a:r>
+              <a:rPr lang="en-US" altLang="zh-CN" sz="1200" b="1"/>
+              <a:t>"</a:t>
+            </a:r>
+            <a:r>
+              <a:rPr lang="zh-CN" altLang="en-US" sz="1200" b="1"/>
+              <a:t>公司</a:t>
+            </a:r>
+            <a:r>
+              <a:rPr lang="en-US" altLang="zh-CN" sz="1200" b="1"/>
+              <a:t>"</a:t>
+            </a:r>
+            <a:r>
+              <a:rPr lang="en-US" altLang="zh-CN" sz="1200"/>
+              <a:t>, </a:t>
+            </a:r>
+            <a:r>
+              <a:rPr lang="en-US" altLang="zh-CN" sz="1200" b="1"/>
+              <a:t>'/resec/1/'</a:t>
+            </a:r>
+            <a:r>
+              <a:rPr lang="en-US" altLang="zh-CN" sz="1200" b="1"/>
+              <a:t>)</a:t>
+            </a:r>
+            <a:r>
+              <a:rPr lang="en-US" altLang="zh-CN" sz="1200"/>
+              <a:t>, </a:t>
+            </a:r>
+            <a:r>
+              <a:rPr lang="en-US" altLang="zh-CN" sz="1200" b="1"/>
+              <a:t>(</a:t>
+            </a:r>
+            <a:r>
+              <a:rPr lang="en-US" altLang="zh-CN" sz="1200" b="1"/>
+              <a:t>"</a:t>
+            </a:r>
+            <a:r>
+              <a:rPr lang="zh-CN" altLang="en-US" sz="1200" b="1"/>
+              <a:t>公司简介</a:t>
+            </a:r>
+            <a:r>
+              <a:rPr lang="en-US" altLang="zh-CN" sz="1200" b="1"/>
+              <a:t>"</a:t>
+            </a:r>
+            <a:r>
+              <a:rPr lang="en-US" altLang="zh-CN" sz="1200"/>
+              <a:t>, </a:t>
+            </a:r>
+            <a:r>
+              <a:rPr lang="en-US" altLang="zh-CN" sz="1200" b="1"/>
+              <a:t>'/</a:t>
+            </a:r>
+            <a:r>
+              <a:rPr lang="en-US" altLang="zh-CN" sz="1200" b="1"/>
+              <a:t>resec/1</a:t>
+            </a:r>
+            <a:r>
+              <a:rPr lang="en-US" altLang="zh-CN" sz="1200" b="1" smtClean="0"/>
+              <a:t>/')]</a:t>
+            </a:r>
+          </a:p>
+          <a:p>
+            <a:pPr algn="ctr"/>
+            <a:r>
+              <a:rPr lang="en-US" altLang="zh-CN" sz="1200"/>
+              <a:t>{‘whatever’:’what ever you want’, ‘sthulike’: ‘enjoy’ }</a:t>
+            </a:r>
+          </a:p>
+          <a:p>
+            <a:pPr algn="ctr"/>
             <a:endParaRPr lang="zh-CN" altLang="en-US" sz="1200"/>
           </a:p>
         </p:txBody>
@@ -3633,6 +3863,163 @@
           <a:chExt cx="0" cy="0"/>
         </a:xfrm>
       </p:grpSpPr>
+      <p:sp>
+        <p:nvSpPr>
+          <p:cNvPr id="2" name="矩形 1"/>
+          <p:cNvSpPr/>
+          <p:nvPr/>
+        </p:nvSpPr>
+        <p:spPr>
+          <a:xfrm>
+            <a:off x="142844" y="142852"/>
+            <a:ext cx="2643206" cy="428628"/>
+          </a:xfrm>
+          <a:prstGeom prst="rect">
+            <a:avLst/>
+          </a:prstGeom>
+        </p:spPr>
+        <p:style>
+          <a:lnRef idx="2">
+            <a:schemeClr val="accent6"/>
+          </a:lnRef>
+          <a:fillRef idx="1">
+            <a:schemeClr val="lt1"/>
+          </a:fillRef>
+          <a:effectRef idx="0">
+            <a:schemeClr val="accent6"/>
+          </a:effectRef>
+          <a:fontRef idx="minor">
+            <a:schemeClr val="dk1"/>
+          </a:fontRef>
+        </p:style>
+        <p:txBody>
+          <a:bodyPr rtlCol="0" anchor="ctr"/>
+          <a:lstStyle/>
+          <a:p>
+            <a:pPr algn="ctr"/>
+            <a:r>
+              <a:rPr lang="en-US" altLang="zh-CN" sz="1200" err="1" smtClean="0"/>
+              <a:t>sysParam</a:t>
+            </a:r>
+            <a:endParaRPr lang="zh-CN" altLang="en-US" sz="1200"/>
+          </a:p>
+        </p:txBody>
+      </p:sp>
+      <p:sp>
+        <p:nvSpPr>
+          <p:cNvPr id="4" name="矩形 3"/>
+          <p:cNvSpPr/>
+          <p:nvPr/>
+        </p:nvSpPr>
+        <p:spPr>
+          <a:xfrm>
+            <a:off x="467544" y="692696"/>
+            <a:ext cx="3857652" cy="2952328"/>
+          </a:xfrm>
+          <a:prstGeom prst="rect">
+            <a:avLst/>
+          </a:prstGeom>
+        </p:spPr>
+        <p:style>
+          <a:lnRef idx="2">
+            <a:schemeClr val="accent6"/>
+          </a:lnRef>
+          <a:fillRef idx="1">
+            <a:schemeClr val="lt1"/>
+          </a:fillRef>
+          <a:effectRef idx="0">
+            <a:schemeClr val="accent6"/>
+          </a:effectRef>
+          <a:fontRef idx="minor">
+            <a:schemeClr val="dk1"/>
+          </a:fontRef>
+        </p:style>
+        <p:txBody>
+          <a:bodyPr rtlCol="0" anchor="ctr"/>
+          <a:lstStyle/>
+          <a:p>
+            <a:r>
+              <a:rPr lang="en-US" altLang="zh-CN" sz="1200" err="1" smtClean="0"/>
+              <a:t>corp</a:t>
+            </a:r>
+            <a:r>
+              <a:rPr lang="en-US" altLang="zh-CN" sz="1200" smtClean="0"/>
+              <a:t>:              </a:t>
+            </a:r>
+            <a:r>
+              <a:rPr lang="zh-CN" altLang="en-US" sz="1200" smtClean="0"/>
+              <a:t>山东</a:t>
+            </a:r>
+            <a:r>
+              <a:rPr lang="zh-CN" altLang="en-US" sz="1200"/>
+              <a:t>鼎成卫星导航定位技术</a:t>
+            </a:r>
+            <a:r>
+              <a:rPr lang="zh-CN" altLang="en-US" sz="1200" smtClean="0"/>
+              <a:t>有限公司</a:t>
+            </a:r>
+            <a:endParaRPr lang="en-US" altLang="zh-CN" sz="1200" smtClean="0"/>
+          </a:p>
+          <a:p>
+            <a:r>
+              <a:rPr lang="en-US" altLang="zh-CN" sz="1200" smtClean="0"/>
+              <a:t>webAuth:      </a:t>
+            </a:r>
+            <a:r>
+              <a:rPr lang="zh-CN" altLang="en-US" sz="1200" smtClean="0"/>
+              <a:t>鲁</a:t>
+            </a:r>
+            <a:r>
+              <a:rPr lang="en-US" altLang="zh-CN" sz="1200" err="1"/>
+              <a:t>ICP</a:t>
+            </a:r>
+            <a:r>
+              <a:rPr lang="zh-CN" altLang="en-US" sz="1200"/>
+              <a:t>备</a:t>
+            </a:r>
+            <a:r>
+              <a:rPr lang="en-US" altLang="zh-CN" sz="1200"/>
+              <a:t>12345678</a:t>
+            </a:r>
+            <a:r>
+              <a:rPr lang="zh-CN" altLang="en-US" sz="1200" smtClean="0"/>
+              <a:t>号</a:t>
+            </a:r>
+            <a:endParaRPr lang="en-US" altLang="zh-CN" sz="1200" smtClean="0"/>
+          </a:p>
+          <a:p>
+            <a:r>
+              <a:rPr lang="en-US" altLang="zh-CN" sz="1200" smtClean="0"/>
+              <a:t>keywords:        </a:t>
+            </a:r>
+            <a:r>
+              <a:rPr lang="en-US" altLang="zh-CN" sz="1200" err="1" smtClean="0"/>
+              <a:t>xxxxxx</a:t>
+            </a:r>
+            <a:endParaRPr lang="en-US" altLang="zh-CN" sz="1200" smtClean="0"/>
+          </a:p>
+          <a:p>
+            <a:r>
+              <a:rPr lang="en-US" altLang="zh-CN" sz="1200" smtClean="0"/>
+              <a:t>descriptions:   xxxxx,xxxxxxx,xxx</a:t>
+            </a:r>
+            <a:br>
+              <a:rPr lang="en-US" altLang="zh-CN" sz="1200" smtClean="0"/>
+            </a:br>
+            <a:r>
+              <a:rPr lang="en-US" altLang="zh-CN" sz="1200" smtClean="0"/>
+              <a:t>jsonEx:</a:t>
+            </a:r>
+          </a:p>
+          <a:p>
+            <a:r>
+              <a:rPr lang="en-US" altLang="zh-CN" sz="1200" smtClean="0"/>
+              <a:t>siteMap:                 </a:t>
+            </a:r>
+            <a:endParaRPr lang="zh-CN" altLang="en-US" sz="1200"/>
+          </a:p>
+        </p:txBody>
+      </p:sp>
     </p:spTree>
   </p:cSld>
   <p:clrMapOvr>
@@ -3649,7 +4036,7 @@
         <a:sysClr val="windowText" lastClr="000000"/>
       </a:dk1>
       <a:lt1>
-        <a:sysClr val="window" lastClr="56C965"/>
+        <a:sysClr val="window" lastClr="009B4E"/>
       </a:lt1>
       <a:dk2>
         <a:srgbClr val="1F497D"/>

--- a/hierarchy.pptx
+++ b/hierarchy.pptx
@@ -7,6 +7,8 @@
   <p:sldIdLst>
     <p:sldId id="256" r:id="rId2"/>
     <p:sldId id="257" r:id="rId3"/>
+    <p:sldId id="258" r:id="rId4"/>
+    <p:sldId id="259" r:id="rId5"/>
   </p:sldIdLst>
   <p:sldSz cx="9144000" cy="6858000" type="screen4x3"/>
   <p:notesSz cx="6858000" cy="9144000"/>
@@ -290,7 +292,7 @@
             <a:fld id="{530820CF-B880-4189-942D-D702A7CBA730}" type="datetimeFigureOut">
               <a:rPr lang="zh-CN" altLang="en-US" smtClean="0"/>
               <a:pPr/>
-              <a:t>2015/5/13</a:t>
+              <a:t>2015/5/14</a:t>
             </a:fld>
             <a:endParaRPr lang="zh-CN" altLang="en-US"/>
           </a:p>
@@ -457,7 +459,7 @@
             <a:fld id="{530820CF-B880-4189-942D-D702A7CBA730}" type="datetimeFigureOut">
               <a:rPr lang="zh-CN" altLang="en-US" smtClean="0"/>
               <a:pPr/>
-              <a:t>2015/5/13</a:t>
+              <a:t>2015/5/14</a:t>
             </a:fld>
             <a:endParaRPr lang="zh-CN" altLang="en-US"/>
           </a:p>
@@ -634,7 +636,7 @@
             <a:fld id="{530820CF-B880-4189-942D-D702A7CBA730}" type="datetimeFigureOut">
               <a:rPr lang="zh-CN" altLang="en-US" smtClean="0"/>
               <a:pPr/>
-              <a:t>2015/5/13</a:t>
+              <a:t>2015/5/14</a:t>
             </a:fld>
             <a:endParaRPr lang="zh-CN" altLang="en-US"/>
           </a:p>
@@ -801,7 +803,7 @@
             <a:fld id="{530820CF-B880-4189-942D-D702A7CBA730}" type="datetimeFigureOut">
               <a:rPr lang="zh-CN" altLang="en-US" smtClean="0"/>
               <a:pPr/>
-              <a:t>2015/5/13</a:t>
+              <a:t>2015/5/14</a:t>
             </a:fld>
             <a:endParaRPr lang="zh-CN" altLang="en-US"/>
           </a:p>
@@ -1044,7 +1046,7 @@
             <a:fld id="{530820CF-B880-4189-942D-D702A7CBA730}" type="datetimeFigureOut">
               <a:rPr lang="zh-CN" altLang="en-US" smtClean="0"/>
               <a:pPr/>
-              <a:t>2015/5/13</a:t>
+              <a:t>2015/5/14</a:t>
             </a:fld>
             <a:endParaRPr lang="zh-CN" altLang="en-US"/>
           </a:p>
@@ -1329,7 +1331,7 @@
             <a:fld id="{530820CF-B880-4189-942D-D702A7CBA730}" type="datetimeFigureOut">
               <a:rPr lang="zh-CN" altLang="en-US" smtClean="0"/>
               <a:pPr/>
-              <a:t>2015/5/13</a:t>
+              <a:t>2015/5/14</a:t>
             </a:fld>
             <a:endParaRPr lang="zh-CN" altLang="en-US"/>
           </a:p>
@@ -1748,7 +1750,7 @@
             <a:fld id="{530820CF-B880-4189-942D-D702A7CBA730}" type="datetimeFigureOut">
               <a:rPr lang="zh-CN" altLang="en-US" smtClean="0"/>
               <a:pPr/>
-              <a:t>2015/5/13</a:t>
+              <a:t>2015/5/14</a:t>
             </a:fld>
             <a:endParaRPr lang="zh-CN" altLang="en-US"/>
           </a:p>
@@ -1863,7 +1865,7 @@
             <a:fld id="{530820CF-B880-4189-942D-D702A7CBA730}" type="datetimeFigureOut">
               <a:rPr lang="zh-CN" altLang="en-US" smtClean="0"/>
               <a:pPr/>
-              <a:t>2015/5/13</a:t>
+              <a:t>2015/5/14</a:t>
             </a:fld>
             <a:endParaRPr lang="zh-CN" altLang="en-US"/>
           </a:p>
@@ -1955,7 +1957,7 @@
             <a:fld id="{530820CF-B880-4189-942D-D702A7CBA730}" type="datetimeFigureOut">
               <a:rPr lang="zh-CN" altLang="en-US" smtClean="0"/>
               <a:pPr/>
-              <a:t>2015/5/13</a:t>
+              <a:t>2015/5/14</a:t>
             </a:fld>
             <a:endParaRPr lang="zh-CN" altLang="en-US"/>
           </a:p>
@@ -2229,7 +2231,7 @@
             <a:fld id="{530820CF-B880-4189-942D-D702A7CBA730}" type="datetimeFigureOut">
               <a:rPr lang="zh-CN" altLang="en-US" smtClean="0"/>
               <a:pPr/>
-              <a:t>2015/5/13</a:t>
+              <a:t>2015/5/14</a:t>
             </a:fld>
             <a:endParaRPr lang="zh-CN" altLang="en-US"/>
           </a:p>
@@ -2479,7 +2481,7 @@
             <a:fld id="{530820CF-B880-4189-942D-D702A7CBA730}" type="datetimeFigureOut">
               <a:rPr lang="zh-CN" altLang="en-US" smtClean="0"/>
               <a:pPr/>
-              <a:t>2015/5/13</a:t>
+              <a:t>2015/5/14</a:t>
             </a:fld>
             <a:endParaRPr lang="zh-CN" altLang="en-US"/>
           </a:p>
@@ -2689,7 +2691,7 @@
             <a:fld id="{530820CF-B880-4189-942D-D702A7CBA730}" type="datetimeFigureOut">
               <a:rPr lang="zh-CN" altLang="en-US" smtClean="0"/>
               <a:pPr/>
-              <a:t>2015/5/13</a:t>
+              <a:t>2015/5/14</a:t>
             </a:fld>
             <a:endParaRPr lang="zh-CN" altLang="en-US"/>
           </a:p>
@@ -3452,11 +3454,7 @@
             </a:r>
             <a:r>
               <a:rPr lang="zh-CN" altLang="en-US" sz="1200" smtClean="0"/>
-              <a:t>：简介，</a:t>
-            </a:r>
-            <a:r>
-              <a:rPr lang="zh-CN" altLang="en-US" sz="1200" smtClean="0"/>
-              <a:t>介绍</a:t>
+              <a:t>：简介，介绍</a:t>
             </a:r>
             <a:endParaRPr lang="en-US" altLang="zh-CN" sz="1200" smtClean="0"/>
           </a:p>
@@ -3539,11 +3537,7 @@
             </a:r>
             <a:r>
               <a:rPr lang="zh-CN" altLang="en-US" sz="1200" smtClean="0"/>
-              <a:t>：视频</a:t>
-            </a:r>
-            <a:r>
-              <a:rPr lang="zh-CN" altLang="en-US" sz="1200" smtClean="0"/>
-              <a:t>链接</a:t>
+              <a:t>：视频链接</a:t>
             </a:r>
             <a:r>
               <a:rPr lang="en-US" altLang="zh-CN" sz="1200" smtClean="0"/>
@@ -3596,11 +3590,7 @@
             </a:pPr>
             <a:r>
               <a:rPr lang="en-US" altLang="zh-CN" sz="1200" smtClean="0"/>
-              <a:t>pageView</a:t>
-            </a:r>
-            <a:r>
-              <a:rPr lang="en-US" altLang="zh-CN" sz="1200" smtClean="0"/>
-              <a:t>: ‘single’, ‘flat3x3’ </a:t>
+              <a:t>pageView: ‘single’, ‘flat3x3’ </a:t>
             </a:r>
           </a:p>
           <a:p>
@@ -3611,17 +3601,12 @@
             </a:pPr>
             <a:r>
               <a:rPr lang="en-US" altLang="zh-CN" sz="1200"/>
-              <a:t>boardPic: {‘main’:’s</a:t>
-            </a:r>
-            <a:r>
-              <a:rPr lang="en-US" altLang="zh-CN" sz="1200"/>
-              <a:t>’, </a:t>
+              <a:t>boardPic: {‘main’:’s’, </a:t>
             </a:r>
             <a:r>
               <a:rPr lang="en-US" altLang="zh-CN" sz="1200" smtClean="0"/>
               <a:t>‘’}</a:t>
             </a:r>
-            <a:endParaRPr lang="en-US" altLang="zh-CN" sz="1200" smtClean="0"/>
           </a:p>
           <a:p>
             <a:pPr algn="ctr">
@@ -3635,11 +3620,7 @@
             </a:r>
             <a:r>
               <a:rPr lang="zh-CN" altLang="en-US" sz="1200"/>
-              <a:t>：特殊控制：后台用户</a:t>
-            </a:r>
-            <a:r>
-              <a:rPr lang="zh-CN" altLang="en-US" sz="1200"/>
-              <a:t>不</a:t>
+              <a:t>：特殊控制：后台用户不</a:t>
             </a:r>
             <a:r>
               <a:rPr lang="zh-CN" altLang="en-US" sz="1200" smtClean="0"/>
@@ -3681,11 +3662,7 @@
             </a:r>
             <a:r>
               <a:rPr lang="zh-CN" altLang="en-US" sz="1200" smtClean="0"/>
-              <a:t>：内部一些设置说明</a:t>
-            </a:r>
-            <a:r>
-              <a:rPr lang="zh-CN" altLang="en-US" sz="1200" smtClean="0"/>
-              <a:t>。</a:t>
+              <a:t>：内部一些设置说明。</a:t>
             </a:r>
             <a:r>
               <a:rPr lang="en-US" altLang="zh-CN" sz="1200"/>
@@ -3758,19 +3735,35 @@
             <a:pPr algn="ctr"/>
             <a:r>
               <a:rPr lang="en-US" altLang="zh-CN" sz="1200" b="1"/>
-              <a:t>[</a:t>
-            </a:r>
-            <a:r>
-              <a:rPr lang="en-US" altLang="zh-CN" sz="1200" b="1"/>
-              <a:t>(</a:t>
+              <a:t>[("</a:t>
+            </a:r>
+            <a:r>
+              <a:rPr lang="zh-CN" altLang="en-US" sz="1200" b="1"/>
+              <a:t>公司</a:t>
             </a:r>
             <a:r>
               <a:rPr lang="en-US" altLang="zh-CN" sz="1200" b="1"/>
               <a:t>"</a:t>
             </a:r>
             <a:r>
+              <a:rPr lang="en-US" altLang="zh-CN" sz="1200"/>
+              <a:t>, </a:t>
+            </a:r>
+            <a:r>
+              <a:rPr lang="en-US" altLang="zh-CN" sz="1200" b="1"/>
+              <a:t>'/resec/1/')</a:t>
+            </a:r>
+            <a:r>
+              <a:rPr lang="en-US" altLang="zh-CN" sz="1200"/>
+              <a:t>, </a:t>
+            </a:r>
+            <a:r>
+              <a:rPr lang="en-US" altLang="zh-CN" sz="1200" b="1"/>
+              <a:t>("</a:t>
+            </a:r>
+            <a:r>
               <a:rPr lang="zh-CN" altLang="en-US" sz="1200" b="1"/>
-              <a:t>公司</a:t>
+              <a:t>公司简介</a:t>
             </a:r>
             <a:r>
               <a:rPr lang="en-US" altLang="zh-CN" sz="1200" b="1"/>
@@ -3782,43 +3775,7 @@
             </a:r>
             <a:r>
               <a:rPr lang="en-US" altLang="zh-CN" sz="1200" b="1"/>
-              <a:t>'/resec/1/'</a:t>
-            </a:r>
-            <a:r>
-              <a:rPr lang="en-US" altLang="zh-CN" sz="1200" b="1"/>
-              <a:t>)</a:t>
-            </a:r>
-            <a:r>
-              <a:rPr lang="en-US" altLang="zh-CN" sz="1200"/>
-              <a:t>, </a:t>
-            </a:r>
-            <a:r>
-              <a:rPr lang="en-US" altLang="zh-CN" sz="1200" b="1"/>
-              <a:t>(</a:t>
-            </a:r>
-            <a:r>
-              <a:rPr lang="en-US" altLang="zh-CN" sz="1200" b="1"/>
-              <a:t>"</a:t>
-            </a:r>
-            <a:r>
-              <a:rPr lang="zh-CN" altLang="en-US" sz="1200" b="1"/>
-              <a:t>公司简介</a:t>
-            </a:r>
-            <a:r>
-              <a:rPr lang="en-US" altLang="zh-CN" sz="1200" b="1"/>
-              <a:t>"</a:t>
-            </a:r>
-            <a:r>
-              <a:rPr lang="en-US" altLang="zh-CN" sz="1200"/>
-              <a:t>, </a:t>
-            </a:r>
-            <a:r>
-              <a:rPr lang="en-US" altLang="zh-CN" sz="1200" b="1"/>
-              <a:t>'/</a:t>
-            </a:r>
-            <a:r>
-              <a:rPr lang="en-US" altLang="zh-CN" sz="1200" b="1"/>
-              <a:t>resec/1</a:t>
+              <a:t>'/resec/1</a:t>
             </a:r>
             <a:r>
               <a:rPr lang="en-US" altLang="zh-CN" sz="1200" b="1" smtClean="0"/>
@@ -3914,7 +3871,7 @@
         <p:spPr>
           <a:xfrm>
             <a:off x="467544" y="692696"/>
-            <a:ext cx="3857652" cy="2952328"/>
+            <a:ext cx="3857652" cy="2016224"/>
           </a:xfrm>
           <a:prstGeom prst="rect">
             <a:avLst/>
@@ -4021,6 +3978,610 @@
         </p:txBody>
       </p:sp>
     </p:spTree>
+  </p:cSld>
+  <p:clrMapOvr>
+    <a:masterClrMapping/>
+  </p:clrMapOvr>
+</p:sld>
+</file>
+
+<file path=ppt/slides/slide3.xml><?xml version="1.0" encoding="utf-8"?>
+<p:sld xmlns:a="http://schemas.openxmlformats.org/drawingml/2006/main" xmlns:r="http://schemas.openxmlformats.org/officeDocument/2006/relationships" xmlns:p="http://schemas.openxmlformats.org/presentationml/2006/main">
+  <p:cSld>
+    <p:spTree>
+      <p:nvGrpSpPr>
+        <p:cNvPr id="1" name=""/>
+        <p:cNvGrpSpPr/>
+        <p:nvPr/>
+      </p:nvGrpSpPr>
+      <p:grpSpPr>
+        <a:xfrm>
+          <a:off x="0" y="0"/>
+          <a:ext cx="0" cy="0"/>
+          <a:chOff x="0" y="0"/>
+          <a:chExt cx="0" cy="0"/>
+        </a:xfrm>
+      </p:grpSpPr>
+      <p:sp>
+        <p:nvSpPr>
+          <p:cNvPr id="5" name="矩形 4"/>
+          <p:cNvSpPr/>
+          <p:nvPr/>
+        </p:nvSpPr>
+        <p:spPr>
+          <a:xfrm>
+            <a:off x="142844" y="142852"/>
+            <a:ext cx="2643206" cy="428628"/>
+          </a:xfrm>
+          <a:prstGeom prst="rect">
+            <a:avLst/>
+          </a:prstGeom>
+        </p:spPr>
+        <p:style>
+          <a:lnRef idx="2">
+            <a:schemeClr val="accent6"/>
+          </a:lnRef>
+          <a:fillRef idx="1">
+            <a:schemeClr val="lt1"/>
+          </a:fillRef>
+          <a:effectRef idx="0">
+            <a:schemeClr val="accent6"/>
+          </a:effectRef>
+          <a:fontRef idx="minor">
+            <a:schemeClr val="dk1"/>
+          </a:fontRef>
+        </p:style>
+        <p:txBody>
+          <a:bodyPr rtlCol="0" anchor="ctr"/>
+          <a:lstStyle/>
+          <a:p>
+            <a:pPr algn="ctr"/>
+            <a:r>
+              <a:rPr lang="en-US" altLang="zh-CN" sz="1200" smtClean="0"/>
+              <a:t>url</a:t>
+            </a:r>
+            <a:endParaRPr lang="zh-CN" altLang="en-US" sz="1200"/>
+          </a:p>
+        </p:txBody>
+      </p:sp>
+      <p:sp>
+        <p:nvSpPr>
+          <p:cNvPr id="6" name="矩形 5"/>
+          <p:cNvSpPr/>
+          <p:nvPr/>
+        </p:nvSpPr>
+        <p:spPr>
+          <a:xfrm>
+            <a:off x="467544" y="692696"/>
+            <a:ext cx="6192688" cy="2016224"/>
+          </a:xfrm>
+          <a:prstGeom prst="rect">
+            <a:avLst/>
+          </a:prstGeom>
+        </p:spPr>
+        <p:style>
+          <a:lnRef idx="2">
+            <a:schemeClr val="accent6"/>
+          </a:lnRef>
+          <a:fillRef idx="1">
+            <a:schemeClr val="lt1"/>
+          </a:fillRef>
+          <a:effectRef idx="0">
+            <a:schemeClr val="accent6"/>
+          </a:effectRef>
+          <a:fontRef idx="minor">
+            <a:schemeClr val="dk1"/>
+          </a:fontRef>
+        </p:style>
+        <p:txBody>
+          <a:bodyPr rtlCol="0" anchor="t" anchorCtr="0"/>
+          <a:lstStyle/>
+          <a:p>
+            <a:r>
+              <a:rPr lang="en-US" altLang="zh-CN" sz="1200"/>
+              <a:t>url</a:t>
+            </a:r>
+            <a:r>
+              <a:rPr lang="en-US" altLang="zh-CN" sz="1200" b="1"/>
+              <a:t>(</a:t>
+            </a:r>
+            <a:r>
+              <a:rPr lang="en-US" altLang="zh-CN" sz="1200" b="1"/>
+              <a:t>r'^notstatic/js/ueditor/controller'</a:t>
+            </a:r>
+            <a:r>
+              <a:rPr lang="en-US" altLang="zh-CN" sz="1200"/>
+              <a:t>, views.ueditorController,name</a:t>
+            </a:r>
+            <a:r>
+              <a:rPr lang="en-US" altLang="zh-CN" sz="1200" b="1"/>
+              <a:t>='ueditor'</a:t>
+            </a:r>
+            <a:r>
+              <a:rPr lang="en-US" altLang="zh-CN" sz="1200" b="1"/>
+              <a:t>)</a:t>
+            </a:r>
+            <a:r>
+              <a:rPr lang="en-US" altLang="zh-CN" sz="1200"/>
+              <a:t>,</a:t>
+            </a:r>
+            <a:br>
+              <a:rPr lang="en-US" altLang="zh-CN" sz="1200"/>
+            </a:br>
+            <a:r>
+              <a:rPr lang="en-US" altLang="zh-CN" sz="1200"/>
+              <a:t>url</a:t>
+            </a:r>
+            <a:r>
+              <a:rPr lang="en-US" altLang="zh-CN" sz="1200" b="1"/>
+              <a:t>(</a:t>
+            </a:r>
+            <a:r>
+              <a:rPr lang="en-US" altLang="zh-CN" sz="1200" b="1"/>
+              <a:t>r'^rest/$'</a:t>
+            </a:r>
+            <a:r>
+              <a:rPr lang="en-US" altLang="zh-CN" sz="1200"/>
+              <a:t>,views.dealREST,name</a:t>
+            </a:r>
+            <a:r>
+              <a:rPr lang="en-US" altLang="zh-CN" sz="1200" b="1"/>
+              <a:t>='rest'</a:t>
+            </a:r>
+            <a:r>
+              <a:rPr lang="en-US" altLang="zh-CN" sz="1200" b="1"/>
+              <a:t>)</a:t>
+            </a:r>
+            <a:r>
+              <a:rPr lang="en-US" altLang="zh-CN" sz="1200"/>
+              <a:t>,</a:t>
+            </a:r>
+            <a:br>
+              <a:rPr lang="en-US" altLang="zh-CN" sz="1200"/>
+            </a:br>
+            <a:r>
+              <a:rPr lang="en-US" altLang="zh-CN" sz="1200"/>
+              <a:t/>
+            </a:r>
+            <a:br>
+              <a:rPr lang="en-US" altLang="zh-CN" sz="1200"/>
+            </a:br>
+            <a:r>
+              <a:rPr lang="en-US" altLang="zh-CN" sz="1200"/>
+              <a:t>url</a:t>
+            </a:r>
+            <a:r>
+              <a:rPr lang="en-US" altLang="zh-CN" sz="1200" b="1"/>
+              <a:t>(</a:t>
+            </a:r>
+            <a:r>
+              <a:rPr lang="en-US" altLang="zh-CN" sz="1200" b="1"/>
+              <a:t>r'^mbjp/$'</a:t>
+            </a:r>
+            <a:r>
+              <a:rPr lang="en-US" altLang="zh-CN" sz="1200"/>
+              <a:t>,viewsMb.getJsonp,name</a:t>
+            </a:r>
+            <a:r>
+              <a:rPr lang="en-US" altLang="zh-CN" sz="1200" b="1"/>
+              <a:t>='mbjp'</a:t>
+            </a:r>
+            <a:r>
+              <a:rPr lang="en-US" altLang="zh-CN" sz="1200" b="1"/>
+              <a:t>)</a:t>
+            </a:r>
+            <a:r>
+              <a:rPr lang="en-US" altLang="zh-CN" sz="1200"/>
+              <a:t>,</a:t>
+            </a:r>
+            <a:br>
+              <a:rPr lang="en-US" altLang="zh-CN" sz="1200"/>
+            </a:br>
+            <a:r>
+              <a:rPr lang="en-US" altLang="zh-CN" sz="1200"/>
+              <a:t/>
+            </a:r>
+            <a:br>
+              <a:rPr lang="en-US" altLang="zh-CN" sz="1200"/>
+            </a:br>
+            <a:r>
+              <a:rPr lang="en-US" altLang="zh-CN" sz="1200"/>
+              <a:t>url</a:t>
+            </a:r>
+            <a:r>
+              <a:rPr lang="en-US" altLang="zh-CN" sz="1200" b="1"/>
+              <a:t>(</a:t>
+            </a:r>
+            <a:r>
+              <a:rPr lang="en-US" altLang="zh-CN" sz="1200" b="1"/>
+              <a:t>r'^(?P&lt;goolArg&gt;\w+)/$'</a:t>
+            </a:r>
+            <a:r>
+              <a:rPr lang="en-US" altLang="zh-CN" sz="1200"/>
+              <a:t>, viewsFore.gool, name</a:t>
+            </a:r>
+            <a:r>
+              <a:rPr lang="en-US" altLang="zh-CN" sz="1200" b="1"/>
+              <a:t>='gool</a:t>
+            </a:r>
+            <a:r>
+              <a:rPr lang="en-US" altLang="zh-CN" sz="1200" b="1"/>
+              <a:t>'</a:t>
+            </a:r>
+            <a:r>
+              <a:rPr lang="en-US" altLang="zh-CN" sz="1200" b="1"/>
+              <a:t>)</a:t>
+            </a:r>
+            <a:r>
+              <a:rPr lang="en-US" altLang="zh-CN" sz="1200"/>
+              <a:t>,  </a:t>
+            </a:r>
+            <a:r>
+              <a:rPr lang="zh-CN" altLang="en-US" sz="1200"/>
+              <a:t/>
+            </a:r>
+            <a:br>
+              <a:rPr lang="zh-CN" altLang="en-US" sz="1200"/>
+            </a:br>
+            <a:r>
+              <a:rPr lang="en-US" altLang="zh-CN" sz="1200"/>
+              <a:t>url</a:t>
+            </a:r>
+            <a:r>
+              <a:rPr lang="en-US" altLang="zh-CN" sz="1200" b="1"/>
+              <a:t>(</a:t>
+            </a:r>
+            <a:r>
+              <a:rPr lang="en-US" altLang="zh-CN" sz="1200" b="1"/>
+              <a:t>r'^(?P&lt;goolArg&gt;\w+)/(?P&lt;goolSecArg&gt;\w+)/$'</a:t>
+            </a:r>
+            <a:r>
+              <a:rPr lang="en-US" altLang="zh-CN" sz="1200"/>
+              <a:t>, viewsFore.gool, name</a:t>
+            </a:r>
+            <a:r>
+              <a:rPr lang="en-US" altLang="zh-CN" sz="1200" b="1"/>
+              <a:t>='goolsub'</a:t>
+            </a:r>
+            <a:r>
+              <a:rPr lang="en-US" altLang="zh-CN" sz="1200" b="1"/>
+              <a:t>)</a:t>
+            </a:r>
+            <a:r>
+              <a:rPr lang="en-US" altLang="zh-CN" sz="1200"/>
+              <a:t>,</a:t>
+            </a:r>
+            <a:br>
+              <a:rPr lang="en-US" altLang="zh-CN" sz="1200"/>
+            </a:br>
+            <a:endParaRPr lang="zh-CN" altLang="en-US" sz="1200"/>
+          </a:p>
+        </p:txBody>
+      </p:sp>
+    </p:spTree>
+    <p:extLst>
+      <p:ext uri="{BB962C8B-B14F-4D97-AF65-F5344CB8AC3E}">
+        <p14:creationId xmlns:p14="http://schemas.microsoft.com/office/powerpoint/2010/main" val="4024293650"/>
+      </p:ext>
+    </p:extLst>
+  </p:cSld>
+  <p:clrMapOvr>
+    <a:masterClrMapping/>
+  </p:clrMapOvr>
+</p:sld>
+</file>
+
+<file path=ppt/slides/slide4.xml><?xml version="1.0" encoding="utf-8"?>
+<p:sld xmlns:a="http://schemas.openxmlformats.org/drawingml/2006/main" xmlns:r="http://schemas.openxmlformats.org/officeDocument/2006/relationships" xmlns:p="http://schemas.openxmlformats.org/presentationml/2006/main">
+  <p:cSld>
+    <p:spTree>
+      <p:nvGrpSpPr>
+        <p:cNvPr id="1" name=""/>
+        <p:cNvGrpSpPr/>
+        <p:nvPr/>
+      </p:nvGrpSpPr>
+      <p:grpSpPr>
+        <a:xfrm>
+          <a:off x="0" y="0"/>
+          <a:ext cx="0" cy="0"/>
+          <a:chOff x="0" y="0"/>
+          <a:chExt cx="0" cy="0"/>
+        </a:xfrm>
+      </p:grpSpPr>
+      <p:sp>
+        <p:nvSpPr>
+          <p:cNvPr id="5" name="矩形 4"/>
+          <p:cNvSpPr/>
+          <p:nvPr/>
+        </p:nvSpPr>
+        <p:spPr>
+          <a:xfrm>
+            <a:off x="142844" y="142852"/>
+            <a:ext cx="2643206" cy="428628"/>
+          </a:xfrm>
+          <a:prstGeom prst="rect">
+            <a:avLst/>
+          </a:prstGeom>
+        </p:spPr>
+        <p:style>
+          <a:lnRef idx="2">
+            <a:schemeClr val="accent6"/>
+          </a:lnRef>
+          <a:fillRef idx="1">
+            <a:schemeClr val="lt1"/>
+          </a:fillRef>
+          <a:effectRef idx="0">
+            <a:schemeClr val="accent6"/>
+          </a:effectRef>
+          <a:fontRef idx="minor">
+            <a:schemeClr val="dk1"/>
+          </a:fontRef>
+        </p:style>
+        <p:txBody>
+          <a:bodyPr rtlCol="0" anchor="ctr"/>
+          <a:lstStyle/>
+          <a:p>
+            <a:pPr algn="ctr"/>
+            <a:r>
+              <a:rPr lang="en-US" altLang="zh-CN" sz="1200" smtClean="0">
+                <a:solidFill>
+                  <a:prstClr val="black"/>
+                </a:solidFill>
+              </a:rPr>
+              <a:t>url</a:t>
+            </a:r>
+            <a:endParaRPr lang="zh-CN" altLang="en-US" sz="1200">
+              <a:solidFill>
+                <a:prstClr val="black"/>
+              </a:solidFill>
+            </a:endParaRPr>
+          </a:p>
+        </p:txBody>
+      </p:sp>
+      <p:sp>
+        <p:nvSpPr>
+          <p:cNvPr id="6" name="矩形 5"/>
+          <p:cNvSpPr/>
+          <p:nvPr/>
+        </p:nvSpPr>
+        <p:spPr>
+          <a:xfrm>
+            <a:off x="467544" y="692696"/>
+            <a:ext cx="2952328" cy="360040"/>
+          </a:xfrm>
+          <a:prstGeom prst="rect">
+            <a:avLst/>
+          </a:prstGeom>
+        </p:spPr>
+        <p:style>
+          <a:lnRef idx="2">
+            <a:schemeClr val="accent6"/>
+          </a:lnRef>
+          <a:fillRef idx="1">
+            <a:schemeClr val="lt1"/>
+          </a:fillRef>
+          <a:effectRef idx="0">
+            <a:schemeClr val="accent6"/>
+          </a:effectRef>
+          <a:fontRef idx="minor">
+            <a:schemeClr val="dk1"/>
+          </a:fontRef>
+        </p:style>
+        <p:txBody>
+          <a:bodyPr rtlCol="0" anchor="t" anchorCtr="0"/>
+          <a:lstStyle/>
+          <a:p>
+            <a:r>
+              <a:rPr lang="en-US" altLang="zh-CN" sz="1200" smtClean="0">
+                <a:solidFill>
+                  <a:prstClr val="black"/>
+                </a:solidFill>
+              </a:rPr>
+              <a:t>url</a:t>
+            </a:r>
+            <a:r>
+              <a:rPr lang="en-US" altLang="zh-CN" sz="1200" b="1" smtClean="0">
+                <a:solidFill>
+                  <a:prstClr val="black"/>
+                </a:solidFill>
+              </a:rPr>
+              <a:t>(r</a:t>
+            </a:r>
+            <a:r>
+              <a:rPr lang="en-US" altLang="zh-CN" sz="1200" b="1">
+                <a:solidFill>
+                  <a:prstClr val="black"/>
+                </a:solidFill>
+              </a:rPr>
+              <a:t>'^rest/$'</a:t>
+            </a:r>
+            <a:r>
+              <a:rPr lang="en-US" altLang="zh-CN" sz="1200">
+                <a:solidFill>
+                  <a:prstClr val="black"/>
+                </a:solidFill>
+              </a:rPr>
+              <a:t>,views.dealREST,name</a:t>
+            </a:r>
+            <a:r>
+              <a:rPr lang="en-US" altLang="zh-CN" sz="1200" b="1">
+                <a:solidFill>
+                  <a:prstClr val="black"/>
+                </a:solidFill>
+              </a:rPr>
+              <a:t>='rest')</a:t>
+            </a:r>
+            <a:r>
+              <a:rPr lang="en-US" altLang="zh-CN" sz="1200">
+                <a:solidFill>
+                  <a:prstClr val="black"/>
+                </a:solidFill>
+              </a:rPr>
+              <a:t>,</a:t>
+            </a:r>
+            <a:r>
+              <a:rPr lang="en-US" altLang="zh-CN" sz="1200">
+                <a:solidFill>
+                  <a:prstClr val="black"/>
+                </a:solidFill>
+              </a:rPr>
+              <a:t/>
+            </a:r>
+            <a:br>
+              <a:rPr lang="en-US" altLang="zh-CN" sz="1200">
+                <a:solidFill>
+                  <a:prstClr val="black"/>
+                </a:solidFill>
+              </a:rPr>
+            </a:br>
+            <a:endParaRPr lang="zh-CN" altLang="en-US" sz="1200">
+              <a:solidFill>
+                <a:prstClr val="black"/>
+              </a:solidFill>
+            </a:endParaRPr>
+          </a:p>
+        </p:txBody>
+      </p:sp>
+      <p:sp>
+        <p:nvSpPr>
+          <p:cNvPr id="2" name="矩形 1"/>
+          <p:cNvSpPr/>
+          <p:nvPr/>
+        </p:nvSpPr>
+        <p:spPr>
+          <a:xfrm>
+            <a:off x="1734364" y="1127880"/>
+            <a:ext cx="4997876" cy="646331"/>
+          </a:xfrm>
+          <a:prstGeom prst="rect">
+            <a:avLst/>
+          </a:prstGeom>
+        </p:spPr>
+        <p:style>
+          <a:lnRef idx="2">
+            <a:schemeClr val="dk1"/>
+          </a:lnRef>
+          <a:fillRef idx="1">
+            <a:schemeClr val="lt1"/>
+          </a:fillRef>
+          <a:effectRef idx="0">
+            <a:schemeClr val="dk1"/>
+          </a:effectRef>
+          <a:fontRef idx="minor">
+            <a:schemeClr val="dk1"/>
+          </a:fontRef>
+        </p:style>
+        <p:txBody>
+          <a:bodyPr wrap="square">
+            <a:spAutoFit/>
+          </a:bodyPr>
+          <a:lstStyle/>
+          <a:p>
+            <a:r>
+              <a:rPr lang="en-US" altLang="zh-CN" sz="1200"/>
+              <a:t>ldict = json.loads(request.POST[</a:t>
+            </a:r>
+            <a:r>
+              <a:rPr lang="en-US" altLang="zh-CN" sz="1200"/>
+              <a:t>'jpargs</a:t>
+            </a:r>
+            <a:r>
+              <a:rPr lang="en-US" altLang="zh-CN" sz="1200" smtClean="0"/>
+              <a:t>'])</a:t>
+            </a:r>
+            <a:br>
+              <a:rPr lang="en-US" altLang="zh-CN" sz="1200" smtClean="0"/>
+            </a:br>
+            <a:r>
+              <a:rPr lang="en-US" altLang="zh-CN" sz="1200" smtClean="0"/>
+              <a:t>    </a:t>
+            </a:r>
+            <a:r>
+              <a:rPr lang="en-US" altLang="zh-CN" sz="1200" b="1" smtClean="0"/>
+              <a:t>if 'ex_parm' not in </a:t>
+            </a:r>
+            <a:r>
+              <a:rPr lang="en-US" altLang="zh-CN" sz="1200" smtClean="0"/>
+              <a:t>ldict </a:t>
+            </a:r>
+            <a:r>
+              <a:rPr lang="en-US" altLang="zh-CN" sz="1200" b="1" smtClean="0"/>
+              <a:t>or 'func' not in </a:t>
+            </a:r>
+            <a:r>
+              <a:rPr lang="en-US" altLang="zh-CN" sz="1200" smtClean="0"/>
+              <a:t>ldict</a:t>
+            </a:r>
+            <a:r>
+              <a:rPr lang="en-US" altLang="zh-CN" sz="1200" b="1" smtClean="0"/>
+              <a:t>:</a:t>
+            </a:r>
+            <a:br>
+              <a:rPr lang="en-US" altLang="zh-CN" sz="1200" b="1" smtClean="0"/>
+            </a:br>
+            <a:r>
+              <a:rPr lang="en-US" altLang="zh-CN" sz="1200" b="1" smtClean="0"/>
+              <a:t>        raise </a:t>
+            </a:r>
+            <a:r>
+              <a:rPr lang="en-US" altLang="zh-CN" sz="1200" smtClean="0"/>
+              <a:t>AppException</a:t>
+            </a:r>
+            <a:r>
+              <a:rPr lang="en-US" altLang="zh-CN" sz="1200" b="1" smtClean="0"/>
+              <a:t>('</a:t>
+            </a:r>
+            <a:r>
+              <a:rPr lang="zh-CN" altLang="en-US" sz="1200" b="1" smtClean="0"/>
+              <a:t>传入参数错误</a:t>
+            </a:r>
+            <a:r>
+              <a:rPr lang="en-US" altLang="zh-CN" sz="1200" b="1" smtClean="0"/>
+              <a:t>')</a:t>
+            </a:r>
+            <a:endParaRPr lang="zh-CN" altLang="en-US" sz="1200"/>
+          </a:p>
+        </p:txBody>
+      </p:sp>
+      <p:sp>
+        <p:nvSpPr>
+          <p:cNvPr id="7" name="矩形 6"/>
+          <p:cNvSpPr/>
+          <p:nvPr/>
+        </p:nvSpPr>
+        <p:spPr>
+          <a:xfrm>
+            <a:off x="395536" y="1127880"/>
+            <a:ext cx="954107" cy="276999"/>
+          </a:xfrm>
+          <a:prstGeom prst="rect">
+            <a:avLst/>
+          </a:prstGeom>
+        </p:spPr>
+        <p:txBody>
+          <a:bodyPr wrap="none">
+            <a:spAutoFit/>
+          </a:bodyPr>
+          <a:lstStyle/>
+          <a:p>
+            <a:r>
+              <a:rPr lang="zh-CN" altLang="en-US" sz="1200" b="1" smtClean="0"/>
+              <a:t>参数分解</a:t>
+            </a:r>
+            <a:r>
+              <a:rPr lang="zh-CN" altLang="en-US" sz="1200" smtClean="0"/>
+              <a:t>：</a:t>
+            </a:r>
+            <a:endParaRPr lang="zh-CN" altLang="en-US" sz="1200"/>
+          </a:p>
+        </p:txBody>
+      </p:sp>
+    </p:spTree>
+    <p:extLst>
+      <p:ext uri="{BB962C8B-B14F-4D97-AF65-F5344CB8AC3E}">
+        <p14:creationId xmlns:p14="http://schemas.microsoft.com/office/powerpoint/2010/main" val="3264747673"/>
+      </p:ext>
+    </p:extLst>
   </p:cSld>
   <p:clrMapOvr>
     <a:masterClrMapping/>

--- a/hierarchy.pptx
+++ b/hierarchy.pptx
@@ -4083,11 +4083,7 @@
             </a:r>
             <a:r>
               <a:rPr lang="en-US" altLang="zh-CN" sz="1200" b="1"/>
-              <a:t>(</a:t>
-            </a:r>
-            <a:r>
-              <a:rPr lang="en-US" altLang="zh-CN" sz="1200" b="1"/>
-              <a:t>r'^notstatic/js/ueditor/controller'</a:t>
+              <a:t>(r'^notstatic/js/ueditor/controller'</a:t>
             </a:r>
             <a:r>
               <a:rPr lang="en-US" altLang="zh-CN" sz="1200"/>
@@ -4095,11 +4091,7 @@
             </a:r>
             <a:r>
               <a:rPr lang="en-US" altLang="zh-CN" sz="1200" b="1"/>
-              <a:t>='ueditor'</a:t>
-            </a:r>
-            <a:r>
-              <a:rPr lang="en-US" altLang="zh-CN" sz="1200" b="1"/>
-              <a:t>)</a:t>
+              <a:t>='ueditor')</a:t>
             </a:r>
             <a:r>
               <a:rPr lang="en-US" altLang="zh-CN" sz="1200"/>
@@ -4114,11 +4106,7 @@
             </a:r>
             <a:r>
               <a:rPr lang="en-US" altLang="zh-CN" sz="1200" b="1"/>
-              <a:t>(</a:t>
-            </a:r>
-            <a:r>
-              <a:rPr lang="en-US" altLang="zh-CN" sz="1200" b="1"/>
-              <a:t>r'^rest/$'</a:t>
+              <a:t>(r'^rest/$'</a:t>
             </a:r>
             <a:r>
               <a:rPr lang="en-US" altLang="zh-CN" sz="1200"/>
@@ -4126,11 +4114,7 @@
             </a:r>
             <a:r>
               <a:rPr lang="en-US" altLang="zh-CN" sz="1200" b="1"/>
-              <a:t>='rest'</a:t>
-            </a:r>
-            <a:r>
-              <a:rPr lang="en-US" altLang="zh-CN" sz="1200" b="1"/>
-              <a:t>)</a:t>
+              <a:t>='rest')</a:t>
             </a:r>
             <a:r>
               <a:rPr lang="en-US" altLang="zh-CN" sz="1200"/>
@@ -4152,11 +4136,7 @@
             </a:r>
             <a:r>
               <a:rPr lang="en-US" altLang="zh-CN" sz="1200" b="1"/>
-              <a:t>(</a:t>
-            </a:r>
-            <a:r>
-              <a:rPr lang="en-US" altLang="zh-CN" sz="1200" b="1"/>
-              <a:t>r'^mbjp/$'</a:t>
+              <a:t>(r'^mbjp/$'</a:t>
             </a:r>
             <a:r>
               <a:rPr lang="en-US" altLang="zh-CN" sz="1200"/>
@@ -4164,11 +4144,7 @@
             </a:r>
             <a:r>
               <a:rPr lang="en-US" altLang="zh-CN" sz="1200" b="1"/>
-              <a:t>='mbjp'</a:t>
-            </a:r>
-            <a:r>
-              <a:rPr lang="en-US" altLang="zh-CN" sz="1200" b="1"/>
-              <a:t>)</a:t>
+              <a:t>='mbjp')</a:t>
             </a:r>
             <a:r>
               <a:rPr lang="en-US" altLang="zh-CN" sz="1200"/>
@@ -4190,11 +4166,7 @@
             </a:r>
             <a:r>
               <a:rPr lang="en-US" altLang="zh-CN" sz="1200" b="1"/>
-              <a:t>(</a:t>
-            </a:r>
-            <a:r>
-              <a:rPr lang="en-US" altLang="zh-CN" sz="1200" b="1"/>
-              <a:t>r'^(?P&lt;goolArg&gt;\w+)/$'</a:t>
+              <a:t>(r'^(?P&lt;goolArg&gt;\w+)/$'</a:t>
             </a:r>
             <a:r>
               <a:rPr lang="en-US" altLang="zh-CN" sz="1200"/>
@@ -4202,15 +4174,7 @@
             </a:r>
             <a:r>
               <a:rPr lang="en-US" altLang="zh-CN" sz="1200" b="1"/>
-              <a:t>='gool</a:t>
-            </a:r>
-            <a:r>
-              <a:rPr lang="en-US" altLang="zh-CN" sz="1200" b="1"/>
-              <a:t>'</a:t>
-            </a:r>
-            <a:r>
-              <a:rPr lang="en-US" altLang="zh-CN" sz="1200" b="1"/>
-              <a:t>)</a:t>
+              <a:t>='gool')</a:t>
             </a:r>
             <a:r>
               <a:rPr lang="en-US" altLang="zh-CN" sz="1200"/>
@@ -4229,11 +4193,7 @@
             </a:r>
             <a:r>
               <a:rPr lang="en-US" altLang="zh-CN" sz="1200" b="1"/>
-              <a:t>(</a:t>
-            </a:r>
-            <a:r>
-              <a:rPr lang="en-US" altLang="zh-CN" sz="1200" b="1"/>
-              <a:t>r'^(?P&lt;goolArg&gt;\w+)/(?P&lt;goolSecArg&gt;\w+)/$'</a:t>
+              <a:t>(r'^(?P&lt;goolArg&gt;\w+)/(?P&lt;goolSecArg&gt;\w+)/$'</a:t>
             </a:r>
             <a:r>
               <a:rPr lang="en-US" altLang="zh-CN" sz="1200"/>
@@ -4241,11 +4201,7 @@
             </a:r>
             <a:r>
               <a:rPr lang="en-US" altLang="zh-CN" sz="1200" b="1"/>
-              <a:t>='goolsub'</a:t>
-            </a:r>
-            <a:r>
-              <a:rPr lang="en-US" altLang="zh-CN" sz="1200" b="1"/>
-              <a:t>)</a:t>
+              <a:t>='goolsub')</a:t>
             </a:r>
             <a:r>
               <a:rPr lang="en-US" altLang="zh-CN" sz="1200"/>
@@ -4261,7 +4217,7 @@
     </p:spTree>
     <p:extLst>
       <p:ext uri="{BB962C8B-B14F-4D97-AF65-F5344CB8AC3E}">
-        <p14:creationId xmlns:p14="http://schemas.microsoft.com/office/powerpoint/2010/main" val="4024293650"/>
+        <p14:creationId xmlns:p14="http://schemas.microsoft.com/office/powerpoint/2010/main" xmlns="" val="4024293650"/>
       </p:ext>
     </p:extLst>
   </p:cSld>
@@ -4290,14 +4246,14 @@
       </p:grpSpPr>
       <p:sp>
         <p:nvSpPr>
-          <p:cNvPr id="5" name="矩形 4"/>
+          <p:cNvPr id="6" name="矩形 5"/>
           <p:cNvSpPr/>
           <p:nvPr/>
         </p:nvSpPr>
         <p:spPr>
           <a:xfrm>
-            <a:off x="142844" y="142852"/>
-            <a:ext cx="2643206" cy="428628"/>
+            <a:off x="214282" y="214290"/>
+            <a:ext cx="4143404" cy="360040"/>
           </a:xfrm>
           <a:prstGeom prst="rect">
             <a:avLst/>
@@ -4318,10 +4274,9 @@
           </a:fontRef>
         </p:style>
         <p:txBody>
-          <a:bodyPr rtlCol="0" anchor="ctr"/>
-          <a:lstStyle/>
-          <a:p>
-            <a:pPr algn="ctr"/>
+          <a:bodyPr rtlCol="0" anchor="t" anchorCtr="0"/>
+          <a:lstStyle/>
+          <a:p>
             <a:r>
               <a:rPr lang="en-US" altLang="zh-CN" sz="1200" smtClean="0">
                 <a:solidFill>
@@ -4330,55 +4285,6 @@
               </a:rPr>
               <a:t>url</a:t>
             </a:r>
-            <a:endParaRPr lang="zh-CN" altLang="en-US" sz="1200">
-              <a:solidFill>
-                <a:prstClr val="black"/>
-              </a:solidFill>
-            </a:endParaRPr>
-          </a:p>
-        </p:txBody>
-      </p:sp>
-      <p:sp>
-        <p:nvSpPr>
-          <p:cNvPr id="6" name="矩形 5"/>
-          <p:cNvSpPr/>
-          <p:nvPr/>
-        </p:nvSpPr>
-        <p:spPr>
-          <a:xfrm>
-            <a:off x="467544" y="692696"/>
-            <a:ext cx="2952328" cy="360040"/>
-          </a:xfrm>
-          <a:prstGeom prst="rect">
-            <a:avLst/>
-          </a:prstGeom>
-        </p:spPr>
-        <p:style>
-          <a:lnRef idx="2">
-            <a:schemeClr val="accent6"/>
-          </a:lnRef>
-          <a:fillRef idx="1">
-            <a:schemeClr val="lt1"/>
-          </a:fillRef>
-          <a:effectRef idx="0">
-            <a:schemeClr val="accent6"/>
-          </a:effectRef>
-          <a:fontRef idx="minor">
-            <a:schemeClr val="dk1"/>
-          </a:fontRef>
-        </p:style>
-        <p:txBody>
-          <a:bodyPr rtlCol="0" anchor="t" anchorCtr="0"/>
-          <a:lstStyle/>
-          <a:p>
-            <a:r>
-              <a:rPr lang="en-US" altLang="zh-CN" sz="1200" smtClean="0">
-                <a:solidFill>
-                  <a:prstClr val="black"/>
-                </a:solidFill>
-              </a:rPr>
-              <a:t>url</a:t>
-            </a:r>
             <a:r>
               <a:rPr lang="en-US" altLang="zh-CN" sz="1200" b="1" smtClean="0">
                 <a:solidFill>
@@ -4418,14 +4324,6 @@
                 </a:solidFill>
               </a:rPr>
               <a:t>,</a:t>
-            </a:r>
-            <a:r>
-              <a:rPr lang="en-US" altLang="zh-CN" sz="1200">
-                <a:solidFill>
-                  <a:prstClr val="black"/>
-                </a:solidFill>
-              </a:rPr>
-              <a:t/>
             </a:r>
             <a:br>
               <a:rPr lang="en-US" altLang="zh-CN" sz="1200">
@@ -4450,8 +4348,8 @@
         </p:nvSpPr>
         <p:spPr>
           <a:xfrm>
-            <a:off x="1734364" y="1127880"/>
-            <a:ext cx="4997876" cy="646331"/>
+            <a:off x="1448612" y="785794"/>
+            <a:ext cx="6052346" cy="646331"/>
           </a:xfrm>
           <a:prstGeom prst="rect">
             <a:avLst/>
@@ -4479,11 +4377,7 @@
           <a:p>
             <a:r>
               <a:rPr lang="en-US" altLang="zh-CN" sz="1200"/>
-              <a:t>ldict = json.loads(request.POST[</a:t>
-            </a:r>
-            <a:r>
-              <a:rPr lang="en-US" altLang="zh-CN" sz="1200"/>
-              <a:t>'jpargs</a:t>
+              <a:t>ldict = json.loads(request.POST['jpargs</a:t>
             </a:r>
             <a:r>
               <a:rPr lang="en-US" altLang="zh-CN" sz="1200" smtClean="0"/>
@@ -4551,7 +4445,7 @@
         </p:nvSpPr>
         <p:spPr>
           <a:xfrm>
-            <a:off x="395536" y="1127880"/>
+            <a:off x="214282" y="785794"/>
             <a:ext cx="954107" cy="276999"/>
           </a:xfrm>
           <a:prstGeom prst="rect">
@@ -4576,10 +4470,649 @@
           </a:p>
         </p:txBody>
       </p:sp>
+      <p:sp>
+        <p:nvSpPr>
+          <p:cNvPr id="8" name="矩形 7"/>
+          <p:cNvSpPr/>
+          <p:nvPr/>
+        </p:nvSpPr>
+        <p:spPr>
+          <a:xfrm>
+            <a:off x="1428728" y="1586716"/>
+            <a:ext cx="6234990" cy="1015663"/>
+          </a:xfrm>
+          <a:prstGeom prst="rect">
+            <a:avLst/>
+          </a:prstGeom>
+        </p:spPr>
+        <p:style>
+          <a:lnRef idx="2">
+            <a:schemeClr val="dk1"/>
+          </a:lnRef>
+          <a:fillRef idx="1">
+            <a:schemeClr val="lt1"/>
+          </a:fillRef>
+          <a:effectRef idx="0">
+            <a:schemeClr val="dk1"/>
+          </a:effectRef>
+          <a:fontRef idx="minor">
+            <a:schemeClr val="dk1"/>
+          </a:fontRef>
+        </p:style>
+        <p:txBody>
+          <a:bodyPr wrap="square">
+            <a:spAutoFit/>
+          </a:bodyPr>
+          <a:lstStyle/>
+          <a:p>
+            <a:r>
+              <a:rPr lang="en-US" sz="1200" b="1" smtClean="0"/>
+              <a:t>if </a:t>
+            </a:r>
+            <a:r>
+              <a:rPr lang="en-US" sz="1200" smtClean="0"/>
+              <a:t>ldict</a:t>
+            </a:r>
+            <a:r>
+              <a:rPr lang="en-US" sz="1200" b="1" smtClean="0"/>
+              <a:t>['func'] in ('userlogin'</a:t>
+            </a:r>
+            <a:r>
+              <a:rPr lang="en-US" sz="1200" smtClean="0"/>
+              <a:t>, </a:t>
+            </a:r>
+            <a:r>
+              <a:rPr lang="en-US" sz="1200" b="1" smtClean="0"/>
+              <a:t>''):</a:t>
+            </a:r>
+            <a:br>
+              <a:rPr lang="en-US" sz="1200" b="1" smtClean="0"/>
+            </a:br>
+            <a:r>
+              <a:rPr lang="en-US" sz="1200" b="1" smtClean="0"/>
+              <a:t>  pass</a:t>
+            </a:r>
+            <a:br>
+              <a:rPr lang="en-US" sz="1200" b="1" smtClean="0"/>
+            </a:br>
+            <a:r>
+              <a:rPr lang="en-US" sz="1200" b="1" smtClean="0"/>
+              <a:t>else:</a:t>
+            </a:r>
+            <a:br>
+              <a:rPr lang="en-US" sz="1200" b="1" smtClean="0"/>
+            </a:br>
+            <a:r>
+              <a:rPr lang="en-US" sz="1200" b="1" smtClean="0"/>
+              <a:t>  if (not 'username' in </a:t>
+            </a:r>
+            <a:r>
+              <a:rPr lang="en-US" sz="1200" smtClean="0"/>
+              <a:t>request.session.keys</a:t>
+            </a:r>
+            <a:r>
+              <a:rPr lang="en-US" sz="1200" b="1" smtClean="0"/>
+              <a:t>()) or ( not </a:t>
+            </a:r>
+            <a:r>
+              <a:rPr lang="en-US" sz="1200" smtClean="0"/>
+              <a:t>len </a:t>
+            </a:r>
+            <a:r>
+              <a:rPr lang="en-US" sz="1200" b="1" smtClean="0"/>
+              <a:t>(</a:t>
+            </a:r>
+            <a:r>
+              <a:rPr lang="en-US" sz="1200" smtClean="0"/>
+              <a:t>request.session</a:t>
+            </a:r>
+            <a:r>
+              <a:rPr lang="en-US" sz="1200" b="1" smtClean="0"/>
+              <a:t>['username']) &gt; </a:t>
+            </a:r>
+            <a:r>
+              <a:rPr lang="en-US" sz="1200" smtClean="0"/>
+              <a:t>0 </a:t>
+            </a:r>
+            <a:r>
+              <a:rPr lang="en-US" sz="1200" b="1" smtClean="0"/>
+              <a:t>) :</a:t>
+            </a:r>
+            <a:br>
+              <a:rPr lang="en-US" sz="1200" b="1" smtClean="0"/>
+            </a:br>
+            <a:r>
+              <a:rPr lang="en-US" sz="1200" b="1" smtClean="0"/>
+              <a:t>    raise </a:t>
+            </a:r>
+            <a:r>
+              <a:rPr lang="en-US" sz="1200" smtClean="0"/>
+              <a:t>AppException</a:t>
+            </a:r>
+            <a:r>
+              <a:rPr lang="en-US" sz="1200" b="1" smtClean="0"/>
+              <a:t>('</a:t>
+            </a:r>
+            <a:r>
+              <a:rPr lang="zh-CN" altLang="en-US" sz="1200" b="1" smtClean="0"/>
+              <a:t>未登录。</a:t>
+            </a:r>
+            <a:r>
+              <a:rPr lang="en-US" altLang="zh-CN" sz="1200" b="1" smtClean="0"/>
+              <a:t>')</a:t>
+            </a:r>
+            <a:endParaRPr lang="zh-CN" altLang="en-US" sz="1200"/>
+          </a:p>
+        </p:txBody>
+      </p:sp>
+      <p:sp>
+        <p:nvSpPr>
+          <p:cNvPr id="9" name="矩形 8"/>
+          <p:cNvSpPr/>
+          <p:nvPr/>
+        </p:nvSpPr>
+        <p:spPr>
+          <a:xfrm>
+            <a:off x="247342" y="1586716"/>
+            <a:ext cx="954107" cy="461665"/>
+          </a:xfrm>
+          <a:prstGeom prst="rect">
+            <a:avLst/>
+          </a:prstGeom>
+        </p:spPr>
+        <p:txBody>
+          <a:bodyPr wrap="none">
+            <a:spAutoFit/>
+          </a:bodyPr>
+          <a:lstStyle/>
+          <a:p>
+            <a:r>
+              <a:rPr lang="zh-CN" altLang="en-US" sz="1200" b="1" smtClean="0"/>
+              <a:t>用户身份：</a:t>
+            </a:r>
+            <a:r>
+              <a:rPr lang="en-US" altLang="zh-CN" sz="1200" b="1" smtClean="0"/>
+              <a:t/>
+            </a:r>
+            <a:br>
+              <a:rPr lang="en-US" altLang="zh-CN" sz="1200" b="1" smtClean="0"/>
+            </a:br>
+            <a:r>
+              <a:rPr lang="en-US" altLang="zh-CN" sz="1200" b="1" smtClean="0"/>
+              <a:t>session</a:t>
+            </a:r>
+            <a:endParaRPr lang="zh-CN" altLang="en-US" sz="1200" b="1"/>
+          </a:p>
+        </p:txBody>
+      </p:sp>
+      <p:sp>
+        <p:nvSpPr>
+          <p:cNvPr id="10" name="矩形 9"/>
+          <p:cNvSpPr/>
+          <p:nvPr/>
+        </p:nvSpPr>
+        <p:spPr>
+          <a:xfrm>
+            <a:off x="1448612" y="2714620"/>
+            <a:ext cx="4143404" cy="3046988"/>
+          </a:xfrm>
+          <a:prstGeom prst="rect">
+            <a:avLst/>
+          </a:prstGeom>
+        </p:spPr>
+        <p:style>
+          <a:lnRef idx="2">
+            <a:schemeClr val="dk1"/>
+          </a:lnRef>
+          <a:fillRef idx="1">
+            <a:schemeClr val="lt1"/>
+          </a:fillRef>
+          <a:effectRef idx="0">
+            <a:schemeClr val="dk1"/>
+          </a:effectRef>
+          <a:fontRef idx="minor">
+            <a:schemeClr val="dk1"/>
+          </a:fontRef>
+        </p:style>
+        <p:txBody>
+          <a:bodyPr wrap="square">
+            <a:spAutoFit/>
+          </a:bodyPr>
+          <a:lstStyle/>
+          <a:p>
+            <a:r>
+              <a:rPr lang="en-US" sz="1200" b="1" smtClean="0"/>
+              <a:t>try:</a:t>
+            </a:r>
+            <a:endParaRPr lang="en-US" sz="1200" b="1" smtClean="0"/>
+          </a:p>
+          <a:p>
+            <a:r>
+              <a:rPr lang="en-US" sz="1200" b="1" smtClean="0"/>
+              <a:t> </a:t>
+            </a:r>
+            <a:r>
+              <a:rPr lang="en-US" sz="1200" b="1" smtClean="0"/>
+              <a:t> with </a:t>
+            </a:r>
+            <a:r>
+              <a:rPr lang="en-US" sz="1200" smtClean="0"/>
+              <a:t>transaction.atomic</a:t>
+            </a:r>
+            <a:r>
+              <a:rPr lang="en-US" sz="1200" b="1" smtClean="0"/>
+              <a:t>():</a:t>
+            </a:r>
+          </a:p>
+          <a:p>
+            <a:r>
+              <a:rPr lang="en-US" altLang="zh-CN" sz="1200" b="1" smtClean="0"/>
+              <a:t>     xxxx.xxx..............</a:t>
+            </a:r>
+            <a:endParaRPr lang="en-US" altLang="zh-CN" sz="1200" b="1" smtClean="0"/>
+          </a:p>
+          <a:p>
+            <a:r>
+              <a:rPr lang="en-US" sz="1200" b="1" smtClean="0"/>
+              <a:t>except </a:t>
+            </a:r>
+            <a:r>
+              <a:rPr lang="en-US" sz="1200" smtClean="0"/>
+              <a:t>AppException </a:t>
+            </a:r>
+            <a:r>
+              <a:rPr lang="en-US" sz="1200" b="1" smtClean="0"/>
+              <a:t>as </a:t>
+            </a:r>
+            <a:r>
+              <a:rPr lang="en-US" sz="1200" smtClean="0"/>
+              <a:t>e</a:t>
+            </a:r>
+            <a:r>
+              <a:rPr lang="en-US" sz="1200" b="1" smtClean="0"/>
+              <a:t>:</a:t>
+            </a:r>
+            <a:br>
+              <a:rPr lang="en-US" sz="1200" b="1" smtClean="0"/>
+            </a:br>
+            <a:r>
+              <a:rPr lang="en-US" sz="1200" b="1" smtClean="0"/>
+              <a:t>  </a:t>
+            </a:r>
+            <a:r>
+              <a:rPr lang="en-US" sz="1200" smtClean="0"/>
+              <a:t>l_rtn </a:t>
+            </a:r>
+            <a:r>
+              <a:rPr lang="en-US" sz="1200" b="1" smtClean="0"/>
+              <a:t>= </a:t>
+            </a:r>
+            <a:r>
+              <a:rPr lang="en-US" sz="1200" smtClean="0"/>
+              <a:t>genRtnFail</a:t>
+            </a:r>
+            <a:r>
+              <a:rPr lang="en-US" sz="1200" b="1" smtClean="0"/>
+              <a:t>(None</a:t>
+            </a:r>
+            <a:r>
+              <a:rPr lang="en-US" sz="1200" smtClean="0"/>
+              <a:t>, e.args</a:t>
+            </a:r>
+            <a:r>
+              <a:rPr lang="en-US" sz="1200" b="1" smtClean="0"/>
+              <a:t>)</a:t>
+            </a:r>
+            <a:br>
+              <a:rPr lang="en-US" sz="1200" b="1" smtClean="0"/>
+            </a:br>
+            <a:r>
+              <a:rPr lang="en-US" sz="1200" b="1" smtClean="0"/>
+              <a:t>  raise </a:t>
+            </a:r>
+            <a:r>
+              <a:rPr lang="en-US" sz="1200" smtClean="0"/>
+              <a:t>e</a:t>
+            </a:r>
+            <a:br>
+              <a:rPr lang="en-US" sz="1200" smtClean="0"/>
+            </a:br>
+            <a:r>
+              <a:rPr lang="en-US" sz="1200" b="1" smtClean="0"/>
+              <a:t>except </a:t>
+            </a:r>
+            <a:r>
+              <a:rPr lang="en-US" sz="1200" smtClean="0"/>
+              <a:t>Exception </a:t>
+            </a:r>
+            <a:r>
+              <a:rPr lang="en-US" sz="1200" b="1" smtClean="0"/>
+              <a:t>as </a:t>
+            </a:r>
+            <a:r>
+              <a:rPr lang="en-US" sz="1200" smtClean="0"/>
+              <a:t>e</a:t>
+            </a:r>
+            <a:r>
+              <a:rPr lang="en-US" sz="1200" b="1" smtClean="0"/>
+              <a:t>:</a:t>
+            </a:r>
+            <a:br>
+              <a:rPr lang="en-US" sz="1200" b="1" smtClean="0"/>
+            </a:br>
+            <a:r>
+              <a:rPr lang="en-US" sz="1200" b="1" smtClean="0"/>
+              <a:t>  </a:t>
+            </a:r>
+            <a:r>
+              <a:rPr lang="en-US" sz="1200" smtClean="0"/>
+              <a:t>log</a:t>
+            </a:r>
+            <a:r>
+              <a:rPr lang="en-US" sz="1200" b="1" smtClean="0"/>
+              <a:t>(“ajaxResp.dealPAjax</a:t>
+            </a:r>
+            <a:r>
+              <a:rPr lang="zh-CN" altLang="en-US" sz="1200" b="1" smtClean="0"/>
+              <a:t>执行错误：</a:t>
+            </a:r>
+            <a:r>
+              <a:rPr lang="en-US" altLang="zh-CN" sz="1200" b="1" smtClean="0"/>
+              <a:t>%</a:t>
+            </a:r>
+            <a:r>
+              <a:rPr lang="en-US" sz="1200" b="1" smtClean="0"/>
+              <a:t>s” </a:t>
+            </a:r>
+            <a:r>
+              <a:rPr lang="en-US" sz="1200" b="1" smtClean="0"/>
+              <a:t>% </a:t>
+            </a:r>
+            <a:r>
+              <a:rPr lang="en-US" sz="1200" smtClean="0"/>
+              <a:t>str</a:t>
+            </a:r>
+            <a:r>
+              <a:rPr lang="en-US" sz="1200" b="1" smtClean="0"/>
+              <a:t>(</a:t>
+            </a:r>
+            <a:r>
+              <a:rPr lang="en-US" sz="1200" smtClean="0"/>
+              <a:t>e.args</a:t>
+            </a:r>
+            <a:r>
+              <a:rPr lang="en-US" sz="1200" b="1" smtClean="0"/>
+              <a:t>))</a:t>
+            </a:r>
+            <a:br>
+              <a:rPr lang="en-US" sz="1200" b="1" smtClean="0"/>
+            </a:br>
+            <a:r>
+              <a:rPr lang="en-US" sz="1200" b="1" smtClean="0"/>
+              <a:t>  </a:t>
+            </a:r>
+            <a:r>
+              <a:rPr lang="en-US" sz="1200" smtClean="0"/>
+              <a:t>l_rtn </a:t>
+            </a:r>
+            <a:r>
+              <a:rPr lang="en-US" sz="1200" b="1" smtClean="0"/>
+              <a:t>= </a:t>
+            </a:r>
+            <a:r>
+              <a:rPr lang="en-US" sz="1200" smtClean="0"/>
+              <a:t>genRtnFail</a:t>
+            </a:r>
+            <a:r>
+              <a:rPr lang="en-US" sz="1200" b="1" smtClean="0"/>
+              <a:t>(None</a:t>
+            </a:r>
+            <a:r>
+              <a:rPr lang="en-US" sz="1200" smtClean="0"/>
+              <a:t>, </a:t>
+            </a:r>
+            <a:r>
+              <a:rPr lang="en-US" sz="1200" b="1" smtClean="0"/>
+              <a:t>“</a:t>
+            </a:r>
+            <a:r>
+              <a:rPr lang="zh-CN" altLang="en-US" sz="1200" b="1" smtClean="0"/>
+              <a:t>服务器</a:t>
+            </a:r>
+            <a:r>
+              <a:rPr lang="zh-CN" altLang="en-US" sz="1200" b="1" smtClean="0"/>
+              <a:t>端</a:t>
+            </a:r>
+            <a:r>
+              <a:rPr lang="zh-CN" altLang="en-US" sz="1200" b="1" smtClean="0"/>
+              <a:t>错误</a:t>
+            </a:r>
+            <a:r>
+              <a:rPr lang="zh-CN" altLang="en-US" sz="1200" b="1" smtClean="0"/>
+              <a:t>。</a:t>
+            </a:r>
+            <a:r>
+              <a:rPr lang="en-US" altLang="zh-CN" sz="1200" b="1" smtClean="0"/>
+              <a:t>”)</a:t>
+            </a:r>
+            <a:r>
+              <a:rPr lang="en-US" altLang="zh-CN" sz="1200" b="1" smtClean="0"/>
+              <a:t/>
+            </a:r>
+            <a:br>
+              <a:rPr lang="en-US" altLang="zh-CN" sz="1200" b="1" smtClean="0"/>
+            </a:br>
+            <a:r>
+              <a:rPr lang="en-US" altLang="zh-CN" sz="1200" b="1" smtClean="0"/>
+              <a:t>  </a:t>
+            </a:r>
+            <a:r>
+              <a:rPr lang="en-US" sz="1200" b="1" smtClean="0"/>
+              <a:t>raise </a:t>
+            </a:r>
+            <a:r>
+              <a:rPr lang="en-US" sz="1200" smtClean="0"/>
+              <a:t>e</a:t>
+            </a:r>
+            <a:br>
+              <a:rPr lang="en-US" sz="1200" smtClean="0"/>
+            </a:br>
+            <a:r>
+              <a:rPr lang="en-US" sz="1200" b="1" smtClean="0"/>
+              <a:t>finally:</a:t>
+            </a:r>
+            <a:br>
+              <a:rPr lang="en-US" sz="1200" b="1" smtClean="0"/>
+            </a:br>
+            <a:r>
+              <a:rPr lang="en-US" sz="1200" b="1" smtClean="0"/>
+              <a:t>  for </a:t>
+            </a:r>
+            <a:r>
+              <a:rPr lang="en-US" sz="1200" smtClean="0"/>
+              <a:t>q </a:t>
+            </a:r>
+            <a:r>
+              <a:rPr lang="en-US" sz="1200" b="1" smtClean="0"/>
+              <a:t>in </a:t>
+            </a:r>
+            <a:r>
+              <a:rPr lang="en-US" sz="1200" smtClean="0"/>
+              <a:t>connection.queries</a:t>
+            </a:r>
+            <a:r>
+              <a:rPr lang="en-US" sz="1200" b="1" smtClean="0"/>
+              <a:t>:</a:t>
+            </a:r>
+            <a:br>
+              <a:rPr lang="en-US" sz="1200" b="1" smtClean="0"/>
+            </a:br>
+            <a:r>
+              <a:rPr lang="en-US" sz="1200" b="1" smtClean="0"/>
+              <a:t>    </a:t>
+            </a:r>
+            <a:r>
+              <a:rPr lang="en-US" sz="1200" smtClean="0"/>
+              <a:t>log</a:t>
+            </a:r>
+            <a:r>
+              <a:rPr lang="en-US" sz="1200" b="1" smtClean="0"/>
+              <a:t>(</a:t>
+            </a:r>
+            <a:r>
+              <a:rPr lang="en-US" sz="1200" smtClean="0"/>
+              <a:t>q</a:t>
+            </a:r>
+            <a:r>
+              <a:rPr lang="en-US" sz="1200" b="1" smtClean="0"/>
+              <a:t>) // </a:t>
+            </a:r>
+            <a:r>
+              <a:rPr lang="zh-CN" altLang="en-US" sz="1200" b="1" smtClean="0"/>
+              <a:t>记录</a:t>
+            </a:r>
+            <a:r>
+              <a:rPr lang="en-US" altLang="zh-CN" sz="1200" b="1" smtClean="0"/>
+              <a:t>sql</a:t>
+            </a:r>
+            <a:r>
+              <a:rPr lang="zh-CN" altLang="en-US" sz="1200" b="1" smtClean="0"/>
+              <a:t>语句。</a:t>
+            </a:r>
+            <a:endParaRPr lang="en-US" altLang="zh-CN" sz="1200" b="1" smtClean="0"/>
+          </a:p>
+          <a:p>
+            <a:endParaRPr lang="en-US" altLang="zh-CN" sz="1200" b="1" smtClean="0"/>
+          </a:p>
+          <a:p>
+            <a:r>
+              <a:rPr lang="en-US" sz="1200" b="1" smtClean="0"/>
+              <a:t>return </a:t>
+            </a:r>
+            <a:r>
+              <a:rPr lang="en-US" sz="1200" smtClean="0"/>
+              <a:t>HttpResponse</a:t>
+            </a:r>
+            <a:r>
+              <a:rPr lang="en-US" sz="1200" b="1" smtClean="0"/>
+              <a:t>(</a:t>
+            </a:r>
+            <a:r>
+              <a:rPr lang="en-US" sz="1200" smtClean="0"/>
+              <a:t>json.dumps</a:t>
+            </a:r>
+            <a:r>
+              <a:rPr lang="en-US" sz="1200" b="1" smtClean="0"/>
+              <a:t>(</a:t>
+            </a:r>
+            <a:r>
+              <a:rPr lang="en-US" sz="1200" smtClean="0"/>
+              <a:t>l_rtn, </a:t>
+            </a:r>
+            <a:r>
+              <a:rPr lang="en-US" sz="1200" smtClean="0"/>
+              <a:t>ensure_ascii</a:t>
+            </a:r>
+            <a:r>
+              <a:rPr lang="en-US" sz="1200" b="1" smtClean="0"/>
+              <a:t>=False</a:t>
+            </a:r>
+            <a:r>
+              <a:rPr lang="en-US" sz="1200" b="1" smtClean="0"/>
+              <a:t>))</a:t>
+            </a:r>
+          </a:p>
+          <a:p>
+            <a:endParaRPr lang="zh-CN" altLang="en-US" sz="1200"/>
+          </a:p>
+        </p:txBody>
+      </p:sp>
+      <p:sp>
+        <p:nvSpPr>
+          <p:cNvPr id="11" name="矩形 10"/>
+          <p:cNvSpPr/>
+          <p:nvPr/>
+        </p:nvSpPr>
+        <p:spPr>
+          <a:xfrm>
+            <a:off x="221778" y="2801162"/>
+            <a:ext cx="1064074" cy="830997"/>
+          </a:xfrm>
+          <a:prstGeom prst="rect">
+            <a:avLst/>
+          </a:prstGeom>
+        </p:spPr>
+        <p:txBody>
+          <a:bodyPr wrap="none">
+            <a:spAutoFit/>
+          </a:bodyPr>
+          <a:lstStyle/>
+          <a:p>
+            <a:r>
+              <a:rPr lang="zh-CN" altLang="en-US" sz="1200" b="1" smtClean="0"/>
+              <a:t>原子处理：</a:t>
+            </a:r>
+            <a:r>
+              <a:rPr lang="en-US" altLang="zh-CN" sz="1200" b="1" smtClean="0"/>
+              <a:t/>
+            </a:r>
+            <a:br>
+              <a:rPr lang="en-US" altLang="zh-CN" sz="1200" b="1" smtClean="0"/>
+            </a:br>
+            <a:r>
+              <a:rPr lang="zh-CN" altLang="en-US" sz="1200" b="1" smtClean="0"/>
+              <a:t>返回</a:t>
+            </a:r>
+            <a:endParaRPr lang="en-US" altLang="zh-CN" sz="1200" b="1" smtClean="0"/>
+          </a:p>
+          <a:p>
+            <a:r>
+              <a:rPr lang="en-US" altLang="zh-CN" sz="1200" b="1" smtClean="0"/>
+              <a:t>httpResponse</a:t>
+            </a:r>
+          </a:p>
+          <a:p>
+            <a:endParaRPr lang="zh-CN" altLang="en-US" sz="1200" b="1"/>
+          </a:p>
+        </p:txBody>
+      </p:sp>
+      <p:sp>
+        <p:nvSpPr>
+          <p:cNvPr id="12" name="矩形 11"/>
+          <p:cNvSpPr/>
+          <p:nvPr/>
+        </p:nvSpPr>
+        <p:spPr>
+          <a:xfrm>
+            <a:off x="4643438" y="214290"/>
+            <a:ext cx="2857520" cy="276999"/>
+          </a:xfrm>
+          <a:prstGeom prst="rect">
+            <a:avLst/>
+          </a:prstGeom>
+        </p:spPr>
+        <p:txBody>
+          <a:bodyPr wrap="square">
+            <a:spAutoFit/>
+          </a:bodyPr>
+          <a:lstStyle/>
+          <a:p>
+            <a:r>
+              <a:rPr lang="en-US" altLang="zh-CN" sz="1200" b="1" smtClean="0"/>
+              <a:t>REST</a:t>
+            </a:r>
+            <a:r>
+              <a:rPr lang="zh-CN" altLang="en-US" sz="1200" b="1" smtClean="0"/>
+              <a:t>框架处理流程。</a:t>
+            </a:r>
+            <a:endParaRPr lang="zh-CN" altLang="en-US" sz="1200"/>
+          </a:p>
+        </p:txBody>
+      </p:sp>
     </p:spTree>
     <p:extLst>
       <p:ext uri="{BB962C8B-B14F-4D97-AF65-F5344CB8AC3E}">
-        <p14:creationId xmlns:p14="http://schemas.microsoft.com/office/powerpoint/2010/main" val="3264747673"/>
+        <p14:creationId xmlns:p14="http://schemas.microsoft.com/office/powerpoint/2010/main" xmlns="" val="3264747673"/>
       </p:ext>
     </p:extLst>
   </p:cSld>
@@ -4597,7 +5130,7 @@
         <a:sysClr val="windowText" lastClr="000000"/>
       </a:dk1>
       <a:lt1>
-        <a:sysClr val="window" lastClr="009B4E"/>
+        <a:sysClr val="window" lastClr="56C965"/>
       </a:lt1>
       <a:dk2>
         <a:srgbClr val="1F497D"/>

--- a/hierarchy.pptx
+++ b/hierarchy.pptx
@@ -5,10 +5,17 @@
     <p:sldMasterId id="2147483648" r:id="rId1"/>
   </p:sldMasterIdLst>
   <p:sldIdLst>
-    <p:sldId id="256" r:id="rId2"/>
-    <p:sldId id="257" r:id="rId3"/>
-    <p:sldId id="258" r:id="rId4"/>
-    <p:sldId id="259" r:id="rId5"/>
+    <p:sldId id="261" r:id="rId2"/>
+    <p:sldId id="262" r:id="rId3"/>
+    <p:sldId id="263" r:id="rId4"/>
+    <p:sldId id="264" r:id="rId5"/>
+    <p:sldId id="265" r:id="rId6"/>
+    <p:sldId id="266" r:id="rId7"/>
+    <p:sldId id="258" r:id="rId8"/>
+    <p:sldId id="256" r:id="rId9"/>
+    <p:sldId id="260" r:id="rId10"/>
+    <p:sldId id="259" r:id="rId11"/>
+    <p:sldId id="257" r:id="rId12"/>
   </p:sldIdLst>
   <p:sldSz cx="9144000" cy="6858000" type="screen4x3"/>
   <p:notesSz cx="6858000" cy="9144000"/>
@@ -3070,8 +3077,176 @@
         </p:nvSpPr>
         <p:spPr>
           <a:xfrm>
-            <a:off x="142844" y="70272"/>
-            <a:ext cx="2643206" cy="428628"/>
+            <a:off x="1500166" y="1214422"/>
+            <a:ext cx="6072230" cy="584775"/>
+          </a:xfrm>
+          <a:prstGeom prst="rect">
+            <a:avLst/>
+          </a:prstGeom>
+        </p:spPr>
+        <p:txBody>
+          <a:bodyPr wrap="square">
+            <a:spAutoFit/>
+          </a:bodyPr>
+          <a:lstStyle/>
+          <a:p>
+            <a:r>
+              <a:rPr lang="en-US" altLang="zh-CN" sz="3200" b="1" smtClean="0">
+                <a:solidFill>
+                  <a:schemeClr val="tx2"/>
+                </a:solidFill>
+              </a:rPr>
+              <a:t>Seoweb2 </a:t>
+            </a:r>
+            <a:r>
+              <a:rPr lang="zh-CN" altLang="en-US" sz="3200" b="1" smtClean="0">
+                <a:solidFill>
+                  <a:schemeClr val="tx2"/>
+                </a:solidFill>
+              </a:rPr>
+              <a:t> 设计文档 </a:t>
+            </a:r>
+            <a:endParaRPr lang="zh-CN" altLang="en-US" sz="3200" b="1">
+              <a:solidFill>
+                <a:schemeClr val="tx2"/>
+              </a:solidFill>
+            </a:endParaRPr>
+          </a:p>
+        </p:txBody>
+      </p:sp>
+      <p:sp>
+        <p:nvSpPr>
+          <p:cNvPr id="5" name="矩形 4"/>
+          <p:cNvSpPr/>
+          <p:nvPr/>
+        </p:nvSpPr>
+        <p:spPr>
+          <a:xfrm>
+            <a:off x="5715008" y="3286124"/>
+            <a:ext cx="2143140" cy="338554"/>
+          </a:xfrm>
+          <a:prstGeom prst="rect">
+            <a:avLst/>
+          </a:prstGeom>
+        </p:spPr>
+        <p:txBody>
+          <a:bodyPr wrap="square">
+            <a:spAutoFit/>
+          </a:bodyPr>
+          <a:lstStyle/>
+          <a:p>
+            <a:r>
+              <a:rPr lang="zh-CN" altLang="en-US" sz="1600" b="1" smtClean="0">
+                <a:solidFill>
+                  <a:schemeClr val="tx2"/>
+                </a:solidFill>
+              </a:rPr>
+              <a:t>黑小巫 </a:t>
+            </a:r>
+            <a:r>
+              <a:rPr lang="en-US" altLang="zh-CN" sz="1600" b="1" smtClean="0">
+                <a:solidFill>
+                  <a:schemeClr val="tx2"/>
+                </a:solidFill>
+              </a:rPr>
+              <a:t>blaczom</a:t>
+            </a:r>
+            <a:endParaRPr lang="zh-CN" altLang="en-US" sz="1600" b="1">
+              <a:solidFill>
+                <a:schemeClr val="tx2"/>
+              </a:solidFill>
+            </a:endParaRPr>
+          </a:p>
+        </p:txBody>
+      </p:sp>
+      <p:sp>
+        <p:nvSpPr>
+          <p:cNvPr id="6" name="矩形 5"/>
+          <p:cNvSpPr/>
+          <p:nvPr/>
+        </p:nvSpPr>
+        <p:spPr>
+          <a:xfrm>
+            <a:off x="5857884" y="3929066"/>
+            <a:ext cx="2143140" cy="338554"/>
+          </a:xfrm>
+          <a:prstGeom prst="rect">
+            <a:avLst/>
+          </a:prstGeom>
+        </p:spPr>
+        <p:txBody>
+          <a:bodyPr wrap="square">
+            <a:spAutoFit/>
+          </a:bodyPr>
+          <a:lstStyle/>
+          <a:p>
+            <a:r>
+              <a:rPr lang="en-US" altLang="zh-CN" sz="1600" b="1" smtClean="0">
+                <a:solidFill>
+                  <a:schemeClr val="tx2"/>
+                </a:solidFill>
+              </a:rPr>
+              <a:t>2015</a:t>
+            </a:r>
+            <a:r>
+              <a:rPr lang="zh-CN" altLang="en-US" sz="1600" b="1" smtClean="0">
+                <a:solidFill>
+                  <a:schemeClr val="tx2"/>
+                </a:solidFill>
+              </a:rPr>
+              <a:t> </a:t>
+            </a:r>
+            <a:r>
+              <a:rPr lang="en-US" altLang="zh-CN" sz="1600" b="1" smtClean="0">
+                <a:solidFill>
+                  <a:schemeClr val="tx2"/>
+                </a:solidFill>
+              </a:rPr>
+              <a:t>0501</a:t>
+            </a:r>
+            <a:endParaRPr lang="zh-CN" altLang="en-US" sz="1600" b="1">
+              <a:solidFill>
+                <a:schemeClr val="tx2"/>
+              </a:solidFill>
+            </a:endParaRPr>
+          </a:p>
+        </p:txBody>
+      </p:sp>
+    </p:spTree>
+  </p:cSld>
+  <p:clrMapOvr>
+    <a:masterClrMapping/>
+  </p:clrMapOvr>
+</p:sld>
+</file>
+
+<file path=ppt/slides/slide10.xml><?xml version="1.0" encoding="utf-8"?>
+<p:sld xmlns:a="http://schemas.openxmlformats.org/drawingml/2006/main" xmlns:r="http://schemas.openxmlformats.org/officeDocument/2006/relationships" xmlns:p="http://schemas.openxmlformats.org/presentationml/2006/main">
+  <p:cSld>
+    <p:spTree>
+      <p:nvGrpSpPr>
+        <p:cNvPr id="1" name=""/>
+        <p:cNvGrpSpPr/>
+        <p:nvPr/>
+      </p:nvGrpSpPr>
+      <p:grpSpPr>
+        <a:xfrm>
+          <a:off x="0" y="0"/>
+          <a:ext cx="0" cy="0"/>
+          <a:chOff x="0" y="0"/>
+          <a:chExt cx="0" cy="0"/>
+        </a:xfrm>
+      </p:grpSpPr>
+      <p:sp>
+        <p:nvSpPr>
+          <p:cNvPr id="6" name="矩形 5"/>
+          <p:cNvSpPr/>
+          <p:nvPr/>
+        </p:nvSpPr>
+        <p:spPr>
+          <a:xfrm>
+            <a:off x="214282" y="214290"/>
+            <a:ext cx="4143404" cy="360040"/>
           </a:xfrm>
           <a:prstGeom prst="rect">
             <a:avLst/>
@@ -3092,28 +3267,1222 @@
           </a:fontRef>
         </p:style>
         <p:txBody>
-          <a:bodyPr rtlCol="0" anchor="ctr"/>
-          <a:lstStyle/>
-          <a:p>
-            <a:pPr algn="ctr"/>
-            <a:r>
-              <a:rPr lang="en-US" altLang="zh-CN" sz="1200" err="1" smtClean="0"/>
-              <a:t>articleType</a:t>
-            </a:r>
-            <a:endParaRPr lang="zh-CN" altLang="en-US" sz="1200"/>
-          </a:p>
-        </p:txBody>
-      </p:sp>
-      <p:sp>
-        <p:nvSpPr>
-          <p:cNvPr id="5" name="矩形 4"/>
+          <a:bodyPr rtlCol="0" anchor="t" anchorCtr="0"/>
+          <a:lstStyle/>
+          <a:p>
+            <a:r>
+              <a:rPr lang="en-US" altLang="zh-CN" sz="1200" smtClean="0">
+                <a:solidFill>
+                  <a:prstClr val="black"/>
+                </a:solidFill>
+              </a:rPr>
+              <a:t>url</a:t>
+            </a:r>
+            <a:r>
+              <a:rPr lang="en-US" altLang="zh-CN" sz="1200" b="1" smtClean="0">
+                <a:solidFill>
+                  <a:prstClr val="black"/>
+                </a:solidFill>
+              </a:rPr>
+              <a:t>(r</a:t>
+            </a:r>
+            <a:r>
+              <a:rPr lang="en-US" altLang="zh-CN" sz="1200" b="1">
+                <a:solidFill>
+                  <a:prstClr val="black"/>
+                </a:solidFill>
+              </a:rPr>
+              <a:t>'^rest/$'</a:t>
+            </a:r>
+            <a:r>
+              <a:rPr lang="en-US" altLang="zh-CN" sz="1200">
+                <a:solidFill>
+                  <a:prstClr val="black"/>
+                </a:solidFill>
+              </a:rPr>
+              <a:t>,views.dealREST,name</a:t>
+            </a:r>
+            <a:r>
+              <a:rPr lang="en-US" altLang="zh-CN" sz="1200" b="1">
+                <a:solidFill>
+                  <a:prstClr val="black"/>
+                </a:solidFill>
+              </a:rPr>
+              <a:t>='rest')</a:t>
+            </a:r>
+            <a:r>
+              <a:rPr lang="en-US" altLang="zh-CN" sz="1200">
+                <a:solidFill>
+                  <a:prstClr val="black"/>
+                </a:solidFill>
+              </a:rPr>
+              <a:t>,</a:t>
+            </a:r>
+            <a:br>
+              <a:rPr lang="en-US" altLang="zh-CN" sz="1200">
+                <a:solidFill>
+                  <a:prstClr val="black"/>
+                </a:solidFill>
+              </a:rPr>
+            </a:br>
+            <a:endParaRPr lang="zh-CN" altLang="en-US" sz="1200">
+              <a:solidFill>
+                <a:prstClr val="black"/>
+              </a:solidFill>
+            </a:endParaRPr>
+          </a:p>
+        </p:txBody>
+      </p:sp>
+      <p:sp>
+        <p:nvSpPr>
+          <p:cNvPr id="2" name="矩形 1"/>
           <p:cNvSpPr/>
           <p:nvPr/>
         </p:nvSpPr>
         <p:spPr>
           <a:xfrm>
-            <a:off x="642910" y="552670"/>
-            <a:ext cx="2643206" cy="500066"/>
+            <a:off x="1448612" y="785794"/>
+            <a:ext cx="3480578" cy="646331"/>
+          </a:xfrm>
+          <a:prstGeom prst="rect">
+            <a:avLst/>
+          </a:prstGeom>
+        </p:spPr>
+        <p:style>
+          <a:lnRef idx="2">
+            <a:schemeClr val="dk1"/>
+          </a:lnRef>
+          <a:fillRef idx="1">
+            <a:schemeClr val="lt1"/>
+          </a:fillRef>
+          <a:effectRef idx="0">
+            <a:schemeClr val="dk1"/>
+          </a:effectRef>
+          <a:fontRef idx="minor">
+            <a:schemeClr val="dk1"/>
+          </a:fontRef>
+        </p:style>
+        <p:txBody>
+          <a:bodyPr wrap="square">
+            <a:spAutoFit/>
+          </a:bodyPr>
+          <a:lstStyle/>
+          <a:p>
+            <a:r>
+              <a:rPr lang="en-US" altLang="zh-CN" sz="1200"/>
+              <a:t>ldict = json.loads(request.POST['jpargs</a:t>
+            </a:r>
+            <a:r>
+              <a:rPr lang="en-US" altLang="zh-CN" sz="1200" smtClean="0"/>
+              <a:t>'])</a:t>
+            </a:r>
+            <a:br>
+              <a:rPr lang="en-US" altLang="zh-CN" sz="1200" smtClean="0"/>
+            </a:br>
+            <a:r>
+              <a:rPr lang="en-US" altLang="zh-CN" sz="1200" smtClean="0"/>
+              <a:t>    </a:t>
+            </a:r>
+            <a:r>
+              <a:rPr lang="en-US" altLang="zh-CN" sz="1200" b="1" smtClean="0"/>
+              <a:t>if 'ex_parm' not in </a:t>
+            </a:r>
+            <a:r>
+              <a:rPr lang="en-US" altLang="zh-CN" sz="1200" smtClean="0"/>
+              <a:t>ldict </a:t>
+            </a:r>
+            <a:r>
+              <a:rPr lang="en-US" altLang="zh-CN" sz="1200" b="1" smtClean="0"/>
+              <a:t>or 'func' not in </a:t>
+            </a:r>
+            <a:r>
+              <a:rPr lang="en-US" altLang="zh-CN" sz="1200" smtClean="0"/>
+              <a:t>ldict</a:t>
+            </a:r>
+            <a:r>
+              <a:rPr lang="en-US" altLang="zh-CN" sz="1200" b="1" smtClean="0"/>
+              <a:t>:</a:t>
+            </a:r>
+            <a:br>
+              <a:rPr lang="en-US" altLang="zh-CN" sz="1200" b="1" smtClean="0"/>
+            </a:br>
+            <a:r>
+              <a:rPr lang="en-US" altLang="zh-CN" sz="1200" b="1" smtClean="0"/>
+              <a:t>        raise </a:t>
+            </a:r>
+            <a:r>
+              <a:rPr lang="en-US" altLang="zh-CN" sz="1200" smtClean="0"/>
+              <a:t>AppException</a:t>
+            </a:r>
+            <a:r>
+              <a:rPr lang="en-US" altLang="zh-CN" sz="1200" b="1" smtClean="0"/>
+              <a:t>('</a:t>
+            </a:r>
+            <a:r>
+              <a:rPr lang="zh-CN" altLang="en-US" sz="1200" b="1" smtClean="0"/>
+              <a:t>传入参数错误</a:t>
+            </a:r>
+            <a:r>
+              <a:rPr lang="en-US" altLang="zh-CN" sz="1200" b="1" smtClean="0"/>
+              <a:t>')</a:t>
+            </a:r>
+            <a:endParaRPr lang="zh-CN" altLang="en-US" sz="1200"/>
+          </a:p>
+        </p:txBody>
+      </p:sp>
+      <p:sp>
+        <p:nvSpPr>
+          <p:cNvPr id="7" name="矩形 6"/>
+          <p:cNvSpPr/>
+          <p:nvPr/>
+        </p:nvSpPr>
+        <p:spPr>
+          <a:xfrm>
+            <a:off x="214282" y="785794"/>
+            <a:ext cx="954107" cy="276999"/>
+          </a:xfrm>
+          <a:prstGeom prst="rect">
+            <a:avLst/>
+          </a:prstGeom>
+        </p:spPr>
+        <p:txBody>
+          <a:bodyPr wrap="none">
+            <a:spAutoFit/>
+          </a:bodyPr>
+          <a:lstStyle/>
+          <a:p>
+            <a:r>
+              <a:rPr lang="zh-CN" altLang="en-US" sz="1200" b="1" smtClean="0"/>
+              <a:t>参数分解</a:t>
+            </a:r>
+            <a:r>
+              <a:rPr lang="zh-CN" altLang="en-US" sz="1200" smtClean="0"/>
+              <a:t>：</a:t>
+            </a:r>
+            <a:endParaRPr lang="zh-CN" altLang="en-US" sz="1200"/>
+          </a:p>
+        </p:txBody>
+      </p:sp>
+      <p:sp>
+        <p:nvSpPr>
+          <p:cNvPr id="8" name="矩形 7"/>
+          <p:cNvSpPr/>
+          <p:nvPr/>
+        </p:nvSpPr>
+        <p:spPr>
+          <a:xfrm>
+            <a:off x="1428728" y="1586716"/>
+            <a:ext cx="6234990" cy="1015663"/>
+          </a:xfrm>
+          <a:prstGeom prst="rect">
+            <a:avLst/>
+          </a:prstGeom>
+        </p:spPr>
+        <p:style>
+          <a:lnRef idx="2">
+            <a:schemeClr val="dk1"/>
+          </a:lnRef>
+          <a:fillRef idx="1">
+            <a:schemeClr val="lt1"/>
+          </a:fillRef>
+          <a:effectRef idx="0">
+            <a:schemeClr val="dk1"/>
+          </a:effectRef>
+          <a:fontRef idx="minor">
+            <a:schemeClr val="dk1"/>
+          </a:fontRef>
+        </p:style>
+        <p:txBody>
+          <a:bodyPr wrap="square">
+            <a:spAutoFit/>
+          </a:bodyPr>
+          <a:lstStyle/>
+          <a:p>
+            <a:r>
+              <a:rPr lang="en-US" sz="1200" b="1" smtClean="0"/>
+              <a:t>if </a:t>
+            </a:r>
+            <a:r>
+              <a:rPr lang="en-US" sz="1200" smtClean="0"/>
+              <a:t>ldict</a:t>
+            </a:r>
+            <a:r>
+              <a:rPr lang="en-US" sz="1200" b="1" smtClean="0"/>
+              <a:t>['func'] in ('userlogin'</a:t>
+            </a:r>
+            <a:r>
+              <a:rPr lang="en-US" sz="1200" smtClean="0"/>
+              <a:t>, </a:t>
+            </a:r>
+            <a:r>
+              <a:rPr lang="en-US" sz="1200" b="1" smtClean="0"/>
+              <a:t>''):</a:t>
+            </a:r>
+            <a:br>
+              <a:rPr lang="en-US" sz="1200" b="1" smtClean="0"/>
+            </a:br>
+            <a:r>
+              <a:rPr lang="en-US" sz="1200" b="1" smtClean="0"/>
+              <a:t>  pass</a:t>
+            </a:r>
+            <a:br>
+              <a:rPr lang="en-US" sz="1200" b="1" smtClean="0"/>
+            </a:br>
+            <a:r>
+              <a:rPr lang="en-US" sz="1200" b="1" smtClean="0"/>
+              <a:t>else:</a:t>
+            </a:r>
+            <a:br>
+              <a:rPr lang="en-US" sz="1200" b="1" smtClean="0"/>
+            </a:br>
+            <a:r>
+              <a:rPr lang="en-US" sz="1200" b="1" smtClean="0"/>
+              <a:t>  if (not 'username' in </a:t>
+            </a:r>
+            <a:r>
+              <a:rPr lang="en-US" sz="1200" smtClean="0"/>
+              <a:t>request.session.keys</a:t>
+            </a:r>
+            <a:r>
+              <a:rPr lang="en-US" sz="1200" b="1" smtClean="0"/>
+              <a:t>()) or ( not </a:t>
+            </a:r>
+            <a:r>
+              <a:rPr lang="en-US" sz="1200" smtClean="0"/>
+              <a:t>len </a:t>
+            </a:r>
+            <a:r>
+              <a:rPr lang="en-US" sz="1200" b="1" smtClean="0"/>
+              <a:t>(</a:t>
+            </a:r>
+            <a:r>
+              <a:rPr lang="en-US" sz="1200" smtClean="0"/>
+              <a:t>request.session</a:t>
+            </a:r>
+            <a:r>
+              <a:rPr lang="en-US" sz="1200" b="1" smtClean="0"/>
+              <a:t>['username']) &gt; </a:t>
+            </a:r>
+            <a:r>
+              <a:rPr lang="en-US" sz="1200" smtClean="0"/>
+              <a:t>0 </a:t>
+            </a:r>
+            <a:r>
+              <a:rPr lang="en-US" sz="1200" b="1" smtClean="0"/>
+              <a:t>) :</a:t>
+            </a:r>
+            <a:br>
+              <a:rPr lang="en-US" sz="1200" b="1" smtClean="0"/>
+            </a:br>
+            <a:r>
+              <a:rPr lang="en-US" sz="1200" b="1" smtClean="0"/>
+              <a:t>    raise </a:t>
+            </a:r>
+            <a:r>
+              <a:rPr lang="en-US" sz="1200" smtClean="0"/>
+              <a:t>AppException</a:t>
+            </a:r>
+            <a:r>
+              <a:rPr lang="en-US" sz="1200" b="1" smtClean="0"/>
+              <a:t>('</a:t>
+            </a:r>
+            <a:r>
+              <a:rPr lang="zh-CN" altLang="en-US" sz="1200" b="1" smtClean="0"/>
+              <a:t>未登录。</a:t>
+            </a:r>
+            <a:r>
+              <a:rPr lang="en-US" altLang="zh-CN" sz="1200" b="1" smtClean="0"/>
+              <a:t>')</a:t>
+            </a:r>
+            <a:endParaRPr lang="zh-CN" altLang="en-US" sz="1200"/>
+          </a:p>
+        </p:txBody>
+      </p:sp>
+      <p:sp>
+        <p:nvSpPr>
+          <p:cNvPr id="9" name="矩形 8"/>
+          <p:cNvSpPr/>
+          <p:nvPr/>
+        </p:nvSpPr>
+        <p:spPr>
+          <a:xfrm>
+            <a:off x="247342" y="1586716"/>
+            <a:ext cx="954107" cy="461665"/>
+          </a:xfrm>
+          <a:prstGeom prst="rect">
+            <a:avLst/>
+          </a:prstGeom>
+        </p:spPr>
+        <p:txBody>
+          <a:bodyPr wrap="none">
+            <a:spAutoFit/>
+          </a:bodyPr>
+          <a:lstStyle/>
+          <a:p>
+            <a:r>
+              <a:rPr lang="zh-CN" altLang="en-US" sz="1200" b="1" smtClean="0"/>
+              <a:t>用户身份：</a:t>
+            </a:r>
+            <a:r>
+              <a:rPr lang="en-US" altLang="zh-CN" sz="1200" b="1" smtClean="0"/>
+              <a:t/>
+            </a:r>
+            <a:br>
+              <a:rPr lang="en-US" altLang="zh-CN" sz="1200" b="1" smtClean="0"/>
+            </a:br>
+            <a:r>
+              <a:rPr lang="en-US" altLang="zh-CN" sz="1200" b="1" smtClean="0"/>
+              <a:t>session</a:t>
+            </a:r>
+            <a:endParaRPr lang="zh-CN" altLang="en-US" sz="1200" b="1"/>
+          </a:p>
+        </p:txBody>
+      </p:sp>
+      <p:sp>
+        <p:nvSpPr>
+          <p:cNvPr id="10" name="矩形 9"/>
+          <p:cNvSpPr/>
+          <p:nvPr/>
+        </p:nvSpPr>
+        <p:spPr>
+          <a:xfrm>
+            <a:off x="1448612" y="2714620"/>
+            <a:ext cx="4143404" cy="3046988"/>
+          </a:xfrm>
+          <a:prstGeom prst="rect">
+            <a:avLst/>
+          </a:prstGeom>
+        </p:spPr>
+        <p:style>
+          <a:lnRef idx="2">
+            <a:schemeClr val="dk1"/>
+          </a:lnRef>
+          <a:fillRef idx="1">
+            <a:schemeClr val="lt1"/>
+          </a:fillRef>
+          <a:effectRef idx="0">
+            <a:schemeClr val="dk1"/>
+          </a:effectRef>
+          <a:fontRef idx="minor">
+            <a:schemeClr val="dk1"/>
+          </a:fontRef>
+        </p:style>
+        <p:txBody>
+          <a:bodyPr wrap="square">
+            <a:spAutoFit/>
+          </a:bodyPr>
+          <a:lstStyle/>
+          <a:p>
+            <a:r>
+              <a:rPr lang="en-US" sz="1200" b="1" smtClean="0"/>
+              <a:t>try:</a:t>
+            </a:r>
+            <a:endParaRPr lang="en-US" sz="1200" b="1" smtClean="0"/>
+          </a:p>
+          <a:p>
+            <a:r>
+              <a:rPr lang="en-US" sz="1200" b="1" smtClean="0"/>
+              <a:t> </a:t>
+            </a:r>
+            <a:r>
+              <a:rPr lang="en-US" sz="1200" b="1" smtClean="0"/>
+              <a:t> with </a:t>
+            </a:r>
+            <a:r>
+              <a:rPr lang="en-US" sz="1200" smtClean="0"/>
+              <a:t>transaction.atomic</a:t>
+            </a:r>
+            <a:r>
+              <a:rPr lang="en-US" sz="1200" b="1" smtClean="0"/>
+              <a:t>():</a:t>
+            </a:r>
+          </a:p>
+          <a:p>
+            <a:r>
+              <a:rPr lang="en-US" altLang="zh-CN" sz="1200" b="1" smtClean="0"/>
+              <a:t>     xxxx.xxx..............</a:t>
+            </a:r>
+            <a:endParaRPr lang="en-US" altLang="zh-CN" sz="1200" b="1" smtClean="0"/>
+          </a:p>
+          <a:p>
+            <a:r>
+              <a:rPr lang="en-US" sz="1200" b="1" smtClean="0"/>
+              <a:t>except </a:t>
+            </a:r>
+            <a:r>
+              <a:rPr lang="en-US" sz="1200" smtClean="0"/>
+              <a:t>AppException </a:t>
+            </a:r>
+            <a:r>
+              <a:rPr lang="en-US" sz="1200" b="1" smtClean="0"/>
+              <a:t>as </a:t>
+            </a:r>
+            <a:r>
+              <a:rPr lang="en-US" sz="1200" smtClean="0"/>
+              <a:t>e</a:t>
+            </a:r>
+            <a:r>
+              <a:rPr lang="en-US" sz="1200" b="1" smtClean="0"/>
+              <a:t>:</a:t>
+            </a:r>
+            <a:br>
+              <a:rPr lang="en-US" sz="1200" b="1" smtClean="0"/>
+            </a:br>
+            <a:r>
+              <a:rPr lang="en-US" sz="1200" b="1" smtClean="0"/>
+              <a:t>  </a:t>
+            </a:r>
+            <a:r>
+              <a:rPr lang="en-US" sz="1200" smtClean="0"/>
+              <a:t>l_rtn </a:t>
+            </a:r>
+            <a:r>
+              <a:rPr lang="en-US" sz="1200" b="1" smtClean="0"/>
+              <a:t>= </a:t>
+            </a:r>
+            <a:r>
+              <a:rPr lang="en-US" sz="1200" smtClean="0"/>
+              <a:t>genRtnFail</a:t>
+            </a:r>
+            <a:r>
+              <a:rPr lang="en-US" sz="1200" b="1" smtClean="0"/>
+              <a:t>(None</a:t>
+            </a:r>
+            <a:r>
+              <a:rPr lang="en-US" sz="1200" smtClean="0"/>
+              <a:t>, e.args</a:t>
+            </a:r>
+            <a:r>
+              <a:rPr lang="en-US" sz="1200" b="1" smtClean="0"/>
+              <a:t>)</a:t>
+            </a:r>
+            <a:br>
+              <a:rPr lang="en-US" sz="1200" b="1" smtClean="0"/>
+            </a:br>
+            <a:r>
+              <a:rPr lang="en-US" sz="1200" b="1" smtClean="0"/>
+              <a:t>  raise </a:t>
+            </a:r>
+            <a:r>
+              <a:rPr lang="en-US" sz="1200" smtClean="0"/>
+              <a:t>e</a:t>
+            </a:r>
+            <a:br>
+              <a:rPr lang="en-US" sz="1200" smtClean="0"/>
+            </a:br>
+            <a:r>
+              <a:rPr lang="en-US" sz="1200" b="1" smtClean="0"/>
+              <a:t>except </a:t>
+            </a:r>
+            <a:r>
+              <a:rPr lang="en-US" sz="1200" smtClean="0"/>
+              <a:t>Exception </a:t>
+            </a:r>
+            <a:r>
+              <a:rPr lang="en-US" sz="1200" b="1" smtClean="0"/>
+              <a:t>as </a:t>
+            </a:r>
+            <a:r>
+              <a:rPr lang="en-US" sz="1200" smtClean="0"/>
+              <a:t>e</a:t>
+            </a:r>
+            <a:r>
+              <a:rPr lang="en-US" sz="1200" b="1" smtClean="0"/>
+              <a:t>:</a:t>
+            </a:r>
+            <a:br>
+              <a:rPr lang="en-US" sz="1200" b="1" smtClean="0"/>
+            </a:br>
+            <a:r>
+              <a:rPr lang="en-US" sz="1200" b="1" smtClean="0"/>
+              <a:t>  </a:t>
+            </a:r>
+            <a:r>
+              <a:rPr lang="en-US" sz="1200" smtClean="0"/>
+              <a:t>log</a:t>
+            </a:r>
+            <a:r>
+              <a:rPr lang="en-US" sz="1200" b="1" smtClean="0"/>
+              <a:t>(“ajaxResp.dealPAjax</a:t>
+            </a:r>
+            <a:r>
+              <a:rPr lang="zh-CN" altLang="en-US" sz="1200" b="1" smtClean="0"/>
+              <a:t>执行错误：</a:t>
+            </a:r>
+            <a:r>
+              <a:rPr lang="en-US" altLang="zh-CN" sz="1200" b="1" smtClean="0"/>
+              <a:t>%</a:t>
+            </a:r>
+            <a:r>
+              <a:rPr lang="en-US" sz="1200" b="1" smtClean="0"/>
+              <a:t>s” </a:t>
+            </a:r>
+            <a:r>
+              <a:rPr lang="en-US" sz="1200" b="1" smtClean="0"/>
+              <a:t>% </a:t>
+            </a:r>
+            <a:r>
+              <a:rPr lang="en-US" sz="1200" smtClean="0"/>
+              <a:t>str</a:t>
+            </a:r>
+            <a:r>
+              <a:rPr lang="en-US" sz="1200" b="1" smtClean="0"/>
+              <a:t>(</a:t>
+            </a:r>
+            <a:r>
+              <a:rPr lang="en-US" sz="1200" smtClean="0"/>
+              <a:t>e.args</a:t>
+            </a:r>
+            <a:r>
+              <a:rPr lang="en-US" sz="1200" b="1" smtClean="0"/>
+              <a:t>))</a:t>
+            </a:r>
+            <a:br>
+              <a:rPr lang="en-US" sz="1200" b="1" smtClean="0"/>
+            </a:br>
+            <a:r>
+              <a:rPr lang="en-US" sz="1200" b="1" smtClean="0"/>
+              <a:t>  </a:t>
+            </a:r>
+            <a:r>
+              <a:rPr lang="en-US" sz="1200" smtClean="0"/>
+              <a:t>l_rtn </a:t>
+            </a:r>
+            <a:r>
+              <a:rPr lang="en-US" sz="1200" b="1" smtClean="0"/>
+              <a:t>= </a:t>
+            </a:r>
+            <a:r>
+              <a:rPr lang="en-US" sz="1200" smtClean="0"/>
+              <a:t>genRtnFail</a:t>
+            </a:r>
+            <a:r>
+              <a:rPr lang="en-US" sz="1200" b="1" smtClean="0"/>
+              <a:t>(None</a:t>
+            </a:r>
+            <a:r>
+              <a:rPr lang="en-US" sz="1200" smtClean="0"/>
+              <a:t>, </a:t>
+            </a:r>
+            <a:r>
+              <a:rPr lang="en-US" sz="1200" b="1" smtClean="0"/>
+              <a:t>“</a:t>
+            </a:r>
+            <a:r>
+              <a:rPr lang="zh-CN" altLang="en-US" sz="1200" b="1" smtClean="0"/>
+              <a:t>服务器</a:t>
+            </a:r>
+            <a:r>
+              <a:rPr lang="zh-CN" altLang="en-US" sz="1200" b="1" smtClean="0"/>
+              <a:t>端</a:t>
+            </a:r>
+            <a:r>
+              <a:rPr lang="zh-CN" altLang="en-US" sz="1200" b="1" smtClean="0"/>
+              <a:t>错误</a:t>
+            </a:r>
+            <a:r>
+              <a:rPr lang="zh-CN" altLang="en-US" sz="1200" b="1" smtClean="0"/>
+              <a:t>。</a:t>
+            </a:r>
+            <a:r>
+              <a:rPr lang="en-US" altLang="zh-CN" sz="1200" b="1" smtClean="0"/>
+              <a:t>”)</a:t>
+            </a:r>
+            <a:r>
+              <a:rPr lang="en-US" altLang="zh-CN" sz="1200" b="1" smtClean="0"/>
+              <a:t/>
+            </a:r>
+            <a:br>
+              <a:rPr lang="en-US" altLang="zh-CN" sz="1200" b="1" smtClean="0"/>
+            </a:br>
+            <a:r>
+              <a:rPr lang="en-US" altLang="zh-CN" sz="1200" b="1" smtClean="0"/>
+              <a:t>  </a:t>
+            </a:r>
+            <a:r>
+              <a:rPr lang="en-US" sz="1200" b="1" smtClean="0"/>
+              <a:t>raise </a:t>
+            </a:r>
+            <a:r>
+              <a:rPr lang="en-US" sz="1200" smtClean="0"/>
+              <a:t>e</a:t>
+            </a:r>
+            <a:br>
+              <a:rPr lang="en-US" sz="1200" smtClean="0"/>
+            </a:br>
+            <a:r>
+              <a:rPr lang="en-US" sz="1200" b="1" smtClean="0"/>
+              <a:t>finally:</a:t>
+            </a:r>
+            <a:br>
+              <a:rPr lang="en-US" sz="1200" b="1" smtClean="0"/>
+            </a:br>
+            <a:r>
+              <a:rPr lang="en-US" sz="1200" b="1" smtClean="0"/>
+              <a:t>  for </a:t>
+            </a:r>
+            <a:r>
+              <a:rPr lang="en-US" sz="1200" smtClean="0"/>
+              <a:t>q </a:t>
+            </a:r>
+            <a:r>
+              <a:rPr lang="en-US" sz="1200" b="1" smtClean="0"/>
+              <a:t>in </a:t>
+            </a:r>
+            <a:r>
+              <a:rPr lang="en-US" sz="1200" smtClean="0"/>
+              <a:t>connection.queries</a:t>
+            </a:r>
+            <a:r>
+              <a:rPr lang="en-US" sz="1200" b="1" smtClean="0"/>
+              <a:t>:</a:t>
+            </a:r>
+            <a:br>
+              <a:rPr lang="en-US" sz="1200" b="1" smtClean="0"/>
+            </a:br>
+            <a:r>
+              <a:rPr lang="en-US" sz="1200" b="1" smtClean="0"/>
+              <a:t>    </a:t>
+            </a:r>
+            <a:r>
+              <a:rPr lang="en-US" sz="1200" smtClean="0"/>
+              <a:t>log</a:t>
+            </a:r>
+            <a:r>
+              <a:rPr lang="en-US" sz="1200" b="1" smtClean="0"/>
+              <a:t>(</a:t>
+            </a:r>
+            <a:r>
+              <a:rPr lang="en-US" sz="1200" smtClean="0"/>
+              <a:t>q</a:t>
+            </a:r>
+            <a:r>
+              <a:rPr lang="en-US" sz="1200" b="1" smtClean="0"/>
+              <a:t>) // </a:t>
+            </a:r>
+            <a:r>
+              <a:rPr lang="zh-CN" altLang="en-US" sz="1200" b="1" smtClean="0"/>
+              <a:t>记录</a:t>
+            </a:r>
+            <a:r>
+              <a:rPr lang="en-US" altLang="zh-CN" sz="1200" b="1" smtClean="0"/>
+              <a:t>sql</a:t>
+            </a:r>
+            <a:r>
+              <a:rPr lang="zh-CN" altLang="en-US" sz="1200" b="1" smtClean="0"/>
+              <a:t>语句。</a:t>
+            </a:r>
+            <a:endParaRPr lang="en-US" altLang="zh-CN" sz="1200" b="1" smtClean="0"/>
+          </a:p>
+          <a:p>
+            <a:endParaRPr lang="en-US" altLang="zh-CN" sz="1200" b="1" smtClean="0"/>
+          </a:p>
+          <a:p>
+            <a:r>
+              <a:rPr lang="en-US" sz="1200" b="1" smtClean="0"/>
+              <a:t>return </a:t>
+            </a:r>
+            <a:r>
+              <a:rPr lang="en-US" sz="1200" smtClean="0"/>
+              <a:t>HttpResponse</a:t>
+            </a:r>
+            <a:r>
+              <a:rPr lang="en-US" sz="1200" b="1" smtClean="0"/>
+              <a:t>(</a:t>
+            </a:r>
+            <a:r>
+              <a:rPr lang="en-US" sz="1200" smtClean="0"/>
+              <a:t>json.dumps</a:t>
+            </a:r>
+            <a:r>
+              <a:rPr lang="en-US" sz="1200" b="1" smtClean="0"/>
+              <a:t>(</a:t>
+            </a:r>
+            <a:r>
+              <a:rPr lang="en-US" sz="1200" smtClean="0"/>
+              <a:t>l_rtn, </a:t>
+            </a:r>
+            <a:r>
+              <a:rPr lang="en-US" sz="1200" smtClean="0"/>
+              <a:t>ensure_ascii</a:t>
+            </a:r>
+            <a:r>
+              <a:rPr lang="en-US" sz="1200" b="1" smtClean="0"/>
+              <a:t>=False</a:t>
+            </a:r>
+            <a:r>
+              <a:rPr lang="en-US" sz="1200" b="1" smtClean="0"/>
+              <a:t>))</a:t>
+            </a:r>
+          </a:p>
+          <a:p>
+            <a:endParaRPr lang="zh-CN" altLang="en-US" sz="1200"/>
+          </a:p>
+        </p:txBody>
+      </p:sp>
+      <p:sp>
+        <p:nvSpPr>
+          <p:cNvPr id="11" name="矩形 10"/>
+          <p:cNvSpPr/>
+          <p:nvPr/>
+        </p:nvSpPr>
+        <p:spPr>
+          <a:xfrm>
+            <a:off x="221778" y="2801162"/>
+            <a:ext cx="1064074" cy="830997"/>
+          </a:xfrm>
+          <a:prstGeom prst="rect">
+            <a:avLst/>
+          </a:prstGeom>
+        </p:spPr>
+        <p:txBody>
+          <a:bodyPr wrap="none">
+            <a:spAutoFit/>
+          </a:bodyPr>
+          <a:lstStyle/>
+          <a:p>
+            <a:r>
+              <a:rPr lang="zh-CN" altLang="en-US" sz="1200" b="1" smtClean="0"/>
+              <a:t>原子处理：</a:t>
+            </a:r>
+            <a:r>
+              <a:rPr lang="en-US" altLang="zh-CN" sz="1200" b="1" smtClean="0"/>
+              <a:t/>
+            </a:r>
+            <a:br>
+              <a:rPr lang="en-US" altLang="zh-CN" sz="1200" b="1" smtClean="0"/>
+            </a:br>
+            <a:r>
+              <a:rPr lang="zh-CN" altLang="en-US" sz="1200" b="1" smtClean="0"/>
+              <a:t>返回</a:t>
+            </a:r>
+            <a:endParaRPr lang="en-US" altLang="zh-CN" sz="1200" b="1" smtClean="0"/>
+          </a:p>
+          <a:p>
+            <a:r>
+              <a:rPr lang="en-US" altLang="zh-CN" sz="1200" b="1" smtClean="0"/>
+              <a:t>httpResponse</a:t>
+            </a:r>
+          </a:p>
+          <a:p>
+            <a:endParaRPr lang="zh-CN" altLang="en-US" sz="1200" b="1"/>
+          </a:p>
+        </p:txBody>
+      </p:sp>
+      <p:sp>
+        <p:nvSpPr>
+          <p:cNvPr id="12" name="矩形 11"/>
+          <p:cNvSpPr/>
+          <p:nvPr/>
+        </p:nvSpPr>
+        <p:spPr>
+          <a:xfrm>
+            <a:off x="4643438" y="214290"/>
+            <a:ext cx="2857520" cy="369332"/>
+          </a:xfrm>
+          <a:prstGeom prst="rect">
+            <a:avLst/>
+          </a:prstGeom>
+        </p:spPr>
+        <p:txBody>
+          <a:bodyPr wrap="square">
+            <a:spAutoFit/>
+          </a:bodyPr>
+          <a:lstStyle/>
+          <a:p>
+            <a:r>
+              <a:rPr lang="en-US" altLang="zh-CN" b="1" smtClean="0">
+                <a:solidFill>
+                  <a:schemeClr val="tx2"/>
+                </a:solidFill>
+              </a:rPr>
+              <a:t>REST</a:t>
+            </a:r>
+            <a:r>
+              <a:rPr lang="zh-CN" altLang="en-US" b="1" smtClean="0">
+                <a:solidFill>
+                  <a:schemeClr val="tx2"/>
+                </a:solidFill>
+              </a:rPr>
+              <a:t>框架处理流程。</a:t>
+            </a:r>
+            <a:endParaRPr lang="zh-CN" altLang="en-US">
+              <a:solidFill>
+                <a:schemeClr val="tx2"/>
+              </a:solidFill>
+            </a:endParaRPr>
+          </a:p>
+        </p:txBody>
+      </p:sp>
+      <p:sp>
+        <p:nvSpPr>
+          <p:cNvPr id="13" name="矩形 12"/>
+          <p:cNvSpPr/>
+          <p:nvPr/>
+        </p:nvSpPr>
+        <p:spPr>
+          <a:xfrm>
+            <a:off x="6000760" y="3571876"/>
+            <a:ext cx="2857520" cy="1938992"/>
+          </a:xfrm>
+          <a:prstGeom prst="rect">
+            <a:avLst/>
+          </a:prstGeom>
+        </p:spPr>
+        <p:style>
+          <a:lnRef idx="2">
+            <a:schemeClr val="dk1"/>
+          </a:lnRef>
+          <a:fillRef idx="1">
+            <a:schemeClr val="lt1"/>
+          </a:fillRef>
+          <a:effectRef idx="0">
+            <a:schemeClr val="dk1"/>
+          </a:effectRef>
+          <a:fontRef idx="minor">
+            <a:schemeClr val="dk1"/>
+          </a:fontRef>
+        </p:style>
+        <p:txBody>
+          <a:bodyPr wrap="square">
+            <a:spAutoFit/>
+          </a:bodyPr>
+          <a:lstStyle/>
+          <a:p>
+            <a:r>
+              <a:rPr lang="en-US" sz="1200" b="1" smtClean="0"/>
+              <a:t>def </a:t>
+            </a:r>
+            <a:r>
+              <a:rPr lang="en-US" sz="1200" b="1" smtClean="0"/>
+              <a:t>genRtn</a:t>
+            </a:r>
+            <a:r>
+              <a:rPr lang="en-US" sz="1200" b="1" smtClean="0"/>
+              <a:t>( </a:t>
+            </a:r>
+            <a:r>
+              <a:rPr lang="en-US" sz="1200" smtClean="0"/>
+              <a:t>aCode</a:t>
+            </a:r>
+            <a:r>
+              <a:rPr lang="en-US" sz="1200" b="1" smtClean="0"/>
+              <a:t>=</a:t>
+            </a:r>
+            <a:r>
+              <a:rPr lang="en-US" sz="1200" smtClean="0"/>
+              <a:t>1</a:t>
+            </a:r>
+            <a:r>
+              <a:rPr lang="en-US" sz="1200" smtClean="0"/>
+              <a:t>, aInfo</a:t>
+            </a:r>
+            <a:r>
+              <a:rPr lang="en-US" sz="1200" b="1" smtClean="0"/>
+              <a:t>=""</a:t>
+            </a:r>
+            <a:r>
+              <a:rPr lang="en-US" sz="1200" smtClean="0"/>
+              <a:t>, </a:t>
+            </a:r>
+            <a:r>
+              <a:rPr lang="en-US" sz="1200" smtClean="0"/>
+              <a:t>aAlert</a:t>
+            </a:r>
+            <a:r>
+              <a:rPr lang="en-US" sz="1200" b="1" smtClean="0"/>
+              <a:t>=</a:t>
+            </a:r>
+            <a:r>
+              <a:rPr lang="en-US" sz="1200" smtClean="0"/>
+              <a:t>0</a:t>
+            </a:r>
+            <a:r>
+              <a:rPr lang="en-US" sz="1200" smtClean="0"/>
+              <a:t>,</a:t>
+            </a:r>
+          </a:p>
+          <a:p>
+            <a:r>
+              <a:rPr lang="en-US" sz="1200" smtClean="0"/>
+              <a:t> </a:t>
+            </a:r>
+            <a:r>
+              <a:rPr lang="en-US" sz="1200" smtClean="0"/>
+              <a:t>                      </a:t>
+            </a:r>
+            <a:r>
+              <a:rPr lang="en-US" sz="1200" smtClean="0"/>
+              <a:t>aErr</a:t>
+            </a:r>
+            <a:r>
+              <a:rPr lang="en-US" sz="1200" b="1" smtClean="0"/>
+              <a:t>=[]</a:t>
+            </a:r>
+            <a:r>
+              <a:rPr lang="en-US" sz="1200" smtClean="0"/>
+              <a:t>, </a:t>
+            </a:r>
+            <a:r>
+              <a:rPr lang="en-US" sz="1200" smtClean="0"/>
+              <a:t>aObj</a:t>
+            </a:r>
+            <a:r>
+              <a:rPr lang="en-US" sz="1200" b="1" smtClean="0"/>
+              <a:t>={}  ):</a:t>
+            </a:r>
+            <a:r>
+              <a:rPr lang="en-US" sz="1200" b="1" smtClean="0"/>
+              <a:t/>
+            </a:r>
+            <a:br>
+              <a:rPr lang="en-US" sz="1200" b="1" smtClean="0"/>
+            </a:br>
+            <a:r>
+              <a:rPr lang="en-US" sz="1200" b="1" smtClean="0"/>
+              <a:t>  </a:t>
+            </a:r>
+            <a:r>
+              <a:rPr lang="en-US" sz="1200" b="1" smtClean="0"/>
+              <a:t>return </a:t>
+            </a:r>
+            <a:endParaRPr lang="en-US" sz="1200" b="1" smtClean="0"/>
+          </a:p>
+          <a:p>
+            <a:r>
+              <a:rPr lang="en-US" sz="1200" b="1" smtClean="0"/>
+              <a:t>      {</a:t>
+            </a:r>
+          </a:p>
+          <a:p>
+            <a:r>
+              <a:rPr lang="en-US" sz="1200" b="1" smtClean="0"/>
+              <a:t> </a:t>
+            </a:r>
+            <a:r>
+              <a:rPr lang="en-US" sz="1200" b="1" smtClean="0"/>
+              <a:t>         "</a:t>
+            </a:r>
+            <a:r>
+              <a:rPr lang="en-US" sz="1200" b="1" smtClean="0"/>
+              <a:t>rtnCode":</a:t>
+            </a:r>
+            <a:r>
+              <a:rPr lang="en-US" sz="1200" smtClean="0"/>
+              <a:t>aCode</a:t>
+            </a:r>
+            <a:r>
+              <a:rPr lang="en-US" sz="1200" smtClean="0"/>
+              <a:t>, </a:t>
+            </a:r>
+            <a:endParaRPr lang="en-US" sz="1200" smtClean="0"/>
+          </a:p>
+          <a:p>
+            <a:r>
+              <a:rPr lang="en-US" sz="1200" b="1" smtClean="0"/>
+              <a:t> </a:t>
+            </a:r>
+            <a:r>
+              <a:rPr lang="en-US" sz="1200" b="1" smtClean="0"/>
+              <a:t>         "</a:t>
+            </a:r>
+            <a:r>
+              <a:rPr lang="en-US" sz="1200" b="1" smtClean="0"/>
+              <a:t>rtnInfo":</a:t>
+            </a:r>
+            <a:r>
+              <a:rPr lang="en-US" sz="1200" smtClean="0"/>
+              <a:t>aInfo</a:t>
+            </a:r>
+            <a:r>
+              <a:rPr lang="en-US" sz="1200" smtClean="0"/>
+              <a:t>, </a:t>
+            </a:r>
+            <a:endParaRPr lang="en-US" sz="1200" smtClean="0"/>
+          </a:p>
+          <a:p>
+            <a:r>
+              <a:rPr lang="en-US" sz="1200" b="1" smtClean="0"/>
+              <a:t> </a:t>
+            </a:r>
+            <a:r>
+              <a:rPr lang="en-US" sz="1200" b="1" smtClean="0"/>
+              <a:t>         "</a:t>
+            </a:r>
+            <a:r>
+              <a:rPr lang="en-US" sz="1200" b="1" smtClean="0"/>
+              <a:t>alertType":</a:t>
+            </a:r>
+            <a:r>
+              <a:rPr lang="en-US" sz="1200" smtClean="0"/>
+              <a:t>aAlert</a:t>
+            </a:r>
+            <a:r>
+              <a:rPr lang="en-US" sz="1200" smtClean="0"/>
+              <a:t>, </a:t>
+            </a:r>
+            <a:endParaRPr lang="en-US" sz="1200" smtClean="0"/>
+          </a:p>
+          <a:p>
+            <a:r>
+              <a:rPr lang="en-US" sz="1200" b="1" smtClean="0"/>
+              <a:t> </a:t>
+            </a:r>
+            <a:r>
+              <a:rPr lang="en-US" sz="1200" b="1" smtClean="0"/>
+              <a:t>         "</a:t>
+            </a:r>
+            <a:r>
+              <a:rPr lang="en-US" sz="1200" b="1" smtClean="0"/>
+              <a:t>error":</a:t>
+            </a:r>
+            <a:r>
+              <a:rPr lang="en-US" sz="1200" smtClean="0"/>
+              <a:t>aErr</a:t>
+            </a:r>
+            <a:r>
+              <a:rPr lang="en-US" sz="1200" smtClean="0"/>
+              <a:t>, </a:t>
+            </a:r>
+            <a:endParaRPr lang="en-US" sz="1200" smtClean="0"/>
+          </a:p>
+          <a:p>
+            <a:r>
+              <a:rPr lang="en-US" sz="1200" b="1" smtClean="0"/>
+              <a:t> </a:t>
+            </a:r>
+            <a:r>
+              <a:rPr lang="en-US" sz="1200" b="1" smtClean="0"/>
+              <a:t>         "</a:t>
+            </a:r>
+            <a:r>
+              <a:rPr lang="en-US" sz="1200" b="1" smtClean="0"/>
+              <a:t>exObj</a:t>
+            </a:r>
+            <a:r>
+              <a:rPr lang="en-US" sz="1200" b="1" smtClean="0"/>
+              <a:t>":</a:t>
+            </a:r>
+            <a:r>
+              <a:rPr lang="en-US" sz="1200" smtClean="0"/>
+              <a:t>aObj</a:t>
+            </a:r>
+          </a:p>
+          <a:p>
+            <a:r>
+              <a:rPr lang="en-US" sz="1200" b="1" smtClean="0"/>
+              <a:t> </a:t>
+            </a:r>
+            <a:r>
+              <a:rPr lang="en-US" sz="1200" b="1" smtClean="0"/>
+              <a:t>     }</a:t>
+            </a:r>
+            <a:endParaRPr lang="zh-CN" altLang="en-US" sz="1200"/>
+          </a:p>
+        </p:txBody>
+      </p:sp>
+      <p:sp>
+        <p:nvSpPr>
+          <p:cNvPr id="14" name="矩形 13"/>
+          <p:cNvSpPr/>
+          <p:nvPr/>
+        </p:nvSpPr>
+        <p:spPr>
+          <a:xfrm>
+            <a:off x="6000760" y="2857496"/>
+            <a:ext cx="1064074" cy="646331"/>
+          </a:xfrm>
+          <a:prstGeom prst="rect">
+            <a:avLst/>
+          </a:prstGeom>
+        </p:spPr>
+        <p:txBody>
+          <a:bodyPr wrap="none">
+            <a:spAutoFit/>
+          </a:bodyPr>
+          <a:lstStyle/>
+          <a:p>
+            <a:r>
+              <a:rPr lang="zh-CN" altLang="en-US" sz="1200" b="1" smtClean="0">
+                <a:solidFill>
+                  <a:schemeClr val="tx2"/>
+                </a:solidFill>
+              </a:rPr>
+              <a:t>返回</a:t>
+            </a:r>
+            <a:endParaRPr lang="en-US" altLang="zh-CN" sz="1200" b="1" smtClean="0">
+              <a:solidFill>
+                <a:schemeClr val="tx2"/>
+              </a:solidFill>
+            </a:endParaRPr>
+          </a:p>
+          <a:p>
+            <a:r>
+              <a:rPr lang="en-US" altLang="zh-CN" sz="1200" b="1" smtClean="0">
+                <a:solidFill>
+                  <a:schemeClr val="tx2"/>
+                </a:solidFill>
+              </a:rPr>
+              <a:t>httpResponse</a:t>
+            </a:r>
+          </a:p>
+          <a:p>
+            <a:r>
+              <a:rPr lang="zh-CN" altLang="en-US" sz="1200" b="1" smtClean="0">
+                <a:solidFill>
+                  <a:schemeClr val="tx2"/>
+                </a:solidFill>
+              </a:rPr>
+              <a:t>参数：</a:t>
+            </a:r>
+            <a:endParaRPr lang="zh-CN" altLang="en-US" sz="1200" b="1">
+              <a:solidFill>
+                <a:schemeClr val="tx2"/>
+              </a:solidFill>
+            </a:endParaRPr>
+          </a:p>
+        </p:txBody>
+      </p:sp>
+    </p:spTree>
+    <p:extLst>
+      <p:ext uri="{BB962C8B-B14F-4D97-AF65-F5344CB8AC3E}">
+        <p14:creationId xmlns:p14="http://schemas.microsoft.com/office/powerpoint/2010/main" xmlns="" val="3264747673"/>
+      </p:ext>
+    </p:extLst>
+  </p:cSld>
+  <p:clrMapOvr>
+    <a:masterClrMapping/>
+  </p:clrMapOvr>
+</p:sld>
+</file>
+
+<file path=ppt/slides/slide11.xml><?xml version="1.0" encoding="utf-8"?>
+<p:sld xmlns:a="http://schemas.openxmlformats.org/drawingml/2006/main" xmlns:r="http://schemas.openxmlformats.org/officeDocument/2006/relationships" xmlns:p="http://schemas.openxmlformats.org/presentationml/2006/main">
+  <p:cSld>
+    <p:spTree>
+      <p:nvGrpSpPr>
+        <p:cNvPr id="1" name=""/>
+        <p:cNvGrpSpPr/>
+        <p:nvPr/>
+      </p:nvGrpSpPr>
+      <p:grpSpPr>
+        <a:xfrm>
+          <a:off x="0" y="0"/>
+          <a:ext cx="0" cy="0"/>
+          <a:chOff x="0" y="0"/>
+          <a:chExt cx="0" cy="0"/>
+        </a:xfrm>
+      </p:grpSpPr>
+      <p:sp>
+        <p:nvSpPr>
+          <p:cNvPr id="2" name="矩形 1"/>
+          <p:cNvSpPr/>
+          <p:nvPr/>
+        </p:nvSpPr>
+        <p:spPr>
+          <a:xfrm>
+            <a:off x="142844" y="142852"/>
+            <a:ext cx="2643206" cy="428628"/>
           </a:xfrm>
           <a:prstGeom prst="rect">
             <a:avLst/>
@@ -3139,15 +4508,8 @@
           <a:p>
             <a:pPr algn="ctr"/>
             <a:r>
-              <a:rPr lang="en-US" altLang="zh-CN" sz="1200" smtClean="0"/>
-              <a:t>Id</a:t>
-            </a:r>
-            <a:br>
-              <a:rPr lang="en-US" altLang="zh-CN" sz="1200" smtClean="0"/>
-            </a:br>
-            <a:r>
-              <a:rPr lang="en-US" altLang="zh-CN" sz="1200" smtClean="0"/>
-              <a:t>parent</a:t>
+              <a:rPr lang="en-US" altLang="zh-CN" sz="1200" err="1" smtClean="0"/>
+              <a:t>sysParam</a:t>
             </a:r>
             <a:endParaRPr lang="zh-CN" altLang="en-US" sz="1200"/>
           </a:p>
@@ -3155,56 +4517,14 @@
       </p:sp>
       <p:sp>
         <p:nvSpPr>
-          <p:cNvPr id="6" name="矩形 5"/>
+          <p:cNvPr id="4" name="矩形 3"/>
           <p:cNvSpPr/>
           <p:nvPr/>
         </p:nvSpPr>
         <p:spPr>
           <a:xfrm>
-            <a:off x="3571868" y="443852"/>
-            <a:ext cx="3357586" cy="500066"/>
-          </a:xfrm>
-          <a:prstGeom prst="rect">
-            <a:avLst/>
-          </a:prstGeom>
-        </p:spPr>
-        <p:style>
-          <a:lnRef idx="2">
-            <a:schemeClr val="accent1"/>
-          </a:lnRef>
-          <a:fillRef idx="1">
-            <a:schemeClr val="lt1"/>
-          </a:fillRef>
-          <a:effectRef idx="0">
-            <a:schemeClr val="accent1"/>
-          </a:effectRef>
-          <a:fontRef idx="minor">
-            <a:schemeClr val="dk1"/>
-          </a:fontRef>
-        </p:style>
-        <p:txBody>
-          <a:bodyPr rtlCol="0" anchor="ctr"/>
-          <a:lstStyle/>
-          <a:p>
-            <a:pPr algn="ctr"/>
-            <a:r>
-              <a:rPr lang="zh-CN" altLang="en-US" sz="1200" smtClean="0"/>
-              <a:t>负责数据存储的物理层级关系。</a:t>
-            </a:r>
-            <a:endParaRPr lang="zh-CN" altLang="en-US" sz="1200"/>
-          </a:p>
-        </p:txBody>
-      </p:sp>
-      <p:sp>
-        <p:nvSpPr>
-          <p:cNvPr id="7" name="矩形 6"/>
-          <p:cNvSpPr/>
-          <p:nvPr/>
-        </p:nvSpPr>
-        <p:spPr>
-          <a:xfrm>
-            <a:off x="642910" y="1117040"/>
-            <a:ext cx="2928958" cy="1284560"/>
+            <a:off x="467544" y="692696"/>
+            <a:ext cx="3857652" cy="2016224"/>
           </a:xfrm>
           <a:prstGeom prst="rect">
             <a:avLst/>
@@ -3228,570 +4548,146 @@
           <a:bodyPr rtlCol="0" anchor="ctr"/>
           <a:lstStyle/>
           <a:p>
-            <a:pPr algn="ctr">
-              <a:lnSpc>
-                <a:spcPct val="150000"/>
-              </a:lnSpc>
-            </a:pPr>
+            <a:r>
+              <a:rPr lang="en-US" altLang="zh-CN" sz="1200" err="1" smtClean="0"/>
+              <a:t>corp</a:t>
+            </a:r>
             <a:r>
               <a:rPr lang="en-US" altLang="zh-CN" sz="1200" smtClean="0"/>
-              <a:t>Idx: </a:t>
+              <a:t>:              </a:t>
             </a:r>
             <a:r>
               <a:rPr lang="zh-CN" altLang="en-US" sz="1200" smtClean="0"/>
-              <a:t>标识</a:t>
-            </a:r>
+              <a:t>山东</a:t>
+            </a:r>
+            <a:r>
+              <a:rPr lang="zh-CN" altLang="en-US" sz="1200"/>
+              <a:t>鼎成卫星导航定位技术</a:t>
+            </a:r>
+            <a:r>
+              <a:rPr lang="zh-CN" altLang="en-US" sz="1200" smtClean="0"/>
+              <a:t>有限公司</a:t>
+            </a:r>
+            <a:endParaRPr lang="en-US" altLang="zh-CN" sz="1200" smtClean="0"/>
+          </a:p>
+          <a:p>
             <a:r>
               <a:rPr lang="en-US" altLang="zh-CN" sz="1200" smtClean="0"/>
-              <a:t/>
+              <a:t>webAuth:      </a:t>
+            </a:r>
+            <a:r>
+              <a:rPr lang="zh-CN" altLang="en-US" sz="1200" smtClean="0"/>
+              <a:t>鲁</a:t>
+            </a:r>
+            <a:r>
+              <a:rPr lang="en-US" altLang="zh-CN" sz="1200" err="1"/>
+              <a:t>ICP</a:t>
+            </a:r>
+            <a:r>
+              <a:rPr lang="zh-CN" altLang="en-US" sz="1200"/>
+              <a:t>备</a:t>
+            </a:r>
+            <a:r>
+              <a:rPr lang="en-US" altLang="zh-CN" sz="1200"/>
+              <a:t>12345678</a:t>
+            </a:r>
+            <a:r>
+              <a:rPr lang="zh-CN" altLang="en-US" sz="1200" smtClean="0"/>
+              <a:t>号</a:t>
+            </a:r>
+            <a:endParaRPr lang="en-US" altLang="zh-CN" sz="1200" smtClean="0"/>
+          </a:p>
+          <a:p>
+            <a:r>
+              <a:rPr lang="en-US" altLang="zh-CN" sz="1200" smtClean="0"/>
+              <a:t>keywords:        </a:t>
+            </a:r>
+            <a:r>
+              <a:rPr lang="en-US" altLang="zh-CN" sz="1200" err="1" smtClean="0"/>
+              <a:t>xxxxxx</a:t>
+            </a:r>
+            <a:endParaRPr lang="en-US" altLang="zh-CN" sz="1200" smtClean="0"/>
+          </a:p>
+          <a:p>
+            <a:r>
+              <a:rPr lang="en-US" altLang="zh-CN" sz="1200" smtClean="0"/>
+              <a:t>descriptions:   xxxxx,xxxxxxx,xxx</a:t>
             </a:r>
             <a:br>
               <a:rPr lang="en-US" altLang="zh-CN" sz="1200" smtClean="0"/>
             </a:br>
             <a:r>
               <a:rPr lang="en-US" altLang="zh-CN" sz="1200" smtClean="0"/>
-              <a:t>kind: </a:t>
-            </a:r>
-            <a:r>
-              <a:rPr lang="zh-CN" altLang="en-US" sz="1200" smtClean="0"/>
-              <a:t>分类，用来寻找子栏目。</a:t>
-            </a:r>
+              <a:t>jsonEx:</a:t>
+            </a:r>
+          </a:p>
+          <a:p>
             <a:r>
               <a:rPr lang="en-US" altLang="zh-CN" sz="1200" smtClean="0"/>
-              <a:t/>
-            </a:r>
-            <a:br>
-              <a:rPr lang="en-US" altLang="zh-CN" sz="1200" smtClean="0"/>
-            </a:br>
-            <a:r>
-              <a:rPr lang="en-US" altLang="zh-CN" sz="1200" smtClean="0"/>
-              <a:t>subsParent</a:t>
-            </a:r>
-            <a:r>
-              <a:rPr lang="zh-CN" altLang="en-US" sz="1200" smtClean="0"/>
-              <a:t>：子记录的父亲</a:t>
-            </a:r>
-            <a:r>
-              <a:rPr lang="en-US" altLang="zh-CN" sz="1200" smtClean="0"/>
-              <a:t/>
-            </a:r>
-            <a:br>
-              <a:rPr lang="en-US" altLang="zh-CN" sz="1200" smtClean="0"/>
-            </a:br>
-            <a:r>
-              <a:rPr lang="en-US" sz="1200" smtClean="0"/>
-              <a:t>ex</a:t>
-            </a:r>
-            <a:r>
-              <a:rPr lang="en-US" altLang="zh-CN" sz="1200" smtClean="0"/>
-              <a:t>Order</a:t>
-            </a:r>
-            <a:r>
-              <a:rPr lang="zh-CN" altLang="en-US" sz="1200" smtClean="0"/>
-              <a:t>：排序号</a:t>
-            </a:r>
-          </a:p>
-        </p:txBody>
-      </p:sp>
-      <p:sp>
-        <p:nvSpPr>
-          <p:cNvPr id="8" name="矩形 7"/>
+              <a:t>siteMap:                 </a:t>
+            </a:r>
+            <a:endParaRPr lang="zh-CN" altLang="en-US" sz="1200"/>
+          </a:p>
+        </p:txBody>
+      </p:sp>
+      <p:sp>
+        <p:nvSpPr>
+          <p:cNvPr id="5" name="矩形 4"/>
           <p:cNvSpPr/>
           <p:nvPr/>
         </p:nvSpPr>
         <p:spPr>
           <a:xfrm>
-            <a:off x="3714744" y="1064320"/>
-            <a:ext cx="4857784" cy="1000132"/>
+            <a:off x="3424226" y="52409"/>
+            <a:ext cx="4291046" cy="369332"/>
           </a:xfrm>
           <a:prstGeom prst="rect">
             <a:avLst/>
           </a:prstGeom>
         </p:spPr>
-        <p:style>
-          <a:lnRef idx="2">
-            <a:schemeClr val="accent1"/>
-          </a:lnRef>
-          <a:fillRef idx="1">
-            <a:schemeClr val="lt1"/>
-          </a:fillRef>
-          <a:effectRef idx="0">
-            <a:schemeClr val="accent1"/>
-          </a:effectRef>
-          <a:fontRef idx="minor">
-            <a:schemeClr val="dk1"/>
-          </a:fontRef>
-        </p:style>
-        <p:txBody>
-          <a:bodyPr lIns="108000" tIns="72000" rIns="108000" bIns="72000" rtlCol="0" anchor="ctr"/>
-          <a:lstStyle/>
-          <a:p>
-            <a:pPr algn="ctr"/>
-            <a:r>
-              <a:rPr lang="en-US" altLang="zh-CN" sz="1200" smtClean="0"/>
-              <a:t>Idx</a:t>
-            </a:r>
-            <a:r>
-              <a:rPr lang="zh-CN" altLang="en-US" sz="1200" smtClean="0"/>
-              <a:t>用来在程序里面做唯一标识。一般可以说，模块</a:t>
-            </a:r>
-            <a:r>
-              <a:rPr lang="en-US" altLang="zh-CN" sz="1200" smtClean="0"/>
-              <a:t>1</a:t>
-            </a:r>
-            <a:r>
-              <a:rPr lang="zh-CN" altLang="en-US" sz="1200" smtClean="0"/>
-              <a:t>，模块</a:t>
-            </a:r>
-            <a:r>
-              <a:rPr lang="en-US" altLang="zh-CN" sz="1200" smtClean="0"/>
-              <a:t>2</a:t>
-            </a:r>
-            <a:r>
-              <a:rPr lang="zh-CN" altLang="en-US" sz="1200" smtClean="0"/>
-              <a:t>，用来进行预定义。比如在首页，模块</a:t>
-            </a:r>
-            <a:r>
-              <a:rPr lang="en-US" altLang="zh-CN" sz="1200" smtClean="0"/>
-              <a:t>1</a:t>
-            </a:r>
-            <a:r>
-              <a:rPr lang="zh-CN" altLang="en-US" sz="1200" smtClean="0"/>
-              <a:t>可以有几个子模块。按照行列来定义。</a:t>
-            </a:r>
-            <a:r>
-              <a:rPr lang="en-US" altLang="zh-CN" sz="1200" smtClean="0"/>
-              <a:t/>
-            </a:r>
-            <a:br>
-              <a:rPr lang="en-US" altLang="zh-CN" sz="1200" smtClean="0"/>
-            </a:br>
-            <a:r>
-              <a:rPr lang="en-US" altLang="zh-CN" sz="1200" smtClean="0"/>
-              <a:t>subsParent</a:t>
-            </a:r>
-            <a:r>
-              <a:rPr lang="zh-CN" altLang="en-US" sz="1200" smtClean="0"/>
-              <a:t>用来标识他下面的</a:t>
-            </a:r>
-            <a:r>
-              <a:rPr lang="en-US" altLang="zh-CN" sz="1200" smtClean="0"/>
-              <a:t>article</a:t>
-            </a:r>
-            <a:r>
-              <a:rPr lang="zh-CN" altLang="en-US" sz="1200" smtClean="0"/>
-              <a:t>记录，是按照那个</a:t>
-            </a:r>
-            <a:r>
-              <a:rPr lang="en-US" altLang="zh-CN" sz="1200" smtClean="0"/>
-              <a:t>parent</a:t>
-            </a:r>
-            <a:r>
-              <a:rPr lang="zh-CN" altLang="en-US" sz="1200" smtClean="0"/>
-              <a:t>来检索的。就可以为同样的栏目，分别放置在不同的地方，不同排序。</a:t>
-            </a:r>
-            <a:endParaRPr lang="en-US" altLang="zh-CN" sz="1200" smtClean="0"/>
-          </a:p>
-        </p:txBody>
-      </p:sp>
-      <p:sp>
-        <p:nvSpPr>
-          <p:cNvPr id="9" name="矩形 8"/>
-          <p:cNvSpPr/>
-          <p:nvPr/>
-        </p:nvSpPr>
-        <p:spPr>
-          <a:xfrm>
-            <a:off x="642910" y="2492896"/>
-            <a:ext cx="3857652" cy="2088232"/>
-          </a:xfrm>
-          <a:prstGeom prst="rect">
-            <a:avLst/>
-          </a:prstGeom>
-        </p:spPr>
-        <p:style>
-          <a:lnRef idx="2">
-            <a:schemeClr val="accent6"/>
-          </a:lnRef>
-          <a:fillRef idx="1">
-            <a:schemeClr val="lt1"/>
-          </a:fillRef>
-          <a:effectRef idx="0">
-            <a:schemeClr val="accent6"/>
-          </a:effectRef>
-          <a:fontRef idx="minor">
-            <a:schemeClr val="dk1"/>
-          </a:fontRef>
-        </p:style>
-        <p:txBody>
-          <a:bodyPr rtlCol="0" anchor="ctr"/>
-          <a:lstStyle/>
-          <a:p>
-            <a:pPr algn="ctr">
-              <a:lnSpc>
-                <a:spcPct val="150000"/>
-              </a:lnSpc>
-            </a:pPr>
-            <a:r>
-              <a:rPr lang="en-US" altLang="zh-CN" sz="1200" smtClean="0"/>
-              <a:t>title</a:t>
-            </a:r>
-            <a:r>
-              <a:rPr lang="zh-CN" altLang="en-US" sz="1200" smtClean="0"/>
-              <a:t>：栏目名称（系统设置用）</a:t>
-            </a:r>
-            <a:endParaRPr lang="en-US" altLang="zh-CN" sz="1200" smtClean="0"/>
-          </a:p>
-          <a:p>
-            <a:pPr algn="ctr">
-              <a:lnSpc>
-                <a:spcPct val="150000"/>
-              </a:lnSpc>
-            </a:pPr>
-            <a:r>
-              <a:rPr lang="en-US" altLang="zh-CN" sz="1200" smtClean="0"/>
-              <a:t>Brief</a:t>
-            </a:r>
-            <a:r>
-              <a:rPr lang="zh-CN" altLang="en-US" sz="1200" smtClean="0"/>
-              <a:t>：简介，介绍</a:t>
-            </a:r>
-            <a:endParaRPr lang="en-US" altLang="zh-CN" sz="1200" smtClean="0"/>
-          </a:p>
-          <a:p>
-            <a:pPr algn="ctr">
-              <a:lnSpc>
-                <a:spcPct val="150000"/>
-              </a:lnSpc>
-            </a:pPr>
-            <a:r>
-              <a:rPr lang="en-US" altLang="zh-CN" sz="1200" smtClean="0"/>
-              <a:t>menuTitle</a:t>
-            </a:r>
-            <a:r>
-              <a:rPr lang="zh-CN" altLang="en-US" sz="1200" smtClean="0"/>
-              <a:t>：菜单</a:t>
-            </a:r>
-            <a:r>
-              <a:rPr lang="zh-CN" altLang="en-US" sz="1200"/>
-              <a:t>栏目</a:t>
-            </a:r>
-            <a:r>
-              <a:rPr lang="en-US" altLang="zh-CN" sz="1200" smtClean="0"/>
-              <a:t/>
-            </a:r>
-            <a:br>
-              <a:rPr lang="en-US" altLang="zh-CN" sz="1200" smtClean="0"/>
-            </a:br>
-            <a:r>
-              <a:rPr lang="en-US" altLang="zh-CN" sz="1200" b="1" smtClean="0"/>
-              <a:t>linkTitle: </a:t>
-            </a:r>
-            <a:r>
-              <a:rPr lang="zh-CN" altLang="en-US" sz="1200" b="1" smtClean="0"/>
-              <a:t>点击链接的文字</a:t>
-            </a:r>
-            <a:endParaRPr lang="en-US" altLang="zh-CN" sz="1200" b="1" smtClean="0"/>
-          </a:p>
-          <a:p>
-            <a:pPr algn="ctr">
-              <a:lnSpc>
-                <a:spcPct val="150000"/>
-              </a:lnSpc>
-            </a:pPr>
-            <a:r>
-              <a:rPr lang="en-US" altLang="zh-CN" sz="1200" b="1" err="1" smtClean="0"/>
-              <a:t>linkClick</a:t>
-            </a:r>
-            <a:r>
-              <a:rPr lang="zh-CN" altLang="en-US" sz="1200" b="1" smtClean="0"/>
-              <a:t>：点击链接</a:t>
-            </a:r>
-            <a:endParaRPr lang="en-US" altLang="zh-CN" sz="1200" b="1" smtClean="0"/>
-          </a:p>
-          <a:p>
-            <a:pPr algn="ctr">
-              <a:lnSpc>
-                <a:spcPct val="150000"/>
-              </a:lnSpc>
-            </a:pPr>
-            <a:r>
-              <a:rPr lang="en-US" altLang="zh-CN" sz="1200" err="1" smtClean="0"/>
-              <a:t>linkPic</a:t>
-            </a:r>
-            <a:r>
-              <a:rPr lang="zh-CN" altLang="en-US" sz="1200" smtClean="0"/>
-              <a:t>：图片链接</a:t>
-            </a:r>
-            <a:endParaRPr lang="en-US" altLang="zh-CN" sz="1200" smtClean="0"/>
-          </a:p>
-          <a:p>
-            <a:pPr algn="ctr">
-              <a:lnSpc>
-                <a:spcPct val="150000"/>
-              </a:lnSpc>
-            </a:pPr>
-            <a:r>
-              <a:rPr lang="en-US" altLang="zh-CN" sz="1200" err="1" smtClean="0"/>
-              <a:t>linkVideo</a:t>
-            </a:r>
-            <a:r>
-              <a:rPr lang="zh-CN" altLang="en-US" sz="1200" smtClean="0"/>
-              <a:t>：视频链接</a:t>
-            </a:r>
-            <a:r>
-              <a:rPr lang="en-US" altLang="zh-CN" sz="1200" smtClean="0"/>
-              <a:t/>
-            </a:r>
-            <a:br>
-              <a:rPr lang="en-US" altLang="zh-CN" sz="1200" smtClean="0"/>
-            </a:br>
-            <a:endParaRPr lang="en-US" altLang="zh-CN" sz="1200" smtClean="0"/>
-          </a:p>
-        </p:txBody>
-      </p:sp>
-      <p:sp>
-        <p:nvSpPr>
-          <p:cNvPr id="12" name="矩形 11"/>
-          <p:cNvSpPr/>
-          <p:nvPr/>
-        </p:nvSpPr>
-        <p:spPr>
-          <a:xfrm>
-            <a:off x="646358" y="4653136"/>
-            <a:ext cx="4073106" cy="2088232"/>
-          </a:xfrm>
-          <a:prstGeom prst="rect">
-            <a:avLst/>
-          </a:prstGeom>
-        </p:spPr>
-        <p:style>
-          <a:lnRef idx="2">
-            <a:schemeClr val="accent6"/>
-          </a:lnRef>
-          <a:fillRef idx="1">
-            <a:schemeClr val="lt1"/>
-          </a:fillRef>
-          <a:effectRef idx="0">
-            <a:schemeClr val="accent6"/>
-          </a:effectRef>
-          <a:fontRef idx="minor">
-            <a:schemeClr val="dk1"/>
-          </a:fontRef>
-        </p:style>
-        <p:txBody>
-          <a:bodyPr rtlCol="0" anchor="ctr"/>
-          <a:lstStyle/>
-          <a:p>
-            <a:pPr algn="ctr">
-              <a:lnSpc>
-                <a:spcPct val="150000"/>
-              </a:lnSpc>
-            </a:pPr>
-            <a:r>
-              <a:rPr lang="en-US" altLang="zh-CN" sz="1200" smtClean="0"/>
-              <a:t>pageView: ‘single’, ‘flat3x3’ </a:t>
-            </a:r>
-          </a:p>
-          <a:p>
-            <a:pPr algn="ctr">
-              <a:lnSpc>
-                <a:spcPct val="150000"/>
-              </a:lnSpc>
-            </a:pPr>
-            <a:r>
-              <a:rPr lang="en-US" altLang="zh-CN" sz="1200"/>
-              <a:t>boardPic: {‘main’:’s’, </a:t>
-            </a:r>
-            <a:r>
-              <a:rPr lang="en-US" altLang="zh-CN" sz="1200" smtClean="0"/>
-              <a:t>‘’}</a:t>
-            </a:r>
-          </a:p>
-          <a:p>
-            <a:pPr algn="ctr">
-              <a:lnSpc>
-                <a:spcPct val="150000"/>
-              </a:lnSpc>
-            </a:pPr>
-            <a:r>
-              <a:rPr lang="en-US" altLang="zh-CN" sz="1200"/>
-              <a:t>exkind</a:t>
-            </a:r>
-            <a:r>
-              <a:rPr lang="zh-CN" altLang="en-US" sz="1200"/>
-              <a:t>：特殊控制：后台用户不</a:t>
-            </a:r>
-            <a:r>
-              <a:rPr lang="zh-CN" altLang="en-US" sz="1200" smtClean="0"/>
-              <a:t>可见。</a:t>
-            </a:r>
-            <a:r>
-              <a:rPr lang="en-US" altLang="zh-CN" sz="1200" smtClean="0"/>
-              <a:t/>
-            </a:r>
-            <a:br>
-              <a:rPr lang="en-US" altLang="zh-CN" sz="1200" smtClean="0"/>
-            </a:br>
-            <a:r>
-              <a:rPr lang="en-US" altLang="zh-CN" sz="1200" smtClean="0"/>
-              <a:t>mapPostion</a:t>
-            </a:r>
-            <a:r>
-              <a:rPr lang="en-US" altLang="zh-CN" sz="1200"/>
-              <a:t>: </a:t>
-            </a:r>
-            <a:r>
-              <a:rPr lang="zh-CN" altLang="en-US" sz="1200"/>
-              <a:t>网站地图的位置</a:t>
-            </a:r>
-            <a:r>
-              <a:rPr lang="en-US" altLang="zh-CN" sz="1200"/>
-              <a:t>()</a:t>
-            </a:r>
-          </a:p>
-          <a:p>
-            <a:pPr algn="ctr">
-              <a:lnSpc>
-                <a:spcPct val="150000"/>
-              </a:lnSpc>
-            </a:pPr>
-            <a:r>
-              <a:rPr lang="en-US" altLang="zh-CN" sz="1200" smtClean="0"/>
-              <a:t>exillu</a:t>
-            </a:r>
-            <a:r>
-              <a:rPr lang="zh-CN" altLang="en-US" sz="1200" smtClean="0"/>
-              <a:t>：内部一些设置说明。</a:t>
-            </a:r>
-            <a:r>
-              <a:rPr lang="en-US" altLang="zh-CN" sz="1200"/>
-              <a:t/>
-            </a:r>
-            <a:br>
-              <a:rPr lang="en-US" altLang="zh-CN" sz="1200"/>
-            </a:br>
-            <a:r>
-              <a:rPr lang="en-US" altLang="zh-CN" sz="1200"/>
-              <a:t>jsonEx</a:t>
-            </a:r>
-            <a:r>
-              <a:rPr lang="en-US" altLang="zh-CN" sz="1200" smtClean="0"/>
-              <a:t>: </a:t>
-            </a:r>
-            <a:r>
-              <a:rPr lang="zh-CN" altLang="en-US" sz="1200" smtClean="0"/>
-              <a:t>为了防止表字段更改而设立的扩展功能。</a:t>
-            </a:r>
-            <a:endParaRPr lang="en-US" altLang="zh-CN" sz="1200" smtClean="0"/>
-          </a:p>
-          <a:p>
-            <a:pPr algn="ctr">
-              <a:lnSpc>
-                <a:spcPct val="150000"/>
-              </a:lnSpc>
-            </a:pPr>
-            <a:r>
-              <a:rPr lang="en-US" altLang="zh-CN" sz="1200" smtClean="0"/>
-              <a:t>renderTemp: ‘’</a:t>
-            </a:r>
-            <a:endParaRPr lang="zh-CN" altLang="en-US" sz="1200"/>
-          </a:p>
-        </p:txBody>
-      </p:sp>
-      <p:sp>
-        <p:nvSpPr>
-          <p:cNvPr id="10" name="矩形 9"/>
-          <p:cNvSpPr/>
-          <p:nvPr/>
-        </p:nvSpPr>
-        <p:spPr>
-          <a:xfrm>
-            <a:off x="4841222" y="5013176"/>
-            <a:ext cx="4176464" cy="1080119"/>
-          </a:xfrm>
-          <a:prstGeom prst="rect">
-            <a:avLst/>
-          </a:prstGeom>
-        </p:spPr>
-        <p:style>
-          <a:lnRef idx="2">
-            <a:schemeClr val="accent1"/>
-          </a:lnRef>
-          <a:fillRef idx="1">
-            <a:schemeClr val="lt1"/>
-          </a:fillRef>
-          <a:effectRef idx="0">
-            <a:schemeClr val="accent1"/>
-          </a:effectRef>
-          <a:fontRef idx="minor">
-            <a:schemeClr val="dk1"/>
-          </a:fontRef>
-        </p:style>
-        <p:txBody>
-          <a:bodyPr rtlCol="0" anchor="ctr"/>
-          <a:lstStyle/>
-          <a:p>
-            <a:pPr algn="ctr"/>
-            <a:r>
-              <a:rPr lang="en-US" altLang="zh-CN" sz="1200" b="1"/>
-              <a:t>[("</a:t>
-            </a:r>
-            <a:r>
-              <a:rPr lang="zh-CN" altLang="en-US" sz="1200" b="1"/>
-              <a:t>公司</a:t>
-            </a:r>
-            <a:r>
-              <a:rPr lang="en-US" altLang="zh-CN" sz="1200" b="1"/>
-              <a:t>"</a:t>
-            </a:r>
-            <a:r>
-              <a:rPr lang="en-US" altLang="zh-CN" sz="1200"/>
-              <a:t>, </a:t>
-            </a:r>
-            <a:r>
-              <a:rPr lang="en-US" altLang="zh-CN" sz="1200" b="1"/>
-              <a:t>'/resec/1/')</a:t>
-            </a:r>
-            <a:r>
-              <a:rPr lang="en-US" altLang="zh-CN" sz="1200"/>
-              <a:t>, </a:t>
-            </a:r>
-            <a:r>
-              <a:rPr lang="en-US" altLang="zh-CN" sz="1200" b="1"/>
-              <a:t>("</a:t>
-            </a:r>
-            <a:r>
-              <a:rPr lang="zh-CN" altLang="en-US" sz="1200" b="1"/>
-              <a:t>公司简介</a:t>
-            </a:r>
-            <a:r>
-              <a:rPr lang="en-US" altLang="zh-CN" sz="1200" b="1"/>
-              <a:t>"</a:t>
-            </a:r>
-            <a:r>
-              <a:rPr lang="en-US" altLang="zh-CN" sz="1200"/>
-              <a:t>, </a:t>
-            </a:r>
-            <a:r>
-              <a:rPr lang="en-US" altLang="zh-CN" sz="1200" b="1"/>
-              <a:t>'/resec/1</a:t>
-            </a:r>
-            <a:r>
-              <a:rPr lang="en-US" altLang="zh-CN" sz="1200" b="1" smtClean="0"/>
-              <a:t>/')]</a:t>
-            </a:r>
-          </a:p>
-          <a:p>
-            <a:pPr algn="ctr"/>
-            <a:r>
-              <a:rPr lang="en-US" altLang="zh-CN" sz="1200"/>
-              <a:t>{‘whatever’:’what ever you want’, ‘sthulike’: ‘enjoy’ }</a:t>
-            </a:r>
-          </a:p>
-          <a:p>
-            <a:pPr algn="ctr"/>
-            <a:endParaRPr lang="zh-CN" altLang="en-US" sz="1200"/>
+        <p:txBody>
+          <a:bodyPr wrap="square">
+            <a:spAutoFit/>
+          </a:bodyPr>
+          <a:lstStyle/>
+          <a:p>
+            <a:r>
+              <a:rPr lang="en-US" altLang="zh-CN" b="1" smtClean="0">
+                <a:solidFill>
+                  <a:schemeClr val="tx2"/>
+                </a:solidFill>
+              </a:rPr>
+              <a:t>Seoweb2 </a:t>
+            </a:r>
+            <a:r>
+              <a:rPr lang="zh-CN" altLang="en-US" b="1" smtClean="0">
+                <a:solidFill>
+                  <a:schemeClr val="tx2"/>
+                </a:solidFill>
+              </a:rPr>
+              <a:t>数据库设置 </a:t>
+            </a:r>
+            <a:r>
+              <a:rPr lang="en-US" altLang="zh-CN" b="1" smtClean="0">
+                <a:solidFill>
+                  <a:schemeClr val="tx2"/>
+                </a:solidFill>
+              </a:rPr>
+              <a:t>– </a:t>
+            </a:r>
+            <a:r>
+              <a:rPr lang="zh-CN" altLang="en-US" b="1" smtClean="0">
+                <a:solidFill>
+                  <a:schemeClr val="tx2"/>
+                </a:solidFill>
+              </a:rPr>
+              <a:t>系统配置表设计</a:t>
+            </a:r>
+            <a:endParaRPr lang="zh-CN" altLang="en-US" b="1">
+              <a:solidFill>
+                <a:schemeClr val="tx2"/>
+              </a:solidFill>
+            </a:endParaRPr>
           </a:p>
         </p:txBody>
       </p:sp>
@@ -3822,14 +4718,14 @@
       </p:grpSpPr>
       <p:sp>
         <p:nvSpPr>
-          <p:cNvPr id="2" name="矩形 1"/>
+          <p:cNvPr id="23" name="矩形 22"/>
           <p:cNvSpPr/>
           <p:nvPr/>
         </p:nvSpPr>
         <p:spPr>
           <a:xfrm>
-            <a:off x="142844" y="142852"/>
-            <a:ext cx="2643206" cy="428628"/>
+            <a:off x="5500694" y="2571744"/>
+            <a:ext cx="3500462" cy="2286016"/>
           </a:xfrm>
           <a:prstGeom prst="rect">
             <a:avLst/>
@@ -3850,13 +4746,12 @@
           </a:fontRef>
         </p:style>
         <p:txBody>
-          <a:bodyPr rtlCol="0" anchor="ctr"/>
-          <a:lstStyle/>
-          <a:p>
-            <a:pPr algn="ctr"/>
-            <a:r>
-              <a:rPr lang="en-US" altLang="zh-CN" sz="1200" err="1" smtClean="0"/>
-              <a:t>sysParam</a:t>
+          <a:bodyPr rtlCol="0" anchor="t" anchorCtr="0"/>
+          <a:lstStyle/>
+          <a:p>
+            <a:r>
+              <a:rPr lang="zh-CN" altLang="en-US" sz="1200" smtClean="0"/>
+              <a:t>行</a:t>
             </a:r>
             <a:endParaRPr lang="zh-CN" altLang="en-US" sz="1200"/>
           </a:p>
@@ -3864,14 +4759,14 @@
       </p:sp>
       <p:sp>
         <p:nvSpPr>
-          <p:cNvPr id="4" name="矩形 3"/>
+          <p:cNvPr id="22" name="矩形 21"/>
           <p:cNvSpPr/>
           <p:nvPr/>
         </p:nvSpPr>
         <p:spPr>
           <a:xfrm>
-            <a:off x="467544" y="692696"/>
-            <a:ext cx="3857652" cy="2016224"/>
+            <a:off x="5572132" y="2857496"/>
+            <a:ext cx="1500198" cy="1857388"/>
           </a:xfrm>
           <a:prstGeom prst="rect">
             <a:avLst/>
@@ -3895,85 +4790,782 @@
           <a:bodyPr rtlCol="0" anchor="ctr"/>
           <a:lstStyle/>
           <a:p>
-            <a:r>
-              <a:rPr lang="en-US" altLang="zh-CN" sz="1200" err="1" smtClean="0"/>
-              <a:t>corp</a:t>
+            <a:pPr algn="ctr"/>
+            <a:r>
+              <a:rPr lang="zh-CN" altLang="en-US" sz="1200" smtClean="0"/>
+              <a:t>块</a:t>
             </a:r>
             <a:r>
               <a:rPr lang="en-US" altLang="zh-CN" sz="1200" smtClean="0"/>
-              <a:t>:              </a:t>
-            </a:r>
+              <a:t>1</a:t>
+            </a:r>
+            <a:endParaRPr lang="zh-CN" altLang="en-US" sz="1200"/>
+          </a:p>
+        </p:txBody>
+      </p:sp>
+      <p:sp>
+        <p:nvSpPr>
+          <p:cNvPr id="8" name="矩形 7"/>
+          <p:cNvSpPr/>
+          <p:nvPr/>
+        </p:nvSpPr>
+        <p:spPr>
+          <a:xfrm>
+            <a:off x="357158" y="500042"/>
+            <a:ext cx="5072098" cy="500066"/>
+          </a:xfrm>
+          <a:prstGeom prst="rect">
+            <a:avLst/>
+          </a:prstGeom>
+          <a:solidFill>
+            <a:schemeClr val="accent5">
+              <a:lumMod val="20000"/>
+              <a:lumOff val="80000"/>
+            </a:schemeClr>
+          </a:solidFill>
+        </p:spPr>
+        <p:style>
+          <a:lnRef idx="2">
+            <a:schemeClr val="accent1">
+              <a:shade val="50000"/>
+            </a:schemeClr>
+          </a:lnRef>
+          <a:fillRef idx="1">
+            <a:schemeClr val="accent1"/>
+          </a:fillRef>
+          <a:effectRef idx="0">
+            <a:schemeClr val="accent1"/>
+          </a:effectRef>
+          <a:fontRef idx="minor">
+            <a:schemeClr val="lt1"/>
+          </a:fontRef>
+        </p:style>
+        <p:txBody>
+          <a:bodyPr rtlCol="0" anchor="ctr"/>
+          <a:lstStyle/>
+          <a:p>
+            <a:pPr algn="ctr"/>
+            <a:endParaRPr lang="zh-CN" altLang="en-US"/>
+          </a:p>
+        </p:txBody>
+      </p:sp>
+      <p:sp>
+        <p:nvSpPr>
+          <p:cNvPr id="4" name="矩形 3"/>
+          <p:cNvSpPr/>
+          <p:nvPr/>
+        </p:nvSpPr>
+        <p:spPr>
+          <a:xfrm>
+            <a:off x="0" y="0"/>
+            <a:ext cx="3714744" cy="428628"/>
+          </a:xfrm>
+          <a:prstGeom prst="rect">
+            <a:avLst/>
+          </a:prstGeom>
+          <a:ln>
+            <a:solidFill>
+              <a:srgbClr val="FF0000"/>
+            </a:solidFill>
+          </a:ln>
+        </p:spPr>
+        <p:style>
+          <a:lnRef idx="2">
+            <a:schemeClr val="accent6"/>
+          </a:lnRef>
+          <a:fillRef idx="1">
+            <a:schemeClr val="lt1"/>
+          </a:fillRef>
+          <a:effectRef idx="0">
+            <a:schemeClr val="accent6"/>
+          </a:effectRef>
+          <a:fontRef idx="minor">
+            <a:schemeClr val="dk1"/>
+          </a:fontRef>
+        </p:style>
+        <p:txBody>
+          <a:bodyPr rtlCol="0" anchor="ctr"/>
+          <a:lstStyle/>
+          <a:p>
+            <a:pPr algn="ctr"/>
+            <a:r>
+              <a:rPr lang="zh-CN" altLang="en-US" sz="1600" smtClean="0">
+                <a:solidFill>
+                  <a:srgbClr val="C00000"/>
+                </a:solidFill>
+              </a:rPr>
+              <a:t>界面设计</a:t>
+            </a:r>
+            <a:r>
+              <a:rPr lang="en-US" altLang="zh-CN" sz="1600" smtClean="0">
+                <a:solidFill>
+                  <a:srgbClr val="C00000"/>
+                </a:solidFill>
+              </a:rPr>
+              <a:t>—</a:t>
+            </a:r>
+            <a:r>
+              <a:rPr lang="zh-CN" altLang="en-US" sz="1600" smtClean="0">
+                <a:solidFill>
+                  <a:srgbClr val="C00000"/>
+                </a:solidFill>
+              </a:rPr>
+              <a:t>集合页面：首页</a:t>
+            </a:r>
+            <a:endParaRPr lang="zh-CN" altLang="en-US" sz="1600">
+              <a:solidFill>
+                <a:srgbClr val="C00000"/>
+              </a:solidFill>
+            </a:endParaRPr>
+          </a:p>
+        </p:txBody>
+      </p:sp>
+      <p:pic>
+        <p:nvPicPr>
+          <p:cNvPr id="17411" name="Picture 3"/>
+          <p:cNvPicPr>
+            <a:picLocks noChangeAspect="1" noChangeArrowheads="1"/>
+          </p:cNvPicPr>
+          <p:nvPr/>
+        </p:nvPicPr>
+        <p:blipFill>
+          <a:blip r:embed="rId2"/>
+          <a:srcRect/>
+          <a:stretch>
+            <a:fillRect/>
+          </a:stretch>
+        </p:blipFill>
+        <p:spPr bwMode="auto">
+          <a:xfrm>
+            <a:off x="357158" y="500042"/>
+            <a:ext cx="2071702" cy="428386"/>
+          </a:xfrm>
+          <a:prstGeom prst="rect">
+            <a:avLst/>
+          </a:prstGeom>
+          <a:noFill/>
+          <a:ln w="9525">
+            <a:noFill/>
+            <a:miter lim="800000"/>
+            <a:headEnd/>
+            <a:tailEnd/>
+          </a:ln>
+          <a:effectLst/>
+        </p:spPr>
+      </p:pic>
+      <p:pic>
+        <p:nvPicPr>
+          <p:cNvPr id="17412" name="Picture 4"/>
+          <p:cNvPicPr>
+            <a:picLocks noChangeAspect="1" noChangeArrowheads="1"/>
+          </p:cNvPicPr>
+          <p:nvPr/>
+        </p:nvPicPr>
+        <p:blipFill>
+          <a:blip r:embed="rId3"/>
+          <a:srcRect/>
+          <a:stretch>
+            <a:fillRect/>
+          </a:stretch>
+        </p:blipFill>
+        <p:spPr bwMode="auto">
+          <a:xfrm>
+            <a:off x="4857752" y="714356"/>
+            <a:ext cx="466725" cy="219075"/>
+          </a:xfrm>
+          <a:prstGeom prst="rect">
+            <a:avLst/>
+          </a:prstGeom>
+          <a:noFill/>
+          <a:ln w="9525">
+            <a:noFill/>
+            <a:miter lim="800000"/>
+            <a:headEnd/>
+            <a:tailEnd/>
+          </a:ln>
+          <a:effectLst/>
+        </p:spPr>
+      </p:pic>
+      <p:pic>
+        <p:nvPicPr>
+          <p:cNvPr id="17413" name="Picture 5"/>
+          <p:cNvPicPr>
+            <a:picLocks noChangeAspect="1" noChangeArrowheads="1"/>
+          </p:cNvPicPr>
+          <p:nvPr/>
+        </p:nvPicPr>
+        <p:blipFill>
+          <a:blip r:embed="rId4"/>
+          <a:srcRect/>
+          <a:stretch>
+            <a:fillRect/>
+          </a:stretch>
+        </p:blipFill>
+        <p:spPr bwMode="auto">
+          <a:xfrm>
+            <a:off x="285721" y="1000108"/>
+            <a:ext cx="5143536" cy="285752"/>
+          </a:xfrm>
+          <a:prstGeom prst="rect">
+            <a:avLst/>
+          </a:prstGeom>
+          <a:noFill/>
+          <a:ln w="9525">
+            <a:noFill/>
+            <a:miter lim="800000"/>
+            <a:headEnd/>
+            <a:tailEnd/>
+          </a:ln>
+          <a:effectLst/>
+        </p:spPr>
+      </p:pic>
+      <p:pic>
+        <p:nvPicPr>
+          <p:cNvPr id="17414" name="Picture 6"/>
+          <p:cNvPicPr>
+            <a:picLocks noChangeAspect="1" noChangeArrowheads="1"/>
+          </p:cNvPicPr>
+          <p:nvPr/>
+        </p:nvPicPr>
+        <p:blipFill>
+          <a:blip r:embed="rId5"/>
+          <a:srcRect/>
+          <a:stretch>
+            <a:fillRect/>
+          </a:stretch>
+        </p:blipFill>
+        <p:spPr bwMode="auto">
+          <a:xfrm>
+            <a:off x="285720" y="1285860"/>
+            <a:ext cx="5143536" cy="1257309"/>
+          </a:xfrm>
+          <a:prstGeom prst="rect">
+            <a:avLst/>
+          </a:prstGeom>
+          <a:noFill/>
+          <a:ln w="9525">
+            <a:noFill/>
+            <a:miter lim="800000"/>
+            <a:headEnd/>
+            <a:tailEnd/>
+          </a:ln>
+          <a:effectLst/>
+        </p:spPr>
+      </p:pic>
+      <p:pic>
+        <p:nvPicPr>
+          <p:cNvPr id="17415" name="Picture 7"/>
+          <p:cNvPicPr>
+            <a:picLocks noChangeAspect="1" noChangeArrowheads="1"/>
+          </p:cNvPicPr>
+          <p:nvPr/>
+        </p:nvPicPr>
+        <p:blipFill>
+          <a:blip r:embed="rId6"/>
+          <a:srcRect/>
+          <a:stretch>
+            <a:fillRect/>
+          </a:stretch>
+        </p:blipFill>
+        <p:spPr bwMode="auto">
+          <a:xfrm>
+            <a:off x="357158" y="2571744"/>
+            <a:ext cx="3286148" cy="2468567"/>
+          </a:xfrm>
+          <a:prstGeom prst="rect">
+            <a:avLst/>
+          </a:prstGeom>
+          <a:noFill/>
+          <a:ln w="9525">
+            <a:noFill/>
+            <a:miter lim="800000"/>
+            <a:headEnd/>
+            <a:tailEnd/>
+          </a:ln>
+          <a:effectLst/>
+        </p:spPr>
+      </p:pic>
+      <p:pic>
+        <p:nvPicPr>
+          <p:cNvPr id="17416" name="Picture 8"/>
+          <p:cNvPicPr>
+            <a:picLocks noChangeAspect="1" noChangeArrowheads="1"/>
+          </p:cNvPicPr>
+          <p:nvPr/>
+        </p:nvPicPr>
+        <p:blipFill>
+          <a:blip r:embed="rId7"/>
+          <a:srcRect/>
+          <a:stretch>
+            <a:fillRect/>
+          </a:stretch>
+        </p:blipFill>
+        <p:spPr bwMode="auto">
+          <a:xfrm>
+            <a:off x="3643306" y="2571744"/>
+            <a:ext cx="1785950" cy="2428892"/>
+          </a:xfrm>
+          <a:prstGeom prst="rect">
+            <a:avLst/>
+          </a:prstGeom>
+          <a:noFill/>
+          <a:ln w="9525">
+            <a:noFill/>
+            <a:miter lim="800000"/>
+            <a:headEnd/>
+            <a:tailEnd/>
+          </a:ln>
+          <a:effectLst/>
+        </p:spPr>
+      </p:pic>
+      <p:pic>
+        <p:nvPicPr>
+          <p:cNvPr id="17417" name="Picture 9"/>
+          <p:cNvPicPr>
+            <a:picLocks noChangeAspect="1" noChangeArrowheads="1"/>
+          </p:cNvPicPr>
+          <p:nvPr/>
+        </p:nvPicPr>
+        <p:blipFill>
+          <a:blip r:embed="rId8"/>
+          <a:srcRect/>
+          <a:stretch>
+            <a:fillRect/>
+          </a:stretch>
+        </p:blipFill>
+        <p:spPr bwMode="auto">
+          <a:xfrm>
+            <a:off x="285720" y="5072074"/>
+            <a:ext cx="5143536" cy="419100"/>
+          </a:xfrm>
+          <a:prstGeom prst="rect">
+            <a:avLst/>
+          </a:prstGeom>
+          <a:noFill/>
+          <a:ln w="9525">
+            <a:noFill/>
+            <a:miter lim="800000"/>
+            <a:headEnd/>
+            <a:tailEnd/>
+          </a:ln>
+          <a:effectLst/>
+        </p:spPr>
+      </p:pic>
+      <p:sp>
+        <p:nvSpPr>
+          <p:cNvPr id="16" name="矩形 15"/>
+          <p:cNvSpPr/>
+          <p:nvPr/>
+        </p:nvSpPr>
+        <p:spPr>
+          <a:xfrm>
+            <a:off x="5572132" y="500042"/>
+            <a:ext cx="3071834" cy="428628"/>
+          </a:xfrm>
+          <a:prstGeom prst="rect">
+            <a:avLst/>
+          </a:prstGeom>
+        </p:spPr>
+        <p:style>
+          <a:lnRef idx="2">
+            <a:schemeClr val="accent6"/>
+          </a:lnRef>
+          <a:fillRef idx="1">
+            <a:schemeClr val="lt1"/>
+          </a:fillRef>
+          <a:effectRef idx="0">
+            <a:schemeClr val="accent6"/>
+          </a:effectRef>
+          <a:fontRef idx="minor">
+            <a:schemeClr val="dk1"/>
+          </a:fontRef>
+        </p:style>
+        <p:txBody>
+          <a:bodyPr rtlCol="0" anchor="ctr"/>
+          <a:lstStyle/>
+          <a:p>
+            <a:r>
+              <a:rPr lang="zh-CN" altLang="en-US" smtClean="0"/>
+              <a:t>行：标题</a:t>
+            </a:r>
+            <a:r>
+              <a:rPr lang="en-US" altLang="zh-CN" smtClean="0"/>
+              <a:t>logo</a:t>
+            </a:r>
+            <a:endParaRPr lang="zh-CN" altLang="en-US"/>
+          </a:p>
+        </p:txBody>
+      </p:sp>
+      <p:sp>
+        <p:nvSpPr>
+          <p:cNvPr id="17" name="矩形 16"/>
+          <p:cNvSpPr/>
+          <p:nvPr/>
+        </p:nvSpPr>
+        <p:spPr>
+          <a:xfrm>
+            <a:off x="5572132" y="1000108"/>
+            <a:ext cx="3071834" cy="357190"/>
+          </a:xfrm>
+          <a:prstGeom prst="rect">
+            <a:avLst/>
+          </a:prstGeom>
+        </p:spPr>
+        <p:style>
+          <a:lnRef idx="2">
+            <a:schemeClr val="accent6"/>
+          </a:lnRef>
+          <a:fillRef idx="1">
+            <a:schemeClr val="lt1"/>
+          </a:fillRef>
+          <a:effectRef idx="0">
+            <a:schemeClr val="accent6"/>
+          </a:effectRef>
+          <a:fontRef idx="minor">
+            <a:schemeClr val="dk1"/>
+          </a:fontRef>
+        </p:style>
+        <p:txBody>
+          <a:bodyPr rtlCol="0" anchor="ctr"/>
+          <a:lstStyle/>
+          <a:p>
+            <a:r>
+              <a:rPr lang="zh-CN" altLang="en-US" smtClean="0"/>
+              <a:t>行：导航菜单</a:t>
+            </a:r>
+            <a:endParaRPr lang="zh-CN" altLang="en-US"/>
+          </a:p>
+        </p:txBody>
+      </p:sp>
+      <p:sp>
+        <p:nvSpPr>
+          <p:cNvPr id="18" name="矩形 17"/>
+          <p:cNvSpPr/>
+          <p:nvPr/>
+        </p:nvSpPr>
+        <p:spPr>
+          <a:xfrm>
+            <a:off x="5572132" y="1571612"/>
+            <a:ext cx="3143272" cy="642942"/>
+          </a:xfrm>
+          <a:prstGeom prst="rect">
+            <a:avLst/>
+          </a:prstGeom>
+        </p:spPr>
+        <p:style>
+          <a:lnRef idx="2">
+            <a:schemeClr val="accent6"/>
+          </a:lnRef>
+          <a:fillRef idx="1">
+            <a:schemeClr val="lt1"/>
+          </a:fillRef>
+          <a:effectRef idx="0">
+            <a:schemeClr val="accent6"/>
+          </a:effectRef>
+          <a:fontRef idx="minor">
+            <a:schemeClr val="dk1"/>
+          </a:fontRef>
+        </p:style>
+        <p:txBody>
+          <a:bodyPr rtlCol="0" anchor="ctr"/>
+          <a:lstStyle/>
+          <a:p>
+            <a:r>
+              <a:rPr lang="zh-CN" altLang="en-US" smtClean="0"/>
+              <a:t>行：展板轮播</a:t>
+            </a:r>
+            <a:endParaRPr lang="zh-CN" altLang="en-US"/>
+          </a:p>
+        </p:txBody>
+      </p:sp>
+      <p:sp>
+        <p:nvSpPr>
+          <p:cNvPr id="19" name="矩形 18"/>
+          <p:cNvSpPr/>
+          <p:nvPr/>
+        </p:nvSpPr>
+        <p:spPr>
+          <a:xfrm>
+            <a:off x="5715008" y="3071810"/>
+            <a:ext cx="1143008" cy="500066"/>
+          </a:xfrm>
+          <a:prstGeom prst="rect">
+            <a:avLst/>
+          </a:prstGeom>
+        </p:spPr>
+        <p:style>
+          <a:lnRef idx="2">
+            <a:schemeClr val="accent6"/>
+          </a:lnRef>
+          <a:fillRef idx="1">
+            <a:schemeClr val="lt1"/>
+          </a:fillRef>
+          <a:effectRef idx="0">
+            <a:schemeClr val="accent6"/>
+          </a:effectRef>
+          <a:fontRef idx="minor">
+            <a:schemeClr val="dk1"/>
+          </a:fontRef>
+        </p:style>
+        <p:txBody>
+          <a:bodyPr rtlCol="0" anchor="ctr"/>
+          <a:lstStyle/>
+          <a:p>
+            <a:pPr algn="ctr"/>
             <a:r>
               <a:rPr lang="zh-CN" altLang="en-US" sz="1200" smtClean="0"/>
-              <a:t>山东</a:t>
-            </a:r>
-            <a:r>
-              <a:rPr lang="zh-CN" altLang="en-US" sz="1200"/>
-              <a:t>鼎成卫星导航定位技术</a:t>
+              <a:t>行：块</a:t>
+            </a:r>
+            <a:r>
+              <a:rPr lang="en-US" altLang="zh-CN" sz="1200" smtClean="0"/>
+              <a:t>1</a:t>
             </a:r>
             <a:r>
               <a:rPr lang="zh-CN" altLang="en-US" sz="1200" smtClean="0"/>
-              <a:t>有限公司</a:t>
-            </a:r>
-            <a:endParaRPr lang="en-US" altLang="zh-CN" sz="1200" smtClean="0"/>
-          </a:p>
-          <a:p>
+              <a:t>、</a:t>
+            </a:r>
             <a:r>
               <a:rPr lang="en-US" altLang="zh-CN" sz="1200" smtClean="0"/>
-              <a:t>webAuth:      </a:t>
-            </a:r>
+              <a:t>2</a:t>
+            </a:r>
+            <a:endParaRPr lang="zh-CN" altLang="en-US" sz="1200"/>
+          </a:p>
+        </p:txBody>
+      </p:sp>
+      <p:sp>
+        <p:nvSpPr>
+          <p:cNvPr id="21" name="矩形 20"/>
+          <p:cNvSpPr/>
+          <p:nvPr/>
+        </p:nvSpPr>
+        <p:spPr>
+          <a:xfrm>
+            <a:off x="5715008" y="4143380"/>
+            <a:ext cx="1285884" cy="428628"/>
+          </a:xfrm>
+          <a:prstGeom prst="rect">
+            <a:avLst/>
+          </a:prstGeom>
+        </p:spPr>
+        <p:style>
+          <a:lnRef idx="2">
+            <a:schemeClr val="accent6"/>
+          </a:lnRef>
+          <a:fillRef idx="1">
+            <a:schemeClr val="lt1"/>
+          </a:fillRef>
+          <a:effectRef idx="0">
+            <a:schemeClr val="accent6"/>
+          </a:effectRef>
+          <a:fontRef idx="minor">
+            <a:schemeClr val="dk1"/>
+          </a:fontRef>
+        </p:style>
+        <p:txBody>
+          <a:bodyPr rtlCol="0" anchor="ctr"/>
+          <a:lstStyle/>
+          <a:p>
+            <a:pPr algn="ctr"/>
             <a:r>
               <a:rPr lang="zh-CN" altLang="en-US" sz="1200" smtClean="0"/>
-              <a:t>鲁</a:t>
-            </a:r>
-            <a:r>
-              <a:rPr lang="en-US" altLang="zh-CN" sz="1200" err="1"/>
-              <a:t>ICP</a:t>
-            </a:r>
-            <a:r>
-              <a:rPr lang="zh-CN" altLang="en-US" sz="1200"/>
-              <a:t>备</a:t>
-            </a:r>
-            <a:r>
-              <a:rPr lang="en-US" altLang="zh-CN" sz="1200"/>
-              <a:t>12345678</a:t>
+              <a:t>行：块</a:t>
+            </a:r>
+            <a:r>
+              <a:rPr lang="en-US" altLang="zh-CN" sz="1200" smtClean="0"/>
+              <a:t>1</a:t>
             </a:r>
             <a:r>
               <a:rPr lang="zh-CN" altLang="en-US" sz="1200" smtClean="0"/>
-              <a:t>号</a:t>
-            </a:r>
-            <a:endParaRPr lang="en-US" altLang="zh-CN" sz="1200" smtClean="0"/>
-          </a:p>
-          <a:p>
+              <a:t>、</a:t>
+            </a:r>
             <a:r>
               <a:rPr lang="en-US" altLang="zh-CN" sz="1200" smtClean="0"/>
-              <a:t>keywords:        </a:t>
-            </a:r>
-            <a:r>
-              <a:rPr lang="en-US" altLang="zh-CN" sz="1200" err="1" smtClean="0"/>
-              <a:t>xxxxxx</a:t>
-            </a:r>
-            <a:endParaRPr lang="en-US" altLang="zh-CN" sz="1200" smtClean="0"/>
-          </a:p>
-          <a:p>
+              <a:t>2</a:t>
+            </a:r>
+            <a:r>
+              <a:rPr lang="zh-CN" altLang="en-US" sz="1200" smtClean="0"/>
+              <a:t>、</a:t>
+            </a:r>
             <a:r>
               <a:rPr lang="en-US" altLang="zh-CN" sz="1200" smtClean="0"/>
-              <a:t>descriptions:   xxxxx,xxxxxxx,xxx</a:t>
-            </a:r>
-            <a:br>
+              <a:t>3</a:t>
+            </a:r>
+            <a:endParaRPr lang="zh-CN" altLang="en-US" sz="1200"/>
+          </a:p>
+        </p:txBody>
+      </p:sp>
+      <p:sp>
+        <p:nvSpPr>
+          <p:cNvPr id="24" name="矩形 23"/>
+          <p:cNvSpPr/>
+          <p:nvPr/>
+        </p:nvSpPr>
+        <p:spPr>
+          <a:xfrm>
+            <a:off x="7215206" y="2857496"/>
+            <a:ext cx="1643074" cy="1857388"/>
+          </a:xfrm>
+          <a:prstGeom prst="rect">
+            <a:avLst/>
+          </a:prstGeom>
+        </p:spPr>
+        <p:style>
+          <a:lnRef idx="2">
+            <a:schemeClr val="accent6"/>
+          </a:lnRef>
+          <a:fillRef idx="1">
+            <a:schemeClr val="lt1"/>
+          </a:fillRef>
+          <a:effectRef idx="0">
+            <a:schemeClr val="accent6"/>
+          </a:effectRef>
+          <a:fontRef idx="minor">
+            <a:schemeClr val="dk1"/>
+          </a:fontRef>
+        </p:style>
+        <p:txBody>
+          <a:bodyPr rtlCol="0" anchor="ctr"/>
+          <a:lstStyle/>
+          <a:p>
+            <a:pPr algn="ctr"/>
+            <a:r>
+              <a:rPr lang="zh-CN" altLang="en-US" sz="1200" smtClean="0"/>
+              <a:t>块</a:t>
+            </a:r>
+            <a:r>
               <a:rPr lang="en-US" altLang="zh-CN" sz="1200" smtClean="0"/>
-            </a:br>
+              <a:t>2</a:t>
+            </a:r>
+            <a:endParaRPr lang="zh-CN" altLang="en-US" sz="1200"/>
+          </a:p>
+        </p:txBody>
+      </p:sp>
+      <p:sp>
+        <p:nvSpPr>
+          <p:cNvPr id="20" name="矩形 19"/>
+          <p:cNvSpPr/>
+          <p:nvPr/>
+        </p:nvSpPr>
+        <p:spPr>
+          <a:xfrm>
+            <a:off x="7500958" y="3071810"/>
+            <a:ext cx="1071570" cy="285752"/>
+          </a:xfrm>
+          <a:prstGeom prst="rect">
+            <a:avLst/>
+          </a:prstGeom>
+        </p:spPr>
+        <p:style>
+          <a:lnRef idx="2">
+            <a:schemeClr val="accent6"/>
+          </a:lnRef>
+          <a:fillRef idx="1">
+            <a:schemeClr val="lt1"/>
+          </a:fillRef>
+          <a:effectRef idx="0">
+            <a:schemeClr val="accent6"/>
+          </a:effectRef>
+          <a:fontRef idx="minor">
+            <a:schemeClr val="dk1"/>
+          </a:fontRef>
+        </p:style>
+        <p:txBody>
+          <a:bodyPr rtlCol="0" anchor="ctr"/>
+          <a:lstStyle/>
+          <a:p>
+            <a:pPr algn="ctr"/>
             <a:r>
               <a:rPr lang="en-US" altLang="zh-CN" sz="1200" smtClean="0"/>
-              <a:t>jsonEx:</a:t>
-            </a:r>
-          </a:p>
-          <a:p>
+              <a:t>Tab</a:t>
+            </a:r>
+            <a:r>
+              <a:rPr lang="zh-CN" altLang="en-US" sz="1200" smtClean="0"/>
+              <a:t>页面</a:t>
+            </a:r>
+            <a:endParaRPr lang="zh-CN" altLang="en-US" sz="1200"/>
+          </a:p>
+        </p:txBody>
+      </p:sp>
+      <p:sp>
+        <p:nvSpPr>
+          <p:cNvPr id="25" name="矩形 24"/>
+          <p:cNvSpPr/>
+          <p:nvPr/>
+        </p:nvSpPr>
+        <p:spPr>
+          <a:xfrm>
+            <a:off x="7572396" y="4143380"/>
+            <a:ext cx="1071570" cy="285752"/>
+          </a:xfrm>
+          <a:prstGeom prst="rect">
+            <a:avLst/>
+          </a:prstGeom>
+        </p:spPr>
+        <p:style>
+          <a:lnRef idx="2">
+            <a:schemeClr val="accent6"/>
+          </a:lnRef>
+          <a:fillRef idx="1">
+            <a:schemeClr val="lt1"/>
+          </a:fillRef>
+          <a:effectRef idx="0">
+            <a:schemeClr val="accent6"/>
+          </a:effectRef>
+          <a:fontRef idx="minor">
+            <a:schemeClr val="dk1"/>
+          </a:fontRef>
+        </p:style>
+        <p:txBody>
+          <a:bodyPr rtlCol="0" anchor="ctr"/>
+          <a:lstStyle/>
+          <a:p>
+            <a:pPr algn="ctr"/>
             <a:r>
               <a:rPr lang="en-US" altLang="zh-CN" sz="1200" smtClean="0"/>
-              <a:t>siteMap:                 </a:t>
+              <a:t>video</a:t>
             </a:r>
             <a:endParaRPr lang="zh-CN" altLang="en-US" sz="1200"/>
+          </a:p>
+        </p:txBody>
+      </p:sp>
+      <p:sp>
+        <p:nvSpPr>
+          <p:cNvPr id="26" name="矩形 25"/>
+          <p:cNvSpPr/>
+          <p:nvPr/>
+        </p:nvSpPr>
+        <p:spPr>
+          <a:xfrm>
+            <a:off x="5572132" y="5072074"/>
+            <a:ext cx="3071834" cy="357190"/>
+          </a:xfrm>
+          <a:prstGeom prst="rect">
+            <a:avLst/>
+          </a:prstGeom>
+        </p:spPr>
+        <p:style>
+          <a:lnRef idx="2">
+            <a:schemeClr val="accent6"/>
+          </a:lnRef>
+          <a:fillRef idx="1">
+            <a:schemeClr val="lt1"/>
+          </a:fillRef>
+          <a:effectRef idx="0">
+            <a:schemeClr val="accent6"/>
+          </a:effectRef>
+          <a:fontRef idx="minor">
+            <a:schemeClr val="dk1"/>
+          </a:fontRef>
+        </p:style>
+        <p:txBody>
+          <a:bodyPr rtlCol="0" anchor="ctr"/>
+          <a:lstStyle/>
+          <a:p>
+            <a:r>
+              <a:rPr lang="zh-CN" altLang="en-US" smtClean="0"/>
+              <a:t>行：页脚</a:t>
+            </a:r>
+            <a:endParaRPr lang="zh-CN" altLang="en-US"/>
           </a:p>
         </p:txBody>
       </p:sp>
@@ -4002,6 +5594,39 @@
           <a:chExt cx="0" cy="0"/>
         </a:xfrm>
       </p:grpSpPr>
+      <p:pic>
+        <p:nvPicPr>
+          <p:cNvPr id="18434" name="Picture 2"/>
+          <p:cNvPicPr>
+            <a:picLocks noChangeAspect="1" noChangeArrowheads="1"/>
+          </p:cNvPicPr>
+          <p:nvPr/>
+        </p:nvPicPr>
+        <p:blipFill>
+          <a:blip r:embed="rId2" cstate="screen"/>
+          <a:srcRect/>
+          <a:stretch>
+            <a:fillRect/>
+          </a:stretch>
+        </p:blipFill>
+        <p:spPr bwMode="auto">
+          <a:xfrm>
+            <a:off x="142876" y="642918"/>
+            <a:ext cx="3500462" cy="1500198"/>
+          </a:xfrm>
+          <a:prstGeom prst="rect">
+            <a:avLst/>
+          </a:prstGeom>
+          <a:noFill/>
+          <a:ln w="9525">
+            <a:noFill/>
+            <a:miter lim="800000"/>
+            <a:headEnd/>
+            <a:tailEnd/>
+          </a:ln>
+          <a:effectLst/>
+        </p:spPr>
+      </p:pic>
       <p:sp>
         <p:nvSpPr>
           <p:cNvPr id="5" name="矩形 4"/>
@@ -4010,12 +5635,17 @@
         </p:nvSpPr>
         <p:spPr>
           <a:xfrm>
-            <a:off x="142844" y="142852"/>
-            <a:ext cx="2643206" cy="428628"/>
+            <a:off x="0" y="0"/>
+            <a:ext cx="8501090" cy="428628"/>
           </a:xfrm>
           <a:prstGeom prst="rect">
             <a:avLst/>
           </a:prstGeom>
+          <a:ln>
+            <a:solidFill>
+              <a:srgbClr val="FF0000"/>
+            </a:solidFill>
+          </a:ln>
         </p:spPr>
         <p:style>
           <a:lnRef idx="2">
@@ -4037,189 +5667,459 @@
           <a:p>
             <a:pPr algn="ctr"/>
             <a:r>
-              <a:rPr lang="en-US" altLang="zh-CN" sz="1200" smtClean="0"/>
-              <a:t>url</a:t>
-            </a:r>
-            <a:endParaRPr lang="zh-CN" altLang="en-US" sz="1200"/>
-          </a:p>
-        </p:txBody>
-      </p:sp>
-      <p:sp>
-        <p:nvSpPr>
-          <p:cNvPr id="6" name="矩形 5"/>
-          <p:cNvSpPr/>
+              <a:rPr lang="zh-CN" altLang="en-US" sz="1600" smtClean="0">
+                <a:solidFill>
+                  <a:srgbClr val="C00000"/>
+                </a:solidFill>
+              </a:rPr>
+              <a:t>界面设计</a:t>
+            </a:r>
+            <a:r>
+              <a:rPr lang="en-US" altLang="zh-CN" sz="1600" smtClean="0">
+                <a:solidFill>
+                  <a:srgbClr val="C00000"/>
+                </a:solidFill>
+              </a:rPr>
+              <a:t>—</a:t>
+            </a:r>
+            <a:r>
+              <a:rPr lang="zh-CN" altLang="en-US" sz="1600" smtClean="0">
+                <a:solidFill>
+                  <a:srgbClr val="C00000"/>
+                </a:solidFill>
+              </a:rPr>
+              <a:t>记录内容页面：公司简介、资质荣誉、企业动态、行业新闻</a:t>
+            </a:r>
+            <a:endParaRPr lang="zh-CN" altLang="en-US" sz="1600">
+              <a:solidFill>
+                <a:srgbClr val="C00000"/>
+              </a:solidFill>
+            </a:endParaRPr>
+          </a:p>
+        </p:txBody>
+      </p:sp>
+      <p:pic>
+        <p:nvPicPr>
+          <p:cNvPr id="18435" name="Picture 3"/>
+          <p:cNvPicPr>
+            <a:picLocks noChangeAspect="1" noChangeArrowheads="1"/>
+          </p:cNvPicPr>
           <p:nvPr/>
-        </p:nvSpPr>
-        <p:spPr>
-          <a:xfrm>
-            <a:off x="467544" y="692696"/>
-            <a:ext cx="6192688" cy="2016224"/>
+        </p:nvPicPr>
+        <p:blipFill>
+          <a:blip r:embed="rId3" cstate="screen"/>
+          <a:srcRect/>
+          <a:stretch>
+            <a:fillRect/>
+          </a:stretch>
+        </p:blipFill>
+        <p:spPr bwMode="auto">
+          <a:xfrm>
+            <a:off x="142876" y="2143116"/>
+            <a:ext cx="3500462" cy="2141754"/>
           </a:xfrm>
           <a:prstGeom prst="rect">
             <a:avLst/>
           </a:prstGeom>
+          <a:noFill/>
+          <a:ln w="9525">
+            <a:noFill/>
+            <a:miter lim="800000"/>
+            <a:headEnd/>
+            <a:tailEnd/>
+          </a:ln>
+          <a:effectLst/>
+        </p:spPr>
+      </p:pic>
+      <p:pic>
+        <p:nvPicPr>
+          <p:cNvPr id="18436" name="Picture 4"/>
+          <p:cNvPicPr>
+            <a:picLocks noChangeAspect="1" noChangeArrowheads="1"/>
+          </p:cNvPicPr>
+          <p:nvPr/>
+        </p:nvPicPr>
+        <p:blipFill>
+          <a:blip r:embed="rId4"/>
+          <a:srcRect/>
+          <a:stretch>
+            <a:fillRect/>
+          </a:stretch>
+        </p:blipFill>
+        <p:spPr bwMode="auto">
+          <a:xfrm>
+            <a:off x="0" y="4286256"/>
+            <a:ext cx="3643338" cy="638175"/>
+          </a:xfrm>
+          <a:prstGeom prst="rect">
+            <a:avLst/>
+          </a:prstGeom>
+          <a:noFill/>
+          <a:ln w="9525">
+            <a:noFill/>
+            <a:miter lim="800000"/>
+            <a:headEnd/>
+            <a:tailEnd/>
+          </a:ln>
+          <a:effectLst/>
+        </p:spPr>
+      </p:pic>
+      <p:pic>
+        <p:nvPicPr>
+          <p:cNvPr id="18437" name="Picture 5"/>
+          <p:cNvPicPr>
+            <a:picLocks noChangeAspect="1" noChangeArrowheads="1"/>
+          </p:cNvPicPr>
+          <p:nvPr/>
+        </p:nvPicPr>
+        <p:blipFill>
+          <a:blip r:embed="rId5"/>
+          <a:srcRect/>
+          <a:stretch>
+            <a:fillRect/>
+          </a:stretch>
+        </p:blipFill>
+        <p:spPr bwMode="auto">
+          <a:xfrm>
+            <a:off x="4286248" y="571480"/>
+            <a:ext cx="3654554" cy="2595564"/>
+          </a:xfrm>
+          <a:prstGeom prst="rect">
+            <a:avLst/>
+          </a:prstGeom>
+          <a:noFill/>
+          <a:ln w="9525">
+            <a:solidFill>
+              <a:schemeClr val="tx1"/>
+            </a:solidFill>
+            <a:miter lim="800000"/>
+            <a:headEnd/>
+            <a:tailEnd/>
+          </a:ln>
+          <a:effectLst/>
+        </p:spPr>
+      </p:pic>
+      <p:cxnSp>
+        <p:nvCxnSpPr>
+          <p:cNvPr id="10" name="直接箭头连接符 9"/>
+          <p:cNvCxnSpPr/>
+          <p:nvPr/>
+        </p:nvCxnSpPr>
+        <p:spPr>
+          <a:xfrm>
+            <a:off x="785786" y="2643182"/>
+            <a:ext cx="3143272" cy="1071570"/>
+          </a:xfrm>
+          <a:prstGeom prst="straightConnector1">
+            <a:avLst/>
+          </a:prstGeom>
+          <a:ln w="38100">
+            <a:solidFill>
+              <a:srgbClr val="FF0000"/>
+            </a:solidFill>
+            <a:tailEnd type="arrow"/>
+          </a:ln>
+          <a:scene3d>
+            <a:camera prst="orthographicFront"/>
+            <a:lightRig rig="threePt" dir="t"/>
+          </a:scene3d>
+          <a:sp3d>
+            <a:bevelT w="50800"/>
+          </a:sp3d>
         </p:spPr>
         <p:style>
-          <a:lnRef idx="2">
-            <a:schemeClr val="accent6"/>
+          <a:lnRef idx="1">
+            <a:schemeClr val="accent2"/>
           </a:lnRef>
-          <a:fillRef idx="1">
-            <a:schemeClr val="lt1"/>
+          <a:fillRef idx="0">
+            <a:schemeClr val="accent2"/>
           </a:fillRef>
           <a:effectRef idx="0">
-            <a:schemeClr val="accent6"/>
+            <a:schemeClr val="accent2"/>
           </a:effectRef>
           <a:fontRef idx="minor">
-            <a:schemeClr val="dk1"/>
+            <a:schemeClr val="tx1"/>
           </a:fontRef>
         </p:style>
-        <p:txBody>
-          <a:bodyPr rtlCol="0" anchor="t" anchorCtr="0"/>
-          <a:lstStyle/>
-          <a:p>
-            <a:r>
-              <a:rPr lang="en-US" altLang="zh-CN" sz="1200"/>
-              <a:t>url</a:t>
-            </a:r>
-            <a:r>
-              <a:rPr lang="en-US" altLang="zh-CN" sz="1200" b="1"/>
-              <a:t>(r'^notstatic/js/ueditor/controller'</a:t>
-            </a:r>
-            <a:r>
-              <a:rPr lang="en-US" altLang="zh-CN" sz="1200"/>
-              <a:t>, views.ueditorController,name</a:t>
-            </a:r>
-            <a:r>
-              <a:rPr lang="en-US" altLang="zh-CN" sz="1200" b="1"/>
-              <a:t>='ueditor')</a:t>
-            </a:r>
-            <a:r>
-              <a:rPr lang="en-US" altLang="zh-CN" sz="1200"/>
-              <a:t>,</a:t>
-            </a:r>
-            <a:br>
-              <a:rPr lang="en-US" altLang="zh-CN" sz="1200"/>
-            </a:br>
-            <a:r>
-              <a:rPr lang="en-US" altLang="zh-CN" sz="1200"/>
-              <a:t>url</a:t>
-            </a:r>
-            <a:r>
-              <a:rPr lang="en-US" altLang="zh-CN" sz="1200" b="1"/>
-              <a:t>(r'^rest/$'</a:t>
-            </a:r>
-            <a:r>
-              <a:rPr lang="en-US" altLang="zh-CN" sz="1200"/>
-              <a:t>,views.dealREST,name</a:t>
-            </a:r>
-            <a:r>
-              <a:rPr lang="en-US" altLang="zh-CN" sz="1200" b="1"/>
-              <a:t>='rest')</a:t>
-            </a:r>
-            <a:r>
-              <a:rPr lang="en-US" altLang="zh-CN" sz="1200"/>
-              <a:t>,</a:t>
-            </a:r>
-            <a:br>
-              <a:rPr lang="en-US" altLang="zh-CN" sz="1200"/>
-            </a:br>
-            <a:r>
-              <a:rPr lang="en-US" altLang="zh-CN" sz="1200"/>
-              <a:t/>
-            </a:r>
-            <a:br>
-              <a:rPr lang="en-US" altLang="zh-CN" sz="1200"/>
-            </a:br>
-            <a:r>
-              <a:rPr lang="en-US" altLang="zh-CN" sz="1200"/>
-              <a:t>url</a:t>
-            </a:r>
-            <a:r>
-              <a:rPr lang="en-US" altLang="zh-CN" sz="1200" b="1"/>
-              <a:t>(r'^mbjp/$'</a:t>
-            </a:r>
-            <a:r>
-              <a:rPr lang="en-US" altLang="zh-CN" sz="1200"/>
-              <a:t>,viewsMb.getJsonp,name</a:t>
-            </a:r>
-            <a:r>
-              <a:rPr lang="en-US" altLang="zh-CN" sz="1200" b="1"/>
-              <a:t>='mbjp')</a:t>
-            </a:r>
-            <a:r>
-              <a:rPr lang="en-US" altLang="zh-CN" sz="1200"/>
-              <a:t>,</a:t>
-            </a:r>
-            <a:br>
-              <a:rPr lang="en-US" altLang="zh-CN" sz="1200"/>
-            </a:br>
-            <a:r>
-              <a:rPr lang="en-US" altLang="zh-CN" sz="1200"/>
-              <a:t/>
-            </a:r>
-            <a:br>
-              <a:rPr lang="en-US" altLang="zh-CN" sz="1200"/>
-            </a:br>
-            <a:r>
-              <a:rPr lang="en-US" altLang="zh-CN" sz="1200"/>
-              <a:t>url</a:t>
-            </a:r>
-            <a:r>
-              <a:rPr lang="en-US" altLang="zh-CN" sz="1200" b="1"/>
-              <a:t>(r'^(?P&lt;goolArg&gt;\w+)/$'</a:t>
-            </a:r>
-            <a:r>
-              <a:rPr lang="en-US" altLang="zh-CN" sz="1200"/>
-              <a:t>, viewsFore.gool, name</a:t>
-            </a:r>
-            <a:r>
-              <a:rPr lang="en-US" altLang="zh-CN" sz="1200" b="1"/>
-              <a:t>='gool')</a:t>
-            </a:r>
-            <a:r>
-              <a:rPr lang="en-US" altLang="zh-CN" sz="1200"/>
-              <a:t>,  </a:t>
-            </a:r>
-            <a:r>
-              <a:rPr lang="zh-CN" altLang="en-US" sz="1200"/>
-              <a:t/>
-            </a:r>
-            <a:br>
-              <a:rPr lang="zh-CN" altLang="en-US" sz="1200"/>
-            </a:br>
-            <a:r>
-              <a:rPr lang="en-US" altLang="zh-CN" sz="1200"/>
-              <a:t>url</a:t>
-            </a:r>
-            <a:r>
-              <a:rPr lang="en-US" altLang="zh-CN" sz="1200" b="1"/>
-              <a:t>(r'^(?P&lt;goolArg&gt;\w+)/(?P&lt;goolSecArg&gt;\w+)/$'</a:t>
-            </a:r>
-            <a:r>
-              <a:rPr lang="en-US" altLang="zh-CN" sz="1200"/>
-              <a:t>, viewsFore.gool, name</a:t>
-            </a:r>
-            <a:r>
-              <a:rPr lang="en-US" altLang="zh-CN" sz="1200" b="1"/>
-              <a:t>='goolsub')</a:t>
-            </a:r>
-            <a:r>
-              <a:rPr lang="en-US" altLang="zh-CN" sz="1200"/>
-              <a:t>,</a:t>
-            </a:r>
-            <a:br>
-              <a:rPr lang="en-US" altLang="zh-CN" sz="1200"/>
-            </a:br>
-            <a:endParaRPr lang="zh-CN" altLang="en-US" sz="1200"/>
-          </a:p>
-        </p:txBody>
-      </p:sp>
+      </p:cxnSp>
+      <p:pic>
+        <p:nvPicPr>
+          <p:cNvPr id="18438" name="Picture 6"/>
+          <p:cNvPicPr>
+            <a:picLocks noChangeAspect="1" noChangeArrowheads="1"/>
+          </p:cNvPicPr>
+          <p:nvPr/>
+        </p:nvPicPr>
+        <p:blipFill>
+          <a:blip r:embed="rId6"/>
+          <a:srcRect/>
+          <a:stretch>
+            <a:fillRect/>
+          </a:stretch>
+        </p:blipFill>
+        <p:spPr bwMode="auto">
+          <a:xfrm>
+            <a:off x="4000496" y="3357562"/>
+            <a:ext cx="1352550" cy="1381125"/>
+          </a:xfrm>
+          <a:prstGeom prst="rect">
+            <a:avLst/>
+          </a:prstGeom>
+          <a:noFill/>
+          <a:ln w="9525">
+            <a:noFill/>
+            <a:miter lim="800000"/>
+            <a:headEnd/>
+            <a:tailEnd/>
+          </a:ln>
+          <a:effectLst/>
+        </p:spPr>
+      </p:pic>
+      <p:cxnSp>
+        <p:nvCxnSpPr>
+          <p:cNvPr id="17" name="肘形连接符 16"/>
+          <p:cNvCxnSpPr>
+            <a:endCxn id="18437" idx="2"/>
+          </p:cNvCxnSpPr>
+          <p:nvPr/>
+        </p:nvCxnSpPr>
+        <p:spPr>
+          <a:xfrm flipV="1">
+            <a:off x="5072066" y="3167044"/>
+            <a:ext cx="1041459" cy="762022"/>
+          </a:xfrm>
+          <a:prstGeom prst="bentConnector2">
+            <a:avLst/>
+          </a:prstGeom>
+          <a:ln w="38100">
+            <a:solidFill>
+              <a:srgbClr val="FF0000"/>
+            </a:solidFill>
+            <a:tailEnd type="arrow"/>
+          </a:ln>
+        </p:spPr>
+        <p:style>
+          <a:lnRef idx="1">
+            <a:schemeClr val="accent1"/>
+          </a:lnRef>
+          <a:fillRef idx="0">
+            <a:schemeClr val="accent1"/>
+          </a:fillRef>
+          <a:effectRef idx="0">
+            <a:schemeClr val="accent1"/>
+          </a:effectRef>
+          <a:fontRef idx="minor">
+            <a:schemeClr val="tx1"/>
+          </a:fontRef>
+        </p:style>
+      </p:cxnSp>
+      <p:pic>
+        <p:nvPicPr>
+          <p:cNvPr id="18439" name="Picture 7"/>
+          <p:cNvPicPr>
+            <a:picLocks noChangeAspect="1" noChangeArrowheads="1"/>
+          </p:cNvPicPr>
+          <p:nvPr/>
+        </p:nvPicPr>
+        <p:blipFill>
+          <a:blip r:embed="rId7"/>
+          <a:srcRect/>
+          <a:stretch>
+            <a:fillRect/>
+          </a:stretch>
+        </p:blipFill>
+        <p:spPr bwMode="auto">
+          <a:xfrm>
+            <a:off x="3962652" y="5000636"/>
+            <a:ext cx="5106267" cy="1714512"/>
+          </a:xfrm>
+          <a:prstGeom prst="rect">
+            <a:avLst/>
+          </a:prstGeom>
+          <a:noFill/>
+          <a:ln w="9525">
+            <a:solidFill>
+              <a:schemeClr val="tx1"/>
+            </a:solidFill>
+            <a:miter lim="800000"/>
+            <a:headEnd/>
+            <a:tailEnd/>
+          </a:ln>
+          <a:effectLst/>
+        </p:spPr>
+      </p:pic>
+      <p:grpSp>
+        <p:nvGrpSpPr>
+          <p:cNvPr id="32" name="组合 31"/>
+          <p:cNvGrpSpPr/>
+          <p:nvPr/>
+        </p:nvGrpSpPr>
+        <p:grpSpPr>
+          <a:xfrm>
+            <a:off x="5143504" y="4214818"/>
+            <a:ext cx="1372282" cy="785817"/>
+            <a:chOff x="5143504" y="4214818"/>
+            <a:chExt cx="1372282" cy="785817"/>
+          </a:xfrm>
+        </p:grpSpPr>
+        <p:sp>
+          <p:nvSpPr>
+            <p:cNvPr id="19" name="右中括号 18"/>
+            <p:cNvSpPr/>
+            <p:nvPr/>
+          </p:nvSpPr>
+          <p:spPr>
+            <a:xfrm>
+              <a:off x="5143504" y="4214818"/>
+              <a:ext cx="428628" cy="357190"/>
+            </a:xfrm>
+            <a:prstGeom prst="rightBracket">
+              <a:avLst/>
+            </a:prstGeom>
+            <a:ln w="38100">
+              <a:solidFill>
+                <a:srgbClr val="FF0000"/>
+              </a:solidFill>
+            </a:ln>
+          </p:spPr>
+          <p:style>
+            <a:lnRef idx="1">
+              <a:schemeClr val="accent1"/>
+            </a:lnRef>
+            <a:fillRef idx="0">
+              <a:schemeClr val="accent1"/>
+            </a:fillRef>
+            <a:effectRef idx="0">
+              <a:schemeClr val="accent1"/>
+            </a:effectRef>
+            <a:fontRef idx="minor">
+              <a:schemeClr val="tx1"/>
+            </a:fontRef>
+          </p:style>
+          <p:txBody>
+            <a:bodyPr rtlCol="0" anchor="ctr"/>
+            <a:lstStyle/>
+            <a:p>
+              <a:pPr algn="ctr"/>
+              <a:endParaRPr lang="zh-CN" altLang="en-US"/>
+            </a:p>
+          </p:txBody>
+        </p:sp>
+        <p:cxnSp>
+          <p:nvCxnSpPr>
+            <p:cNvPr id="25" name="肘形连接符 24"/>
+            <p:cNvCxnSpPr>
+              <a:stCxn id="19" idx="2"/>
+              <a:endCxn id="18439" idx="0"/>
+            </p:cNvCxnSpPr>
+            <p:nvPr/>
+          </p:nvCxnSpPr>
+          <p:spPr>
+            <a:xfrm rot="10800000" flipH="1" flipV="1">
+              <a:off x="5572132" y="4393412"/>
+              <a:ext cx="943654" cy="607223"/>
+            </a:xfrm>
+            <a:prstGeom prst="bentConnector4">
+              <a:avLst>
+                <a:gd name="adj1" fmla="val 54825"/>
+                <a:gd name="adj2" fmla="val 64706"/>
+              </a:avLst>
+            </a:prstGeom>
+            <a:ln w="38100">
+              <a:solidFill>
+                <a:srgbClr val="FF0000"/>
+              </a:solidFill>
+              <a:tailEnd type="arrow"/>
+            </a:ln>
+          </p:spPr>
+          <p:style>
+            <a:lnRef idx="1">
+              <a:schemeClr val="accent1"/>
+            </a:lnRef>
+            <a:fillRef idx="0">
+              <a:schemeClr val="accent1"/>
+            </a:fillRef>
+            <a:effectRef idx="0">
+              <a:schemeClr val="accent1"/>
+            </a:effectRef>
+            <a:fontRef idx="minor">
+              <a:schemeClr val="tx1"/>
+            </a:fontRef>
+          </p:style>
+        </p:cxnSp>
+      </p:grpSp>
+      <p:pic>
+        <p:nvPicPr>
+          <p:cNvPr id="18440" name="Picture 8"/>
+          <p:cNvPicPr>
+            <a:picLocks noChangeAspect="1" noChangeArrowheads="1"/>
+          </p:cNvPicPr>
+          <p:nvPr/>
+        </p:nvPicPr>
+        <p:blipFill>
+          <a:blip r:embed="rId8"/>
+          <a:srcRect/>
+          <a:stretch>
+            <a:fillRect/>
+          </a:stretch>
+        </p:blipFill>
+        <p:spPr bwMode="auto">
+          <a:xfrm>
+            <a:off x="500034" y="5072074"/>
+            <a:ext cx="2238375" cy="1552575"/>
+          </a:xfrm>
+          <a:prstGeom prst="rect">
+            <a:avLst/>
+          </a:prstGeom>
+          <a:noFill/>
+          <a:ln w="9525">
+            <a:noFill/>
+            <a:miter lim="800000"/>
+            <a:headEnd/>
+            <a:tailEnd/>
+          </a:ln>
+          <a:effectLst/>
+        </p:spPr>
+      </p:pic>
+      <p:cxnSp>
+        <p:nvCxnSpPr>
+          <p:cNvPr id="36" name="直接箭头连接符 35"/>
+          <p:cNvCxnSpPr>
+            <a:endCxn id="18440" idx="0"/>
+          </p:cNvCxnSpPr>
+          <p:nvPr/>
+        </p:nvCxnSpPr>
+        <p:spPr>
+          <a:xfrm rot="16200000" flipH="1">
+            <a:off x="130934" y="3583786"/>
+            <a:ext cx="1928826" cy="1047750"/>
+          </a:xfrm>
+          <a:prstGeom prst="straightConnector1">
+            <a:avLst/>
+          </a:prstGeom>
+          <a:ln w="38100">
+            <a:solidFill>
+              <a:srgbClr val="FF0000"/>
+            </a:solidFill>
+            <a:tailEnd type="arrow"/>
+          </a:ln>
+        </p:spPr>
+        <p:style>
+          <a:lnRef idx="1">
+            <a:schemeClr val="accent1"/>
+          </a:lnRef>
+          <a:fillRef idx="0">
+            <a:schemeClr val="accent1"/>
+          </a:fillRef>
+          <a:effectRef idx="0">
+            <a:schemeClr val="accent1"/>
+          </a:effectRef>
+          <a:fontRef idx="minor">
+            <a:schemeClr val="tx1"/>
+          </a:fontRef>
+        </p:style>
+      </p:cxnSp>
     </p:spTree>
-    <p:extLst>
-      <p:ext uri="{BB962C8B-B14F-4D97-AF65-F5344CB8AC3E}">
-        <p14:creationId xmlns:p14="http://schemas.microsoft.com/office/powerpoint/2010/main" xmlns="" val="4024293650"/>
-      </p:ext>
-    </p:extLst>
   </p:cSld>
   <p:clrMapOvr>
     <a:masterClrMapping/>
@@ -4244,20 +6144,106 @@
           <a:chExt cx="0" cy="0"/>
         </a:xfrm>
       </p:grpSpPr>
-      <p:sp>
-        <p:nvSpPr>
-          <p:cNvPr id="6" name="矩形 5"/>
+      <p:grpSp>
+        <p:nvGrpSpPr>
+          <p:cNvPr id="6" name="组合 5"/>
+          <p:cNvGrpSpPr/>
+          <p:nvPr/>
+        </p:nvGrpSpPr>
+        <p:grpSpPr>
+          <a:xfrm>
+            <a:off x="214282" y="2428868"/>
+            <a:ext cx="4286248" cy="3857652"/>
+            <a:chOff x="428596" y="214291"/>
+            <a:chExt cx="4071966" cy="3993514"/>
+          </a:xfrm>
+        </p:grpSpPr>
+        <p:pic>
+          <p:nvPicPr>
+            <p:cNvPr id="19458" name="Picture 2"/>
+            <p:cNvPicPr>
+              <a:picLocks noChangeAspect="1" noChangeArrowheads="1"/>
+            </p:cNvPicPr>
+            <p:nvPr/>
+          </p:nvPicPr>
+          <p:blipFill>
+            <a:blip r:embed="rId2"/>
+            <a:srcRect/>
+            <a:stretch>
+              <a:fillRect/>
+            </a:stretch>
+          </p:blipFill>
+          <p:spPr bwMode="auto">
+            <a:xfrm>
+              <a:off x="500035" y="214291"/>
+              <a:ext cx="3898910" cy="3000396"/>
+            </a:xfrm>
+            <a:prstGeom prst="rect">
+              <a:avLst/>
+            </a:prstGeom>
+            <a:noFill/>
+            <a:ln w="9525">
+              <a:noFill/>
+              <a:miter lim="800000"/>
+              <a:headEnd/>
+              <a:tailEnd/>
+            </a:ln>
+            <a:effectLst/>
+          </p:spPr>
+        </p:pic>
+        <p:pic>
+          <p:nvPicPr>
+            <p:cNvPr id="19459" name="Picture 3"/>
+            <p:cNvPicPr>
+              <a:picLocks noChangeAspect="1" noChangeArrowheads="1"/>
+            </p:cNvPicPr>
+            <p:nvPr/>
+          </p:nvPicPr>
+          <p:blipFill>
+            <a:blip r:embed="rId3"/>
+            <a:srcRect/>
+            <a:stretch>
+              <a:fillRect/>
+            </a:stretch>
+          </p:blipFill>
+          <p:spPr bwMode="auto">
+            <a:xfrm>
+              <a:off x="428596" y="3143248"/>
+              <a:ext cx="4071966" cy="1064557"/>
+            </a:xfrm>
+            <a:prstGeom prst="rect">
+              <a:avLst/>
+            </a:prstGeom>
+            <a:noFill/>
+            <a:ln w="9525">
+              <a:noFill/>
+              <a:miter lim="800000"/>
+              <a:headEnd/>
+              <a:tailEnd/>
+            </a:ln>
+            <a:effectLst/>
+          </p:spPr>
+        </p:pic>
+      </p:grpSp>
+      <p:sp>
+        <p:nvSpPr>
+          <p:cNvPr id="7" name="矩形 6"/>
           <p:cNvSpPr/>
           <p:nvPr/>
         </p:nvSpPr>
         <p:spPr>
           <a:xfrm>
-            <a:off x="214282" y="214290"/>
-            <a:ext cx="4143404" cy="360040"/>
+            <a:off x="0" y="0"/>
+            <a:ext cx="8501090" cy="428628"/>
           </a:xfrm>
           <a:prstGeom prst="rect">
             <a:avLst/>
           </a:prstGeom>
+          <a:ln>
+            <a:solidFill>
+              <a:srgbClr val="FF0000"/>
+            </a:solidFill>
+          </a:ln>
         </p:spPr>
         <p:style>
           <a:lnRef idx="2">
@@ -4274,6 +6260,1670 @@
           </a:fontRef>
         </p:style>
         <p:txBody>
+          <a:bodyPr rtlCol="0" anchor="ctr"/>
+          <a:lstStyle/>
+          <a:p>
+            <a:pPr algn="ctr"/>
+            <a:r>
+              <a:rPr lang="zh-CN" altLang="en-US" sz="1600" smtClean="0">
+                <a:solidFill>
+                  <a:srgbClr val="C00000"/>
+                </a:solidFill>
+              </a:rPr>
+              <a:t>界面设计</a:t>
+            </a:r>
+            <a:r>
+              <a:rPr lang="en-US" altLang="zh-CN" sz="1600" smtClean="0">
+                <a:solidFill>
+                  <a:srgbClr val="C00000"/>
+                </a:solidFill>
+              </a:rPr>
+              <a:t>—</a:t>
+            </a:r>
+            <a:r>
+              <a:rPr lang="zh-CN" altLang="en-US" sz="1600" smtClean="0">
+                <a:solidFill>
+                  <a:srgbClr val="C00000"/>
+                </a:solidFill>
+              </a:rPr>
+              <a:t>记录内容页面：产品应用、行业应用、典型客户</a:t>
+            </a:r>
+            <a:endParaRPr lang="zh-CN" altLang="en-US" sz="1600">
+              <a:solidFill>
+                <a:srgbClr val="C00000"/>
+              </a:solidFill>
+            </a:endParaRPr>
+          </a:p>
+        </p:txBody>
+      </p:sp>
+      <p:pic>
+        <p:nvPicPr>
+          <p:cNvPr id="19460" name="Picture 4"/>
+          <p:cNvPicPr>
+            <a:picLocks noChangeAspect="1" noChangeArrowheads="1"/>
+          </p:cNvPicPr>
+          <p:nvPr/>
+        </p:nvPicPr>
+        <p:blipFill>
+          <a:blip r:embed="rId4" cstate="screen"/>
+          <a:srcRect/>
+          <a:stretch>
+            <a:fillRect/>
+          </a:stretch>
+        </p:blipFill>
+        <p:spPr bwMode="auto">
+          <a:xfrm>
+            <a:off x="4643438" y="500042"/>
+            <a:ext cx="3929090" cy="2500330"/>
+          </a:xfrm>
+          <a:prstGeom prst="rect">
+            <a:avLst/>
+          </a:prstGeom>
+          <a:noFill/>
+          <a:ln w="9525">
+            <a:noFill/>
+            <a:miter lim="800000"/>
+            <a:headEnd/>
+            <a:tailEnd/>
+          </a:ln>
+          <a:effectLst/>
+        </p:spPr>
+      </p:pic>
+      <p:pic>
+        <p:nvPicPr>
+          <p:cNvPr id="19462" name="Picture 6"/>
+          <p:cNvPicPr>
+            <a:picLocks noChangeAspect="1" noChangeArrowheads="1"/>
+          </p:cNvPicPr>
+          <p:nvPr/>
+        </p:nvPicPr>
+        <p:blipFill>
+          <a:blip r:embed="rId5"/>
+          <a:srcRect/>
+          <a:stretch>
+            <a:fillRect/>
+          </a:stretch>
+        </p:blipFill>
+        <p:spPr bwMode="auto">
+          <a:xfrm>
+            <a:off x="4905362" y="5609634"/>
+            <a:ext cx="4238638" cy="1248366"/>
+          </a:xfrm>
+          <a:prstGeom prst="rect">
+            <a:avLst/>
+          </a:prstGeom>
+          <a:noFill/>
+          <a:ln w="9525">
+            <a:noFill/>
+            <a:miter lim="800000"/>
+            <a:headEnd/>
+            <a:tailEnd/>
+          </a:ln>
+          <a:effectLst/>
+        </p:spPr>
+      </p:pic>
+      <p:pic>
+        <p:nvPicPr>
+          <p:cNvPr id="19463" name="Picture 7"/>
+          <p:cNvPicPr>
+            <a:picLocks noChangeAspect="1" noChangeArrowheads="1"/>
+          </p:cNvPicPr>
+          <p:nvPr/>
+        </p:nvPicPr>
+        <p:blipFill>
+          <a:blip r:embed="rId6"/>
+          <a:srcRect/>
+          <a:stretch>
+            <a:fillRect/>
+          </a:stretch>
+        </p:blipFill>
+        <p:spPr bwMode="auto">
+          <a:xfrm>
+            <a:off x="3143240" y="500042"/>
+            <a:ext cx="1390650" cy="1438275"/>
+          </a:xfrm>
+          <a:prstGeom prst="rect">
+            <a:avLst/>
+          </a:prstGeom>
+          <a:noFill/>
+          <a:ln w="9525">
+            <a:noFill/>
+            <a:miter lim="800000"/>
+            <a:headEnd/>
+            <a:tailEnd/>
+          </a:ln>
+          <a:effectLst/>
+        </p:spPr>
+      </p:pic>
+      <p:pic>
+        <p:nvPicPr>
+          <p:cNvPr id="19464" name="Picture 8"/>
+          <p:cNvPicPr>
+            <a:picLocks noChangeAspect="1" noChangeArrowheads="1"/>
+          </p:cNvPicPr>
+          <p:nvPr/>
+        </p:nvPicPr>
+        <p:blipFill>
+          <a:blip r:embed="rId7"/>
+          <a:srcRect/>
+          <a:stretch>
+            <a:fillRect/>
+          </a:stretch>
+        </p:blipFill>
+        <p:spPr bwMode="auto">
+          <a:xfrm>
+            <a:off x="214282" y="500042"/>
+            <a:ext cx="1295400" cy="1800225"/>
+          </a:xfrm>
+          <a:prstGeom prst="rect">
+            <a:avLst/>
+          </a:prstGeom>
+          <a:noFill/>
+          <a:ln w="9525">
+            <a:noFill/>
+            <a:miter lim="800000"/>
+            <a:headEnd/>
+            <a:tailEnd/>
+          </a:ln>
+          <a:effectLst/>
+        </p:spPr>
+      </p:pic>
+      <p:pic>
+        <p:nvPicPr>
+          <p:cNvPr id="19465" name="Picture 9"/>
+          <p:cNvPicPr>
+            <a:picLocks noChangeAspect="1" noChangeArrowheads="1"/>
+          </p:cNvPicPr>
+          <p:nvPr/>
+        </p:nvPicPr>
+        <p:blipFill>
+          <a:blip r:embed="rId8"/>
+          <a:srcRect/>
+          <a:stretch>
+            <a:fillRect/>
+          </a:stretch>
+        </p:blipFill>
+        <p:spPr bwMode="auto">
+          <a:xfrm>
+            <a:off x="4786314" y="3786190"/>
+            <a:ext cx="1085850" cy="1790700"/>
+          </a:xfrm>
+          <a:prstGeom prst="rect">
+            <a:avLst/>
+          </a:prstGeom>
+          <a:noFill/>
+          <a:ln w="9525">
+            <a:noFill/>
+            <a:miter lim="800000"/>
+            <a:headEnd/>
+            <a:tailEnd/>
+          </a:ln>
+          <a:effectLst/>
+        </p:spPr>
+      </p:pic>
+    </p:spTree>
+  </p:cSld>
+  <p:clrMapOvr>
+    <a:masterClrMapping/>
+  </p:clrMapOvr>
+</p:sld>
+</file>
+
+<file path=ppt/slides/slide5.xml><?xml version="1.0" encoding="utf-8"?>
+<p:sld xmlns:a="http://schemas.openxmlformats.org/drawingml/2006/main" xmlns:r="http://schemas.openxmlformats.org/officeDocument/2006/relationships" xmlns:p="http://schemas.openxmlformats.org/presentationml/2006/main">
+  <p:cSld>
+    <p:spTree>
+      <p:nvGrpSpPr>
+        <p:cNvPr id="1" name=""/>
+        <p:cNvGrpSpPr/>
+        <p:nvPr/>
+      </p:nvGrpSpPr>
+      <p:grpSpPr>
+        <a:xfrm>
+          <a:off x="0" y="0"/>
+          <a:ext cx="0" cy="0"/>
+          <a:chOff x="0" y="0"/>
+          <a:chExt cx="0" cy="0"/>
+        </a:xfrm>
+      </p:grpSpPr>
+      <p:pic>
+        <p:nvPicPr>
+          <p:cNvPr id="20482" name="Picture 2"/>
+          <p:cNvPicPr>
+            <a:picLocks noChangeAspect="1" noChangeArrowheads="1"/>
+          </p:cNvPicPr>
+          <p:nvPr/>
+        </p:nvPicPr>
+        <p:blipFill>
+          <a:blip r:embed="rId2"/>
+          <a:srcRect/>
+          <a:stretch>
+            <a:fillRect/>
+          </a:stretch>
+        </p:blipFill>
+        <p:spPr bwMode="auto">
+          <a:xfrm>
+            <a:off x="214282" y="785794"/>
+            <a:ext cx="7753350" cy="5086350"/>
+          </a:xfrm>
+          <a:prstGeom prst="rect">
+            <a:avLst/>
+          </a:prstGeom>
+          <a:noFill/>
+          <a:ln w="9525">
+            <a:noFill/>
+            <a:miter lim="800000"/>
+            <a:headEnd/>
+            <a:tailEnd/>
+          </a:ln>
+          <a:effectLst/>
+        </p:spPr>
+      </p:pic>
+      <p:sp>
+        <p:nvSpPr>
+          <p:cNvPr id="5" name="矩形 4"/>
+          <p:cNvSpPr/>
+          <p:nvPr/>
+        </p:nvSpPr>
+        <p:spPr>
+          <a:xfrm>
+            <a:off x="0" y="0"/>
+            <a:ext cx="7358082" cy="428628"/>
+          </a:xfrm>
+          <a:prstGeom prst="rect">
+            <a:avLst/>
+          </a:prstGeom>
+          <a:ln>
+            <a:solidFill>
+              <a:srgbClr val="FF0000"/>
+            </a:solidFill>
+          </a:ln>
+        </p:spPr>
+        <p:style>
+          <a:lnRef idx="2">
+            <a:schemeClr val="accent6"/>
+          </a:lnRef>
+          <a:fillRef idx="1">
+            <a:schemeClr val="lt1"/>
+          </a:fillRef>
+          <a:effectRef idx="0">
+            <a:schemeClr val="accent6"/>
+          </a:effectRef>
+          <a:fontRef idx="minor">
+            <a:schemeClr val="dk1"/>
+          </a:fontRef>
+        </p:style>
+        <p:txBody>
+          <a:bodyPr rtlCol="0" anchor="ctr"/>
+          <a:lstStyle/>
+          <a:p>
+            <a:pPr algn="ctr"/>
+            <a:r>
+              <a:rPr lang="zh-CN" altLang="en-US" sz="1600" smtClean="0">
+                <a:solidFill>
+                  <a:srgbClr val="C00000"/>
+                </a:solidFill>
+              </a:rPr>
+              <a:t>界面设计</a:t>
+            </a:r>
+            <a:r>
+              <a:rPr lang="en-US" altLang="zh-CN" sz="1600" smtClean="0">
+                <a:solidFill>
+                  <a:srgbClr val="C00000"/>
+                </a:solidFill>
+              </a:rPr>
+              <a:t>—</a:t>
+            </a:r>
+            <a:r>
+              <a:rPr lang="zh-CN" altLang="en-US" sz="1600" smtClean="0">
+                <a:solidFill>
+                  <a:srgbClr val="C00000"/>
+                </a:solidFill>
+              </a:rPr>
+              <a:t>联系我们</a:t>
+            </a:r>
+            <a:endParaRPr lang="zh-CN" altLang="en-US" sz="1600">
+              <a:solidFill>
+                <a:srgbClr val="C00000"/>
+              </a:solidFill>
+            </a:endParaRPr>
+          </a:p>
+        </p:txBody>
+      </p:sp>
+    </p:spTree>
+  </p:cSld>
+  <p:clrMapOvr>
+    <a:masterClrMapping/>
+  </p:clrMapOvr>
+</p:sld>
+</file>
+
+<file path=ppt/slides/slide6.xml><?xml version="1.0" encoding="utf-8"?>
+<p:sld xmlns:a="http://schemas.openxmlformats.org/drawingml/2006/main" xmlns:r="http://schemas.openxmlformats.org/officeDocument/2006/relationships" xmlns:p="http://schemas.openxmlformats.org/presentationml/2006/main">
+  <p:cSld>
+    <p:spTree>
+      <p:nvGrpSpPr>
+        <p:cNvPr id="1" name=""/>
+        <p:cNvGrpSpPr/>
+        <p:nvPr/>
+      </p:nvGrpSpPr>
+      <p:grpSpPr>
+        <a:xfrm>
+          <a:off x="0" y="0"/>
+          <a:ext cx="0" cy="0"/>
+          <a:chOff x="0" y="0"/>
+          <a:chExt cx="0" cy="0"/>
+        </a:xfrm>
+      </p:grpSpPr>
+      <p:sp>
+        <p:nvSpPr>
+          <p:cNvPr id="4" name="矩形 3"/>
+          <p:cNvSpPr/>
+          <p:nvPr/>
+        </p:nvSpPr>
+        <p:spPr>
+          <a:xfrm>
+            <a:off x="0" y="0"/>
+            <a:ext cx="7358082" cy="428628"/>
+          </a:xfrm>
+          <a:prstGeom prst="rect">
+            <a:avLst/>
+          </a:prstGeom>
+          <a:ln>
+            <a:solidFill>
+              <a:srgbClr val="FF0000"/>
+            </a:solidFill>
+          </a:ln>
+        </p:spPr>
+        <p:style>
+          <a:lnRef idx="2">
+            <a:schemeClr val="accent6"/>
+          </a:lnRef>
+          <a:fillRef idx="1">
+            <a:schemeClr val="lt1"/>
+          </a:fillRef>
+          <a:effectRef idx="0">
+            <a:schemeClr val="accent6"/>
+          </a:effectRef>
+          <a:fontRef idx="minor">
+            <a:schemeClr val="dk1"/>
+          </a:fontRef>
+        </p:style>
+        <p:txBody>
+          <a:bodyPr rtlCol="0" anchor="ctr"/>
+          <a:lstStyle/>
+          <a:p>
+            <a:pPr algn="ctr"/>
+            <a:r>
+              <a:rPr lang="zh-CN" altLang="en-US" sz="1600" smtClean="0">
+                <a:solidFill>
+                  <a:srgbClr val="C00000"/>
+                </a:solidFill>
+              </a:rPr>
+              <a:t>界面设计</a:t>
+            </a:r>
+            <a:r>
+              <a:rPr lang="en-US" altLang="zh-CN" sz="1600" smtClean="0">
+                <a:solidFill>
+                  <a:srgbClr val="C00000"/>
+                </a:solidFill>
+              </a:rPr>
+              <a:t>—</a:t>
+            </a:r>
+            <a:r>
+              <a:rPr lang="zh-CN" altLang="en-US" sz="1600" smtClean="0">
+                <a:solidFill>
+                  <a:srgbClr val="C00000"/>
+                </a:solidFill>
+              </a:rPr>
+              <a:t> 管理后台</a:t>
+            </a:r>
+            <a:endParaRPr lang="zh-CN" altLang="en-US" sz="1600">
+              <a:solidFill>
+                <a:srgbClr val="C00000"/>
+              </a:solidFill>
+            </a:endParaRPr>
+          </a:p>
+        </p:txBody>
+      </p:sp>
+      <p:pic>
+        <p:nvPicPr>
+          <p:cNvPr id="21506" name="Picture 2"/>
+          <p:cNvPicPr>
+            <a:picLocks noChangeAspect="1" noChangeArrowheads="1"/>
+          </p:cNvPicPr>
+          <p:nvPr/>
+        </p:nvPicPr>
+        <p:blipFill>
+          <a:blip r:embed="rId2"/>
+          <a:srcRect/>
+          <a:stretch>
+            <a:fillRect/>
+          </a:stretch>
+        </p:blipFill>
+        <p:spPr bwMode="auto">
+          <a:xfrm>
+            <a:off x="0" y="500042"/>
+            <a:ext cx="6643702" cy="4981571"/>
+          </a:xfrm>
+          <a:prstGeom prst="rect">
+            <a:avLst/>
+          </a:prstGeom>
+          <a:noFill/>
+          <a:ln w="9525">
+            <a:noFill/>
+            <a:miter lim="800000"/>
+            <a:headEnd/>
+            <a:tailEnd/>
+          </a:ln>
+          <a:effectLst/>
+        </p:spPr>
+      </p:pic>
+    </p:spTree>
+  </p:cSld>
+  <p:clrMapOvr>
+    <a:masterClrMapping/>
+  </p:clrMapOvr>
+</p:sld>
+</file>
+
+<file path=ppt/slides/slide7.xml><?xml version="1.0" encoding="utf-8"?>
+<p:sld xmlns:a="http://schemas.openxmlformats.org/drawingml/2006/main" xmlns:r="http://schemas.openxmlformats.org/officeDocument/2006/relationships" xmlns:p="http://schemas.openxmlformats.org/presentationml/2006/main">
+  <p:cSld>
+    <p:spTree>
+      <p:nvGrpSpPr>
+        <p:cNvPr id="1" name=""/>
+        <p:cNvGrpSpPr/>
+        <p:nvPr/>
+      </p:nvGrpSpPr>
+      <p:grpSpPr>
+        <a:xfrm>
+          <a:off x="0" y="0"/>
+          <a:ext cx="0" cy="0"/>
+          <a:chOff x="0" y="0"/>
+          <a:chExt cx="0" cy="0"/>
+        </a:xfrm>
+      </p:grpSpPr>
+      <p:sp>
+        <p:nvSpPr>
+          <p:cNvPr id="5" name="矩形 4"/>
+          <p:cNvSpPr/>
+          <p:nvPr/>
+        </p:nvSpPr>
+        <p:spPr>
+          <a:xfrm>
+            <a:off x="142844" y="142852"/>
+            <a:ext cx="2643206" cy="428628"/>
+          </a:xfrm>
+          <a:prstGeom prst="rect">
+            <a:avLst/>
+          </a:prstGeom>
+          <a:ln>
+            <a:solidFill>
+              <a:srgbClr val="FF0000"/>
+            </a:solidFill>
+          </a:ln>
+        </p:spPr>
+        <p:style>
+          <a:lnRef idx="2">
+            <a:schemeClr val="accent6"/>
+          </a:lnRef>
+          <a:fillRef idx="1">
+            <a:schemeClr val="lt1"/>
+          </a:fillRef>
+          <a:effectRef idx="0">
+            <a:schemeClr val="accent6"/>
+          </a:effectRef>
+          <a:fontRef idx="minor">
+            <a:schemeClr val="dk1"/>
+          </a:fontRef>
+        </p:style>
+        <p:txBody>
+          <a:bodyPr rtlCol="0" anchor="ctr"/>
+          <a:lstStyle/>
+          <a:p>
+            <a:pPr algn="ctr"/>
+            <a:r>
+              <a:rPr lang="en-US" altLang="zh-CN" sz="1600" smtClean="0">
+                <a:solidFill>
+                  <a:srgbClr val="C00000"/>
+                </a:solidFill>
+              </a:rPr>
+              <a:t>url </a:t>
+            </a:r>
+            <a:r>
+              <a:rPr lang="zh-CN" altLang="en-US" sz="1600" smtClean="0">
+                <a:solidFill>
+                  <a:srgbClr val="C00000"/>
+                </a:solidFill>
+              </a:rPr>
+              <a:t>接口设计</a:t>
+            </a:r>
+            <a:endParaRPr lang="zh-CN" altLang="en-US" sz="1600">
+              <a:solidFill>
+                <a:srgbClr val="C00000"/>
+              </a:solidFill>
+            </a:endParaRPr>
+          </a:p>
+        </p:txBody>
+      </p:sp>
+      <p:sp>
+        <p:nvSpPr>
+          <p:cNvPr id="6" name="矩形 5"/>
+          <p:cNvSpPr/>
+          <p:nvPr/>
+        </p:nvSpPr>
+        <p:spPr>
+          <a:xfrm>
+            <a:off x="467544" y="692696"/>
+            <a:ext cx="8176422" cy="2016224"/>
+          </a:xfrm>
+          <a:prstGeom prst="rect">
+            <a:avLst/>
+          </a:prstGeom>
+        </p:spPr>
+        <p:style>
+          <a:lnRef idx="2">
+            <a:schemeClr val="accent6"/>
+          </a:lnRef>
+          <a:fillRef idx="1">
+            <a:schemeClr val="lt1"/>
+          </a:fillRef>
+          <a:effectRef idx="0">
+            <a:schemeClr val="accent6"/>
+          </a:effectRef>
+          <a:fontRef idx="minor">
+            <a:schemeClr val="dk1"/>
+          </a:fontRef>
+        </p:style>
+        <p:txBody>
+          <a:bodyPr rtlCol="0" anchor="t" anchorCtr="0"/>
+          <a:lstStyle/>
+          <a:p>
+            <a:r>
+              <a:rPr lang="en-US" altLang="zh-CN" sz="1600" smtClean="0"/>
+              <a:t>url</a:t>
+            </a:r>
+            <a:r>
+              <a:rPr lang="en-US" altLang="zh-CN" sz="1600" b="1" smtClean="0"/>
+              <a:t>(r‘^notstatic/js/ueditor/controller’</a:t>
+            </a:r>
+            <a:r>
+              <a:rPr lang="en-US" altLang="zh-CN" sz="1600" smtClean="0"/>
+              <a:t>, </a:t>
+            </a:r>
+            <a:r>
+              <a:rPr lang="en-US" altLang="zh-CN" sz="1600"/>
+              <a:t>views.ueditorController,name</a:t>
+            </a:r>
+            <a:r>
+              <a:rPr lang="en-US" altLang="zh-CN" sz="1600" b="1" smtClean="0"/>
+              <a:t>=‘ueditor’)</a:t>
+            </a:r>
+            <a:r>
+              <a:rPr lang="en-US" altLang="zh-CN" sz="1600" smtClean="0"/>
+              <a:t>,</a:t>
+            </a:r>
+            <a:r>
+              <a:rPr lang="en-US" altLang="zh-CN" sz="1600"/>
+              <a:t/>
+            </a:r>
+            <a:br>
+              <a:rPr lang="en-US" altLang="zh-CN" sz="1600"/>
+            </a:br>
+            <a:r>
+              <a:rPr lang="en-US" altLang="zh-CN" sz="1600" smtClean="0"/>
+              <a:t>url</a:t>
+            </a:r>
+            <a:r>
+              <a:rPr lang="en-US" altLang="zh-CN" sz="1600" b="1" smtClean="0"/>
+              <a:t>(r‘^</a:t>
+            </a:r>
+            <a:r>
+              <a:rPr lang="en-US" altLang="zh-CN" sz="1600" b="1"/>
+              <a:t>rest</a:t>
+            </a:r>
+            <a:r>
+              <a:rPr lang="en-US" altLang="zh-CN" sz="1600" b="1" smtClean="0"/>
+              <a:t>/$’</a:t>
+            </a:r>
+            <a:r>
+              <a:rPr lang="en-US" altLang="zh-CN" sz="1600" smtClean="0"/>
+              <a:t>,</a:t>
+            </a:r>
+            <a:r>
+              <a:rPr lang="en-US" altLang="zh-CN" sz="1600"/>
+              <a:t>views.dealREST,name</a:t>
+            </a:r>
+            <a:r>
+              <a:rPr lang="en-US" altLang="zh-CN" sz="1600" b="1" smtClean="0"/>
+              <a:t>=‘rest’)</a:t>
+            </a:r>
+            <a:r>
+              <a:rPr lang="en-US" altLang="zh-CN" sz="1600" smtClean="0"/>
+              <a:t>,    // rest</a:t>
+            </a:r>
+            <a:r>
+              <a:rPr lang="zh-CN" altLang="en-US" sz="1600" smtClean="0"/>
+              <a:t>框架处理。数据为主。</a:t>
+            </a:r>
+            <a:r>
+              <a:rPr lang="en-US" altLang="zh-CN" sz="1600"/>
+              <a:t/>
+            </a:r>
+            <a:br>
+              <a:rPr lang="en-US" altLang="zh-CN" sz="1600"/>
+            </a:br>
+            <a:r>
+              <a:rPr lang="en-US" altLang="zh-CN" sz="1600"/>
+              <a:t/>
+            </a:r>
+            <a:br>
+              <a:rPr lang="en-US" altLang="zh-CN" sz="1600"/>
+            </a:br>
+            <a:r>
+              <a:rPr lang="en-US" altLang="zh-CN" sz="1600" smtClean="0"/>
+              <a:t>url</a:t>
+            </a:r>
+            <a:r>
+              <a:rPr lang="en-US" altLang="zh-CN" sz="1600" b="1" smtClean="0"/>
+              <a:t>(r‘^</a:t>
+            </a:r>
+            <a:r>
+              <a:rPr lang="en-US" altLang="zh-CN" sz="1600" b="1"/>
+              <a:t>mbjp</a:t>
+            </a:r>
+            <a:r>
+              <a:rPr lang="en-US" altLang="zh-CN" sz="1600" b="1" smtClean="0"/>
+              <a:t>/$’</a:t>
+            </a:r>
+            <a:r>
+              <a:rPr lang="en-US" altLang="zh-CN" sz="1600" smtClean="0"/>
+              <a:t>,</a:t>
+            </a:r>
+            <a:r>
+              <a:rPr lang="en-US" altLang="zh-CN" sz="1600"/>
+              <a:t>viewsMb.getJsonp,name</a:t>
+            </a:r>
+            <a:r>
+              <a:rPr lang="en-US" altLang="zh-CN" sz="1600" b="1" smtClean="0"/>
+              <a:t>=‘mbjp’)</a:t>
+            </a:r>
+            <a:r>
+              <a:rPr lang="en-US" altLang="zh-CN" sz="1600" smtClean="0"/>
+              <a:t>,      // </a:t>
+            </a:r>
+            <a:r>
+              <a:rPr lang="zh-CN" altLang="en-US" sz="1600" smtClean="0"/>
+              <a:t>移动端。</a:t>
+            </a:r>
+            <a:r>
+              <a:rPr lang="en-US" sz="1600" smtClean="0"/>
+              <a:t> getJsonp </a:t>
+            </a:r>
+            <a:r>
+              <a:rPr lang="en-US" altLang="zh-CN" sz="1600"/>
+              <a:t/>
+            </a:r>
+            <a:br>
+              <a:rPr lang="en-US" altLang="zh-CN" sz="1600"/>
+            </a:br>
+            <a:r>
+              <a:rPr lang="en-US" altLang="zh-CN" sz="1600"/>
+              <a:t/>
+            </a:r>
+            <a:br>
+              <a:rPr lang="en-US" altLang="zh-CN" sz="1600"/>
+            </a:br>
+            <a:r>
+              <a:rPr lang="en-US" altLang="zh-CN" sz="1600" smtClean="0"/>
+              <a:t>url</a:t>
+            </a:r>
+            <a:r>
+              <a:rPr lang="en-US" altLang="zh-CN" sz="1600" b="1" smtClean="0"/>
+              <a:t>(r‘^(?</a:t>
+            </a:r>
+            <a:r>
+              <a:rPr lang="en-US" altLang="zh-CN" sz="1600" b="1"/>
+              <a:t>P&lt;goolArg&gt;\w</a:t>
+            </a:r>
+            <a:r>
+              <a:rPr lang="en-US" altLang="zh-CN" sz="1600" b="1" smtClean="0"/>
+              <a:t>+)/$’</a:t>
+            </a:r>
+            <a:r>
+              <a:rPr lang="en-US" altLang="zh-CN" sz="1600" smtClean="0"/>
+              <a:t>, </a:t>
+            </a:r>
+            <a:r>
+              <a:rPr lang="en-US" altLang="zh-CN" sz="1600"/>
+              <a:t>viewsFore.gool, name</a:t>
+            </a:r>
+            <a:r>
+              <a:rPr lang="en-US" altLang="zh-CN" sz="1600" b="1" smtClean="0"/>
+              <a:t>=‘gool’)</a:t>
+            </a:r>
+            <a:r>
+              <a:rPr lang="en-US" altLang="zh-CN" sz="1600" smtClean="0"/>
+              <a:t>,     // </a:t>
+            </a:r>
+            <a:r>
+              <a:rPr lang="zh-CN" altLang="en-US" sz="1600" smtClean="0"/>
+              <a:t>网页前端。</a:t>
+            </a:r>
+            <a:r>
+              <a:rPr lang="zh-CN" altLang="en-US" sz="1600"/>
+              <a:t/>
+            </a:r>
+            <a:br>
+              <a:rPr lang="zh-CN" altLang="en-US" sz="1600"/>
+            </a:br>
+            <a:r>
+              <a:rPr lang="en-US" altLang="zh-CN" sz="1600"/>
+              <a:t>url</a:t>
+            </a:r>
+            <a:r>
+              <a:rPr lang="en-US" altLang="zh-CN" sz="1600" b="1"/>
+              <a:t>(r'^(?P&lt;goolArg&gt;\w+)/(?P&lt;goolSecArg&gt;\w+)/$'</a:t>
+            </a:r>
+            <a:r>
+              <a:rPr lang="en-US" altLang="zh-CN" sz="1600"/>
+              <a:t>, viewsFore.gool, name</a:t>
+            </a:r>
+            <a:r>
+              <a:rPr lang="en-US" altLang="zh-CN" sz="1600" b="1"/>
+              <a:t>='goolsub')</a:t>
+            </a:r>
+            <a:r>
+              <a:rPr lang="en-US" altLang="zh-CN" sz="1600"/>
+              <a:t>,</a:t>
+            </a:r>
+            <a:br>
+              <a:rPr lang="en-US" altLang="zh-CN" sz="1600"/>
+            </a:br>
+            <a:endParaRPr lang="zh-CN" altLang="en-US" sz="1600"/>
+          </a:p>
+        </p:txBody>
+      </p:sp>
+    </p:spTree>
+    <p:extLst>
+      <p:ext uri="{BB962C8B-B14F-4D97-AF65-F5344CB8AC3E}">
+        <p14:creationId xmlns:p14="http://schemas.microsoft.com/office/powerpoint/2010/main" xmlns="" val="4024293650"/>
+      </p:ext>
+    </p:extLst>
+  </p:cSld>
+  <p:clrMapOvr>
+    <a:masterClrMapping/>
+  </p:clrMapOvr>
+</p:sld>
+</file>
+
+<file path=ppt/slides/slide8.xml><?xml version="1.0" encoding="utf-8"?>
+<p:sld xmlns:a="http://schemas.openxmlformats.org/drawingml/2006/main" xmlns:r="http://schemas.openxmlformats.org/officeDocument/2006/relationships" xmlns:p="http://schemas.openxmlformats.org/presentationml/2006/main">
+  <p:cSld>
+    <p:spTree>
+      <p:nvGrpSpPr>
+        <p:cNvPr id="1" name=""/>
+        <p:cNvGrpSpPr/>
+        <p:nvPr/>
+      </p:nvGrpSpPr>
+      <p:grpSpPr>
+        <a:xfrm>
+          <a:off x="0" y="0"/>
+          <a:ext cx="0" cy="0"/>
+          <a:chOff x="0" y="0"/>
+          <a:chExt cx="0" cy="0"/>
+        </a:xfrm>
+      </p:grpSpPr>
+      <p:sp>
+        <p:nvSpPr>
+          <p:cNvPr id="4" name="矩形 3"/>
+          <p:cNvSpPr/>
+          <p:nvPr/>
+        </p:nvSpPr>
+        <p:spPr>
+          <a:xfrm>
+            <a:off x="142844" y="70272"/>
+            <a:ext cx="2643206" cy="428628"/>
+          </a:xfrm>
+          <a:prstGeom prst="rect">
+            <a:avLst/>
+          </a:prstGeom>
+        </p:spPr>
+        <p:style>
+          <a:lnRef idx="2">
+            <a:schemeClr val="accent6"/>
+          </a:lnRef>
+          <a:fillRef idx="1">
+            <a:schemeClr val="lt1"/>
+          </a:fillRef>
+          <a:effectRef idx="0">
+            <a:schemeClr val="accent6"/>
+          </a:effectRef>
+          <a:fontRef idx="minor">
+            <a:schemeClr val="dk1"/>
+          </a:fontRef>
+        </p:style>
+        <p:txBody>
+          <a:bodyPr rtlCol="0" anchor="ctr"/>
+          <a:lstStyle/>
+          <a:p>
+            <a:pPr algn="ctr"/>
+            <a:r>
+              <a:rPr lang="en-US" altLang="zh-CN" sz="1200" err="1" smtClean="0"/>
+              <a:t>articleType</a:t>
+            </a:r>
+            <a:endParaRPr lang="zh-CN" altLang="en-US" sz="1200"/>
+          </a:p>
+        </p:txBody>
+      </p:sp>
+      <p:sp>
+        <p:nvSpPr>
+          <p:cNvPr id="5" name="矩形 4"/>
+          <p:cNvSpPr/>
+          <p:nvPr/>
+        </p:nvSpPr>
+        <p:spPr>
+          <a:xfrm>
+            <a:off x="642910" y="552670"/>
+            <a:ext cx="2643206" cy="500066"/>
+          </a:xfrm>
+          <a:prstGeom prst="rect">
+            <a:avLst/>
+          </a:prstGeom>
+        </p:spPr>
+        <p:style>
+          <a:lnRef idx="2">
+            <a:schemeClr val="accent6"/>
+          </a:lnRef>
+          <a:fillRef idx="1">
+            <a:schemeClr val="lt1"/>
+          </a:fillRef>
+          <a:effectRef idx="0">
+            <a:schemeClr val="accent6"/>
+          </a:effectRef>
+          <a:fontRef idx="minor">
+            <a:schemeClr val="dk1"/>
+          </a:fontRef>
+        </p:style>
+        <p:txBody>
+          <a:bodyPr rtlCol="0" anchor="ctr"/>
+          <a:lstStyle/>
+          <a:p>
+            <a:pPr algn="ctr"/>
+            <a:r>
+              <a:rPr lang="en-US" altLang="zh-CN" sz="1200" smtClean="0"/>
+              <a:t>Id</a:t>
+            </a:r>
+            <a:br>
+              <a:rPr lang="en-US" altLang="zh-CN" sz="1200" smtClean="0"/>
+            </a:br>
+            <a:r>
+              <a:rPr lang="en-US" altLang="zh-CN" sz="1200" smtClean="0"/>
+              <a:t>parent</a:t>
+            </a:r>
+            <a:endParaRPr lang="zh-CN" altLang="en-US" sz="1200"/>
+          </a:p>
+        </p:txBody>
+      </p:sp>
+      <p:sp>
+        <p:nvSpPr>
+          <p:cNvPr id="6" name="矩形 5"/>
+          <p:cNvSpPr/>
+          <p:nvPr/>
+        </p:nvSpPr>
+        <p:spPr>
+          <a:xfrm>
+            <a:off x="3571868" y="642918"/>
+            <a:ext cx="3357586" cy="428628"/>
+          </a:xfrm>
+          <a:prstGeom prst="rect">
+            <a:avLst/>
+          </a:prstGeom>
+        </p:spPr>
+        <p:style>
+          <a:lnRef idx="2">
+            <a:schemeClr val="accent1"/>
+          </a:lnRef>
+          <a:fillRef idx="1">
+            <a:schemeClr val="lt1"/>
+          </a:fillRef>
+          <a:effectRef idx="0">
+            <a:schemeClr val="accent1"/>
+          </a:effectRef>
+          <a:fontRef idx="minor">
+            <a:schemeClr val="dk1"/>
+          </a:fontRef>
+        </p:style>
+        <p:txBody>
+          <a:bodyPr rtlCol="0" anchor="ctr"/>
+          <a:lstStyle/>
+          <a:p>
+            <a:pPr algn="ctr"/>
+            <a:r>
+              <a:rPr lang="zh-CN" altLang="en-US" sz="1200" smtClean="0"/>
+              <a:t>负责数据存储的物理层级关系。</a:t>
+            </a:r>
+            <a:endParaRPr lang="zh-CN" altLang="en-US" sz="1200"/>
+          </a:p>
+        </p:txBody>
+      </p:sp>
+      <p:sp>
+        <p:nvSpPr>
+          <p:cNvPr id="7" name="矩形 6"/>
+          <p:cNvSpPr/>
+          <p:nvPr/>
+        </p:nvSpPr>
+        <p:spPr>
+          <a:xfrm>
+            <a:off x="642910" y="1117040"/>
+            <a:ext cx="2928958" cy="1284560"/>
+          </a:xfrm>
+          <a:prstGeom prst="rect">
+            <a:avLst/>
+          </a:prstGeom>
+        </p:spPr>
+        <p:style>
+          <a:lnRef idx="2">
+            <a:schemeClr val="accent6"/>
+          </a:lnRef>
+          <a:fillRef idx="1">
+            <a:schemeClr val="lt1"/>
+          </a:fillRef>
+          <a:effectRef idx="0">
+            <a:schemeClr val="accent6"/>
+          </a:effectRef>
+          <a:fontRef idx="minor">
+            <a:schemeClr val="dk1"/>
+          </a:fontRef>
+        </p:style>
+        <p:txBody>
+          <a:bodyPr rtlCol="0" anchor="ctr"/>
+          <a:lstStyle/>
+          <a:p>
+            <a:pPr algn="ctr">
+              <a:lnSpc>
+                <a:spcPct val="150000"/>
+              </a:lnSpc>
+            </a:pPr>
+            <a:r>
+              <a:rPr lang="en-US" altLang="zh-CN" sz="1200" smtClean="0"/>
+              <a:t>Idx: </a:t>
+            </a:r>
+            <a:r>
+              <a:rPr lang="zh-CN" altLang="en-US" sz="1200" smtClean="0"/>
+              <a:t>标识</a:t>
+            </a:r>
+            <a:r>
+              <a:rPr lang="en-US" altLang="zh-CN" sz="1200" smtClean="0"/>
+              <a:t/>
+            </a:r>
+            <a:br>
+              <a:rPr lang="en-US" altLang="zh-CN" sz="1200" smtClean="0"/>
+            </a:br>
+            <a:r>
+              <a:rPr lang="en-US" altLang="zh-CN" sz="1200" smtClean="0"/>
+              <a:t>kind: </a:t>
+            </a:r>
+            <a:r>
+              <a:rPr lang="zh-CN" altLang="en-US" sz="1200" smtClean="0"/>
+              <a:t>分类，用来寻找子栏目。</a:t>
+            </a:r>
+            <a:r>
+              <a:rPr lang="en-US" altLang="zh-CN" sz="1200" smtClean="0"/>
+              <a:t/>
+            </a:r>
+            <a:br>
+              <a:rPr lang="en-US" altLang="zh-CN" sz="1200" smtClean="0"/>
+            </a:br>
+            <a:r>
+              <a:rPr lang="en-US" altLang="zh-CN" sz="1200" smtClean="0"/>
+              <a:t>subsParent</a:t>
+            </a:r>
+            <a:r>
+              <a:rPr lang="zh-CN" altLang="en-US" sz="1200" smtClean="0"/>
+              <a:t>：子记录的父亲</a:t>
+            </a:r>
+            <a:r>
+              <a:rPr lang="en-US" altLang="zh-CN" sz="1200" smtClean="0"/>
+              <a:t/>
+            </a:r>
+            <a:br>
+              <a:rPr lang="en-US" altLang="zh-CN" sz="1200" smtClean="0"/>
+            </a:br>
+            <a:r>
+              <a:rPr lang="en-US" sz="1200" smtClean="0"/>
+              <a:t>ex</a:t>
+            </a:r>
+            <a:r>
+              <a:rPr lang="en-US" altLang="zh-CN" sz="1200" smtClean="0"/>
+              <a:t>Order</a:t>
+            </a:r>
+            <a:r>
+              <a:rPr lang="zh-CN" altLang="en-US" sz="1200" smtClean="0"/>
+              <a:t>：排序号</a:t>
+            </a:r>
+          </a:p>
+        </p:txBody>
+      </p:sp>
+      <p:sp>
+        <p:nvSpPr>
+          <p:cNvPr id="8" name="矩形 7"/>
+          <p:cNvSpPr/>
+          <p:nvPr/>
+        </p:nvSpPr>
+        <p:spPr>
+          <a:xfrm>
+            <a:off x="3643306" y="1357298"/>
+            <a:ext cx="4857784" cy="1000132"/>
+          </a:xfrm>
+          <a:prstGeom prst="rect">
+            <a:avLst/>
+          </a:prstGeom>
+        </p:spPr>
+        <p:style>
+          <a:lnRef idx="2">
+            <a:schemeClr val="accent1"/>
+          </a:lnRef>
+          <a:fillRef idx="1">
+            <a:schemeClr val="lt1"/>
+          </a:fillRef>
+          <a:effectRef idx="0">
+            <a:schemeClr val="accent1"/>
+          </a:effectRef>
+          <a:fontRef idx="minor">
+            <a:schemeClr val="dk1"/>
+          </a:fontRef>
+        </p:style>
+        <p:txBody>
+          <a:bodyPr lIns="108000" tIns="72000" rIns="108000" bIns="72000" rtlCol="0" anchor="ctr"/>
+          <a:lstStyle/>
+          <a:p>
+            <a:pPr algn="ctr"/>
+            <a:r>
+              <a:rPr lang="en-US" altLang="zh-CN" sz="1200" smtClean="0"/>
+              <a:t>Idx</a:t>
+            </a:r>
+            <a:r>
+              <a:rPr lang="zh-CN" altLang="en-US" sz="1200" smtClean="0"/>
+              <a:t>用来在程序里面做唯一标识。一般可以说，模块</a:t>
+            </a:r>
+            <a:r>
+              <a:rPr lang="en-US" altLang="zh-CN" sz="1200" smtClean="0"/>
+              <a:t>1</a:t>
+            </a:r>
+            <a:r>
+              <a:rPr lang="zh-CN" altLang="en-US" sz="1200" smtClean="0"/>
+              <a:t>，模块</a:t>
+            </a:r>
+            <a:r>
+              <a:rPr lang="en-US" altLang="zh-CN" sz="1200" smtClean="0"/>
+              <a:t>2</a:t>
+            </a:r>
+            <a:r>
+              <a:rPr lang="zh-CN" altLang="en-US" sz="1200" smtClean="0"/>
+              <a:t>，用来进行预定义。比如在首页，模块</a:t>
+            </a:r>
+            <a:r>
+              <a:rPr lang="en-US" altLang="zh-CN" sz="1200" smtClean="0"/>
+              <a:t>1</a:t>
+            </a:r>
+            <a:r>
+              <a:rPr lang="zh-CN" altLang="en-US" sz="1200" smtClean="0"/>
+              <a:t>可以有几个子模块。按照行列来定义。</a:t>
+            </a:r>
+            <a:r>
+              <a:rPr lang="en-US" altLang="zh-CN" sz="1200" smtClean="0"/>
+              <a:t/>
+            </a:r>
+            <a:br>
+              <a:rPr lang="en-US" altLang="zh-CN" sz="1200" smtClean="0"/>
+            </a:br>
+            <a:r>
+              <a:rPr lang="en-US" altLang="zh-CN" sz="1200" smtClean="0"/>
+              <a:t>subsParent</a:t>
+            </a:r>
+            <a:r>
+              <a:rPr lang="zh-CN" altLang="en-US" sz="1200" smtClean="0"/>
+              <a:t>用来标识他下面的</a:t>
+            </a:r>
+            <a:r>
+              <a:rPr lang="en-US" altLang="zh-CN" sz="1200" smtClean="0"/>
+              <a:t>article</a:t>
+            </a:r>
+            <a:r>
+              <a:rPr lang="zh-CN" altLang="en-US" sz="1200" smtClean="0"/>
+              <a:t>记录，是按照那个</a:t>
+            </a:r>
+            <a:r>
+              <a:rPr lang="en-US" altLang="zh-CN" sz="1200" smtClean="0"/>
+              <a:t>parent</a:t>
+            </a:r>
+            <a:r>
+              <a:rPr lang="zh-CN" altLang="en-US" sz="1200" smtClean="0"/>
+              <a:t>来检索的。就可以为同样的栏目，分别放置在不同的地方，不同排序。</a:t>
+            </a:r>
+            <a:endParaRPr lang="en-US" altLang="zh-CN" sz="1200" smtClean="0"/>
+          </a:p>
+        </p:txBody>
+      </p:sp>
+      <p:sp>
+        <p:nvSpPr>
+          <p:cNvPr id="9" name="矩形 8"/>
+          <p:cNvSpPr/>
+          <p:nvPr/>
+        </p:nvSpPr>
+        <p:spPr>
+          <a:xfrm>
+            <a:off x="642910" y="2492896"/>
+            <a:ext cx="3857652" cy="2088232"/>
+          </a:xfrm>
+          <a:prstGeom prst="rect">
+            <a:avLst/>
+          </a:prstGeom>
+        </p:spPr>
+        <p:style>
+          <a:lnRef idx="2">
+            <a:schemeClr val="accent6"/>
+          </a:lnRef>
+          <a:fillRef idx="1">
+            <a:schemeClr val="lt1"/>
+          </a:fillRef>
+          <a:effectRef idx="0">
+            <a:schemeClr val="accent6"/>
+          </a:effectRef>
+          <a:fontRef idx="minor">
+            <a:schemeClr val="dk1"/>
+          </a:fontRef>
+        </p:style>
+        <p:txBody>
+          <a:bodyPr rtlCol="0" anchor="ctr"/>
+          <a:lstStyle/>
+          <a:p>
+            <a:pPr algn="ctr">
+              <a:lnSpc>
+                <a:spcPct val="150000"/>
+              </a:lnSpc>
+            </a:pPr>
+            <a:r>
+              <a:rPr lang="en-US" altLang="zh-CN" sz="1200" smtClean="0"/>
+              <a:t>title</a:t>
+            </a:r>
+            <a:r>
+              <a:rPr lang="zh-CN" altLang="en-US" sz="1200" smtClean="0"/>
+              <a:t>：栏目名称（系统设置用）</a:t>
+            </a:r>
+            <a:endParaRPr lang="en-US" altLang="zh-CN" sz="1200" smtClean="0"/>
+          </a:p>
+          <a:p>
+            <a:pPr algn="ctr">
+              <a:lnSpc>
+                <a:spcPct val="150000"/>
+              </a:lnSpc>
+            </a:pPr>
+            <a:r>
+              <a:rPr lang="en-US" altLang="zh-CN" sz="1200" smtClean="0"/>
+              <a:t>Brief</a:t>
+            </a:r>
+            <a:r>
+              <a:rPr lang="zh-CN" altLang="en-US" sz="1200" smtClean="0"/>
+              <a:t>：简介，介绍</a:t>
+            </a:r>
+            <a:endParaRPr lang="en-US" altLang="zh-CN" sz="1200" smtClean="0"/>
+          </a:p>
+          <a:p>
+            <a:pPr algn="ctr">
+              <a:lnSpc>
+                <a:spcPct val="150000"/>
+              </a:lnSpc>
+            </a:pPr>
+            <a:r>
+              <a:rPr lang="en-US" altLang="zh-CN" sz="1200" smtClean="0"/>
+              <a:t>menuTitle</a:t>
+            </a:r>
+            <a:r>
+              <a:rPr lang="zh-CN" altLang="en-US" sz="1200" smtClean="0"/>
+              <a:t>：菜单</a:t>
+            </a:r>
+            <a:r>
+              <a:rPr lang="zh-CN" altLang="en-US" sz="1200"/>
+              <a:t>栏目</a:t>
+            </a:r>
+            <a:r>
+              <a:rPr lang="en-US" altLang="zh-CN" sz="1200" smtClean="0"/>
+              <a:t/>
+            </a:r>
+            <a:br>
+              <a:rPr lang="en-US" altLang="zh-CN" sz="1200" smtClean="0"/>
+            </a:br>
+            <a:r>
+              <a:rPr lang="en-US" altLang="zh-CN" sz="1200" b="1" smtClean="0"/>
+              <a:t>linkTitle: </a:t>
+            </a:r>
+            <a:r>
+              <a:rPr lang="zh-CN" altLang="en-US" sz="1200" b="1" smtClean="0"/>
+              <a:t>点击链接的文字</a:t>
+            </a:r>
+            <a:endParaRPr lang="en-US" altLang="zh-CN" sz="1200" b="1" smtClean="0"/>
+          </a:p>
+          <a:p>
+            <a:pPr algn="ctr">
+              <a:lnSpc>
+                <a:spcPct val="150000"/>
+              </a:lnSpc>
+            </a:pPr>
+            <a:r>
+              <a:rPr lang="en-US" altLang="zh-CN" sz="1200" b="1" err="1" smtClean="0"/>
+              <a:t>linkClick</a:t>
+            </a:r>
+            <a:r>
+              <a:rPr lang="zh-CN" altLang="en-US" sz="1200" b="1" smtClean="0"/>
+              <a:t>：点击链接</a:t>
+            </a:r>
+            <a:endParaRPr lang="en-US" altLang="zh-CN" sz="1200" b="1" smtClean="0"/>
+          </a:p>
+          <a:p>
+            <a:pPr algn="ctr">
+              <a:lnSpc>
+                <a:spcPct val="150000"/>
+              </a:lnSpc>
+            </a:pPr>
+            <a:r>
+              <a:rPr lang="en-US" altLang="zh-CN" sz="1200" err="1" smtClean="0"/>
+              <a:t>linkPic</a:t>
+            </a:r>
+            <a:r>
+              <a:rPr lang="zh-CN" altLang="en-US" sz="1200" smtClean="0"/>
+              <a:t>：图片链接</a:t>
+            </a:r>
+            <a:endParaRPr lang="en-US" altLang="zh-CN" sz="1200" smtClean="0"/>
+          </a:p>
+          <a:p>
+            <a:pPr algn="ctr">
+              <a:lnSpc>
+                <a:spcPct val="150000"/>
+              </a:lnSpc>
+            </a:pPr>
+            <a:r>
+              <a:rPr lang="en-US" altLang="zh-CN" sz="1200" err="1" smtClean="0"/>
+              <a:t>linkVideo</a:t>
+            </a:r>
+            <a:r>
+              <a:rPr lang="zh-CN" altLang="en-US" sz="1200" smtClean="0"/>
+              <a:t>：视频链接</a:t>
+            </a:r>
+            <a:r>
+              <a:rPr lang="en-US" altLang="zh-CN" sz="1200" smtClean="0"/>
+              <a:t/>
+            </a:r>
+            <a:br>
+              <a:rPr lang="en-US" altLang="zh-CN" sz="1200" smtClean="0"/>
+            </a:br>
+            <a:endParaRPr lang="en-US" altLang="zh-CN" sz="1200" smtClean="0"/>
+          </a:p>
+        </p:txBody>
+      </p:sp>
+      <p:sp>
+        <p:nvSpPr>
+          <p:cNvPr id="12" name="矩形 11"/>
+          <p:cNvSpPr/>
+          <p:nvPr/>
+        </p:nvSpPr>
+        <p:spPr>
+          <a:xfrm>
+            <a:off x="646358" y="4653136"/>
+            <a:ext cx="4073106" cy="2088232"/>
+          </a:xfrm>
+          <a:prstGeom prst="rect">
+            <a:avLst/>
+          </a:prstGeom>
+        </p:spPr>
+        <p:style>
+          <a:lnRef idx="2">
+            <a:schemeClr val="accent6"/>
+          </a:lnRef>
+          <a:fillRef idx="1">
+            <a:schemeClr val="lt1"/>
+          </a:fillRef>
+          <a:effectRef idx="0">
+            <a:schemeClr val="accent6"/>
+          </a:effectRef>
+          <a:fontRef idx="minor">
+            <a:schemeClr val="dk1"/>
+          </a:fontRef>
+        </p:style>
+        <p:txBody>
+          <a:bodyPr rtlCol="0" anchor="ctr"/>
+          <a:lstStyle/>
+          <a:p>
+            <a:pPr algn="ctr">
+              <a:lnSpc>
+                <a:spcPct val="150000"/>
+              </a:lnSpc>
+            </a:pPr>
+            <a:r>
+              <a:rPr lang="en-US" altLang="zh-CN" sz="1200" smtClean="0"/>
+              <a:t>pageView: ‘single’, ‘flat3x3’ </a:t>
+            </a:r>
+          </a:p>
+          <a:p>
+            <a:pPr algn="ctr">
+              <a:lnSpc>
+                <a:spcPct val="150000"/>
+              </a:lnSpc>
+            </a:pPr>
+            <a:r>
+              <a:rPr lang="en-US" altLang="zh-CN" sz="1200"/>
+              <a:t>boardPic: {‘main’:’s’, </a:t>
+            </a:r>
+            <a:r>
+              <a:rPr lang="en-US" altLang="zh-CN" sz="1200" smtClean="0"/>
+              <a:t>‘’}</a:t>
+            </a:r>
+          </a:p>
+          <a:p>
+            <a:pPr algn="ctr">
+              <a:lnSpc>
+                <a:spcPct val="150000"/>
+              </a:lnSpc>
+            </a:pPr>
+            <a:r>
+              <a:rPr lang="en-US" altLang="zh-CN" sz="1200"/>
+              <a:t>exkind</a:t>
+            </a:r>
+            <a:r>
+              <a:rPr lang="zh-CN" altLang="en-US" sz="1200"/>
+              <a:t>：特殊控制：后台用户不</a:t>
+            </a:r>
+            <a:r>
+              <a:rPr lang="zh-CN" altLang="en-US" sz="1200" smtClean="0"/>
+              <a:t>可见。</a:t>
+            </a:r>
+            <a:r>
+              <a:rPr lang="en-US" altLang="zh-CN" sz="1200" smtClean="0"/>
+              <a:t/>
+            </a:r>
+            <a:br>
+              <a:rPr lang="en-US" altLang="zh-CN" sz="1200" smtClean="0"/>
+            </a:br>
+            <a:r>
+              <a:rPr lang="en-US" altLang="zh-CN" sz="1200" smtClean="0"/>
+              <a:t>mapPostion</a:t>
+            </a:r>
+            <a:r>
+              <a:rPr lang="en-US" altLang="zh-CN" sz="1200"/>
+              <a:t>: </a:t>
+            </a:r>
+            <a:r>
+              <a:rPr lang="zh-CN" altLang="en-US" sz="1200"/>
+              <a:t>网站地图的位置</a:t>
+            </a:r>
+            <a:r>
+              <a:rPr lang="en-US" altLang="zh-CN" sz="1200"/>
+              <a:t>()</a:t>
+            </a:r>
+          </a:p>
+          <a:p>
+            <a:pPr algn="ctr">
+              <a:lnSpc>
+                <a:spcPct val="150000"/>
+              </a:lnSpc>
+            </a:pPr>
+            <a:r>
+              <a:rPr lang="en-US" altLang="zh-CN" sz="1200" smtClean="0"/>
+              <a:t>exillu</a:t>
+            </a:r>
+            <a:r>
+              <a:rPr lang="zh-CN" altLang="en-US" sz="1200" smtClean="0"/>
+              <a:t>：内部一些设置说明。</a:t>
+            </a:r>
+            <a:r>
+              <a:rPr lang="en-US" altLang="zh-CN" sz="1200"/>
+              <a:t/>
+            </a:r>
+            <a:br>
+              <a:rPr lang="en-US" altLang="zh-CN" sz="1200"/>
+            </a:br>
+            <a:r>
+              <a:rPr lang="en-US" altLang="zh-CN" sz="1200"/>
+              <a:t>jsonEx</a:t>
+            </a:r>
+            <a:r>
+              <a:rPr lang="en-US" altLang="zh-CN" sz="1200" smtClean="0"/>
+              <a:t>: </a:t>
+            </a:r>
+            <a:r>
+              <a:rPr lang="zh-CN" altLang="en-US" sz="1200" smtClean="0"/>
+              <a:t>为了防止表字段更改而设立的扩展功能。</a:t>
+            </a:r>
+            <a:endParaRPr lang="en-US" altLang="zh-CN" sz="1200" smtClean="0"/>
+          </a:p>
+          <a:p>
+            <a:pPr algn="ctr">
+              <a:lnSpc>
+                <a:spcPct val="150000"/>
+              </a:lnSpc>
+            </a:pPr>
+            <a:r>
+              <a:rPr lang="en-US" altLang="zh-CN" sz="1200" smtClean="0"/>
+              <a:t>renderTemp: ‘’</a:t>
+            </a:r>
+            <a:endParaRPr lang="zh-CN" altLang="en-US" sz="1200"/>
+          </a:p>
+        </p:txBody>
+      </p:sp>
+      <p:sp>
+        <p:nvSpPr>
+          <p:cNvPr id="10" name="矩形 9"/>
+          <p:cNvSpPr/>
+          <p:nvPr/>
+        </p:nvSpPr>
+        <p:spPr>
+          <a:xfrm>
+            <a:off x="4841222" y="5013176"/>
+            <a:ext cx="4176464" cy="1080119"/>
+          </a:xfrm>
+          <a:prstGeom prst="rect">
+            <a:avLst/>
+          </a:prstGeom>
+        </p:spPr>
+        <p:style>
+          <a:lnRef idx="2">
+            <a:schemeClr val="accent1"/>
+          </a:lnRef>
+          <a:fillRef idx="1">
+            <a:schemeClr val="lt1"/>
+          </a:fillRef>
+          <a:effectRef idx="0">
+            <a:schemeClr val="accent1"/>
+          </a:effectRef>
+          <a:fontRef idx="minor">
+            <a:schemeClr val="dk1"/>
+          </a:fontRef>
+        </p:style>
+        <p:txBody>
+          <a:bodyPr rtlCol="0" anchor="ctr"/>
+          <a:lstStyle/>
+          <a:p>
+            <a:pPr algn="ctr"/>
+            <a:r>
+              <a:rPr lang="en-US" altLang="zh-CN" sz="1200" b="1"/>
+              <a:t>[("</a:t>
+            </a:r>
+            <a:r>
+              <a:rPr lang="zh-CN" altLang="en-US" sz="1200" b="1"/>
+              <a:t>公司</a:t>
+            </a:r>
+            <a:r>
+              <a:rPr lang="en-US" altLang="zh-CN" sz="1200" b="1"/>
+              <a:t>"</a:t>
+            </a:r>
+            <a:r>
+              <a:rPr lang="en-US" altLang="zh-CN" sz="1200"/>
+              <a:t>, </a:t>
+            </a:r>
+            <a:r>
+              <a:rPr lang="en-US" altLang="zh-CN" sz="1200" b="1"/>
+              <a:t>'/resec/1/')</a:t>
+            </a:r>
+            <a:r>
+              <a:rPr lang="en-US" altLang="zh-CN" sz="1200"/>
+              <a:t>, </a:t>
+            </a:r>
+            <a:r>
+              <a:rPr lang="en-US" altLang="zh-CN" sz="1200" b="1"/>
+              <a:t>("</a:t>
+            </a:r>
+            <a:r>
+              <a:rPr lang="zh-CN" altLang="en-US" sz="1200" b="1"/>
+              <a:t>公司简介</a:t>
+            </a:r>
+            <a:r>
+              <a:rPr lang="en-US" altLang="zh-CN" sz="1200" b="1"/>
+              <a:t>"</a:t>
+            </a:r>
+            <a:r>
+              <a:rPr lang="en-US" altLang="zh-CN" sz="1200"/>
+              <a:t>, </a:t>
+            </a:r>
+            <a:r>
+              <a:rPr lang="en-US" altLang="zh-CN" sz="1200" b="1"/>
+              <a:t>'/resec/1</a:t>
+            </a:r>
+            <a:r>
+              <a:rPr lang="en-US" altLang="zh-CN" sz="1200" b="1" smtClean="0"/>
+              <a:t>/')]</a:t>
+            </a:r>
+          </a:p>
+          <a:p>
+            <a:pPr algn="ctr"/>
+            <a:r>
+              <a:rPr lang="en-US" altLang="zh-CN" sz="1200"/>
+              <a:t>{‘whatever’:’what ever you want’, ‘sthulike’: ‘enjoy’ }</a:t>
+            </a:r>
+          </a:p>
+          <a:p>
+            <a:pPr algn="ctr"/>
+            <a:endParaRPr lang="zh-CN" altLang="en-US" sz="1200"/>
+          </a:p>
+        </p:txBody>
+      </p:sp>
+      <p:sp>
+        <p:nvSpPr>
+          <p:cNvPr id="11" name="矩形 10"/>
+          <p:cNvSpPr/>
+          <p:nvPr/>
+        </p:nvSpPr>
+        <p:spPr>
+          <a:xfrm>
+            <a:off x="3424226" y="52409"/>
+            <a:ext cx="4291046" cy="369332"/>
+          </a:xfrm>
+          <a:prstGeom prst="rect">
+            <a:avLst/>
+          </a:prstGeom>
+        </p:spPr>
+        <p:txBody>
+          <a:bodyPr wrap="square">
+            <a:spAutoFit/>
+          </a:bodyPr>
+          <a:lstStyle/>
+          <a:p>
+            <a:r>
+              <a:rPr lang="en-US" altLang="zh-CN" b="1" smtClean="0">
+                <a:solidFill>
+                  <a:schemeClr val="tx2"/>
+                </a:solidFill>
+              </a:rPr>
+              <a:t>Seoweb2 </a:t>
+            </a:r>
+            <a:r>
+              <a:rPr lang="zh-CN" altLang="en-US" b="1" smtClean="0">
+                <a:solidFill>
+                  <a:schemeClr val="tx2"/>
+                </a:solidFill>
+              </a:rPr>
+              <a:t>数据库设置 </a:t>
+            </a:r>
+            <a:r>
+              <a:rPr lang="en-US" altLang="zh-CN" b="1" smtClean="0">
+                <a:solidFill>
+                  <a:schemeClr val="tx2"/>
+                </a:solidFill>
+              </a:rPr>
+              <a:t>– </a:t>
+            </a:r>
+            <a:r>
+              <a:rPr lang="zh-CN" altLang="en-US" b="1" smtClean="0">
+                <a:solidFill>
+                  <a:schemeClr val="tx2"/>
+                </a:solidFill>
+              </a:rPr>
+              <a:t>栏目表设计</a:t>
+            </a:r>
+            <a:endParaRPr lang="zh-CN" altLang="en-US" b="1">
+              <a:solidFill>
+                <a:schemeClr val="tx2"/>
+              </a:solidFill>
+            </a:endParaRPr>
+          </a:p>
+        </p:txBody>
+      </p:sp>
+    </p:spTree>
+  </p:cSld>
+  <p:clrMapOvr>
+    <a:masterClrMapping/>
+  </p:clrMapOvr>
+</p:sld>
+</file>
+
+<file path=ppt/slides/slide9.xml><?xml version="1.0" encoding="utf-8"?>
+<p:sld xmlns:a="http://schemas.openxmlformats.org/drawingml/2006/main" xmlns:r="http://schemas.openxmlformats.org/officeDocument/2006/relationships" xmlns:p="http://schemas.openxmlformats.org/presentationml/2006/main">
+  <p:cSld>
+    <p:spTree>
+      <p:nvGrpSpPr>
+        <p:cNvPr id="1" name=""/>
+        <p:cNvGrpSpPr/>
+        <p:nvPr/>
+      </p:nvGrpSpPr>
+      <p:grpSpPr>
+        <a:xfrm>
+          <a:off x="0" y="0"/>
+          <a:ext cx="0" cy="0"/>
+          <a:chOff x="0" y="0"/>
+          <a:chExt cx="0" cy="0"/>
+        </a:xfrm>
+      </p:grpSpPr>
+      <p:sp>
+        <p:nvSpPr>
+          <p:cNvPr id="6" name="矩形 5"/>
+          <p:cNvSpPr/>
+          <p:nvPr/>
+        </p:nvSpPr>
+        <p:spPr>
+          <a:xfrm>
+            <a:off x="214282" y="214290"/>
+            <a:ext cx="4143404" cy="360040"/>
+          </a:xfrm>
+          <a:prstGeom prst="rect">
+            <a:avLst/>
+          </a:prstGeom>
+        </p:spPr>
+        <p:style>
+          <a:lnRef idx="2">
+            <a:schemeClr val="accent6"/>
+          </a:lnRef>
+          <a:fillRef idx="1">
+            <a:schemeClr val="lt1"/>
+          </a:fillRef>
+          <a:effectRef idx="0">
+            <a:schemeClr val="accent6"/>
+          </a:effectRef>
+          <a:fontRef idx="minor">
+            <a:schemeClr val="dk1"/>
+          </a:fontRef>
+        </p:style>
+        <p:txBody>
           <a:bodyPr rtlCol="0" anchor="t" anchorCtr="0"/>
           <a:lstStyle/>
           <a:p>
@@ -4342,14 +7992,75 @@
       </p:sp>
       <p:sp>
         <p:nvSpPr>
-          <p:cNvPr id="2" name="矩形 1"/>
+          <p:cNvPr id="12" name="矩形 11"/>
           <p:cNvSpPr/>
           <p:nvPr/>
         </p:nvSpPr>
         <p:spPr>
           <a:xfrm>
-            <a:off x="1448612" y="785794"/>
-            <a:ext cx="6052346" cy="646331"/>
+            <a:off x="4643438" y="214290"/>
+            <a:ext cx="2857520" cy="369332"/>
+          </a:xfrm>
+          <a:prstGeom prst="rect">
+            <a:avLst/>
+          </a:prstGeom>
+        </p:spPr>
+        <p:txBody>
+          <a:bodyPr wrap="square">
+            <a:spAutoFit/>
+          </a:bodyPr>
+          <a:lstStyle/>
+          <a:p>
+            <a:r>
+              <a:rPr lang="en-US" altLang="zh-CN" b="1" smtClean="0">
+                <a:solidFill>
+                  <a:schemeClr val="tx2"/>
+                </a:solidFill>
+              </a:rPr>
+              <a:t>REST</a:t>
+            </a:r>
+            <a:r>
+              <a:rPr lang="zh-CN" altLang="en-US" b="1" smtClean="0">
+                <a:solidFill>
+                  <a:schemeClr val="tx2"/>
+                </a:solidFill>
+              </a:rPr>
+              <a:t>框架</a:t>
+            </a:r>
+            <a:r>
+              <a:rPr lang="en-US" altLang="zh-CN" b="1" smtClean="0">
+                <a:solidFill>
+                  <a:schemeClr val="tx2"/>
+                </a:solidFill>
+              </a:rPr>
+              <a:t>: </a:t>
+            </a:r>
+            <a:r>
+              <a:rPr lang="zh-CN" altLang="en-US" b="1" smtClean="0">
+                <a:solidFill>
+                  <a:schemeClr val="tx2"/>
+                </a:solidFill>
+              </a:rPr>
+              <a:t>接口参数。</a:t>
+            </a:r>
+            <a:endParaRPr lang="zh-CN" altLang="en-US">
+              <a:solidFill>
+                <a:schemeClr val="tx2"/>
+              </a:solidFill>
+            </a:endParaRPr>
+          </a:p>
+        </p:txBody>
+      </p:sp>
+      <p:sp>
+        <p:nvSpPr>
+          <p:cNvPr id="13" name="矩形 12"/>
+          <p:cNvSpPr/>
+          <p:nvPr/>
+        </p:nvSpPr>
+        <p:spPr>
+          <a:xfrm>
+            <a:off x="785786" y="1500174"/>
+            <a:ext cx="2857520" cy="1938992"/>
           </a:xfrm>
           <a:prstGeom prst="rect">
             <a:avLst/>
@@ -4376,62 +8087,232 @@
           <a:lstStyle/>
           <a:p>
             <a:r>
-              <a:rPr lang="en-US" altLang="zh-CN" sz="1200"/>
-              <a:t>ldict = json.loads(request.POST['jpargs</a:t>
-            </a:r>
-            <a:r>
-              <a:rPr lang="en-US" altLang="zh-CN" sz="1200" smtClean="0"/>
-              <a:t>'])</a:t>
+              <a:rPr lang="en-US" sz="1200" b="1" smtClean="0"/>
+              <a:t>def </a:t>
+            </a:r>
+            <a:r>
+              <a:rPr lang="en-US" sz="1200" b="1" smtClean="0"/>
+              <a:t>genRtn</a:t>
+            </a:r>
+            <a:r>
+              <a:rPr lang="en-US" sz="1200" b="1" smtClean="0"/>
+              <a:t>( </a:t>
+            </a:r>
+            <a:r>
+              <a:rPr lang="en-US" sz="1200" smtClean="0"/>
+              <a:t>aCode</a:t>
+            </a:r>
+            <a:r>
+              <a:rPr lang="en-US" sz="1200" b="1" smtClean="0"/>
+              <a:t>=</a:t>
+            </a:r>
+            <a:r>
+              <a:rPr lang="en-US" sz="1200" smtClean="0"/>
+              <a:t>1</a:t>
+            </a:r>
+            <a:r>
+              <a:rPr lang="en-US" sz="1200" smtClean="0"/>
+              <a:t>, aInfo</a:t>
+            </a:r>
+            <a:r>
+              <a:rPr lang="en-US" sz="1200" b="1" smtClean="0"/>
+              <a:t>=""</a:t>
+            </a:r>
+            <a:r>
+              <a:rPr lang="en-US" sz="1200" smtClean="0"/>
+              <a:t>, </a:t>
+            </a:r>
+            <a:r>
+              <a:rPr lang="en-US" sz="1200" smtClean="0"/>
+              <a:t>aAlert</a:t>
+            </a:r>
+            <a:r>
+              <a:rPr lang="en-US" sz="1200" b="1" smtClean="0"/>
+              <a:t>=</a:t>
+            </a:r>
+            <a:r>
+              <a:rPr lang="en-US" sz="1200" smtClean="0"/>
+              <a:t>0</a:t>
+            </a:r>
+            <a:r>
+              <a:rPr lang="en-US" sz="1200" smtClean="0"/>
+              <a:t>,</a:t>
+            </a:r>
+          </a:p>
+          <a:p>
+            <a:r>
+              <a:rPr lang="en-US" sz="1200" smtClean="0"/>
+              <a:t> </a:t>
+            </a:r>
+            <a:r>
+              <a:rPr lang="en-US" sz="1200" smtClean="0"/>
+              <a:t>                      </a:t>
+            </a:r>
+            <a:r>
+              <a:rPr lang="en-US" sz="1200" smtClean="0"/>
+              <a:t>aErr</a:t>
+            </a:r>
+            <a:r>
+              <a:rPr lang="en-US" sz="1200" b="1" smtClean="0"/>
+              <a:t>=[]</a:t>
+            </a:r>
+            <a:r>
+              <a:rPr lang="en-US" sz="1200" smtClean="0"/>
+              <a:t>, </a:t>
+            </a:r>
+            <a:r>
+              <a:rPr lang="en-US" sz="1200" smtClean="0"/>
+              <a:t>aObj</a:t>
+            </a:r>
+            <a:r>
+              <a:rPr lang="en-US" sz="1200" b="1" smtClean="0"/>
+              <a:t>={}  ):</a:t>
+            </a:r>
+            <a:r>
+              <a:rPr lang="en-US" sz="1200" b="1" smtClean="0"/>
+              <a:t/>
             </a:r>
             <a:br>
-              <a:rPr lang="en-US" altLang="zh-CN" sz="1200" smtClean="0"/>
+              <a:rPr lang="en-US" sz="1200" b="1" smtClean="0"/>
             </a:br>
             <a:r>
-              <a:rPr lang="en-US" altLang="zh-CN" sz="1200" smtClean="0"/>
-              <a:t>    </a:t>
-            </a:r>
-            <a:r>
-              <a:rPr lang="en-US" altLang="zh-CN" sz="1200" b="1" smtClean="0"/>
-              <a:t>if 'ex_parm' not in </a:t>
-            </a:r>
-            <a:r>
-              <a:rPr lang="en-US" altLang="zh-CN" sz="1200" smtClean="0"/>
-              <a:t>ldict </a:t>
-            </a:r>
-            <a:r>
-              <a:rPr lang="en-US" altLang="zh-CN" sz="1200" b="1" smtClean="0"/>
-              <a:t>or 'func' not in </a:t>
-            </a:r>
-            <a:r>
-              <a:rPr lang="en-US" altLang="zh-CN" sz="1200" smtClean="0"/>
-              <a:t>ldict</a:t>
-            </a:r>
-            <a:r>
-              <a:rPr lang="en-US" altLang="zh-CN" sz="1200" b="1" smtClean="0"/>
-              <a:t>:</a:t>
-            </a:r>
-            <a:br>
-              <a:rPr lang="en-US" altLang="zh-CN" sz="1200" b="1" smtClean="0"/>
-            </a:br>
-            <a:r>
-              <a:rPr lang="en-US" altLang="zh-CN" sz="1200" b="1" smtClean="0"/>
-              <a:t>        raise </a:t>
-            </a:r>
-            <a:r>
-              <a:rPr lang="en-US" altLang="zh-CN" sz="1200" smtClean="0"/>
-              <a:t>AppException</a:t>
-            </a:r>
-            <a:r>
-              <a:rPr lang="en-US" altLang="zh-CN" sz="1200" b="1" smtClean="0"/>
-              <a:t>('</a:t>
-            </a:r>
-            <a:r>
-              <a:rPr lang="zh-CN" altLang="en-US" sz="1200" b="1" smtClean="0"/>
-              <a:t>传入参数错误</a:t>
-            </a:r>
-            <a:r>
-              <a:rPr lang="en-US" altLang="zh-CN" sz="1200" b="1" smtClean="0"/>
-              <a:t>')</a:t>
+              <a:rPr lang="en-US" sz="1200" b="1" smtClean="0"/>
+              <a:t>  </a:t>
+            </a:r>
+            <a:r>
+              <a:rPr lang="en-US" sz="1200" b="1" smtClean="0"/>
+              <a:t>return </a:t>
+            </a:r>
+            <a:endParaRPr lang="en-US" sz="1200" b="1" smtClean="0"/>
+          </a:p>
+          <a:p>
+            <a:r>
+              <a:rPr lang="en-US" sz="1200" b="1" smtClean="0"/>
+              <a:t>      {</a:t>
+            </a:r>
+          </a:p>
+          <a:p>
+            <a:r>
+              <a:rPr lang="en-US" sz="1200" b="1" smtClean="0"/>
+              <a:t> </a:t>
+            </a:r>
+            <a:r>
+              <a:rPr lang="en-US" sz="1200" b="1" smtClean="0"/>
+              <a:t>         "</a:t>
+            </a:r>
+            <a:r>
+              <a:rPr lang="en-US" sz="1200" b="1" smtClean="0"/>
+              <a:t>rtnCode":</a:t>
+            </a:r>
+            <a:r>
+              <a:rPr lang="en-US" sz="1200" smtClean="0"/>
+              <a:t>aCode</a:t>
+            </a:r>
+            <a:r>
+              <a:rPr lang="en-US" sz="1200" smtClean="0"/>
+              <a:t>, </a:t>
+            </a:r>
+            <a:endParaRPr lang="en-US" sz="1200" smtClean="0"/>
+          </a:p>
+          <a:p>
+            <a:r>
+              <a:rPr lang="en-US" sz="1200" b="1" smtClean="0"/>
+              <a:t> </a:t>
+            </a:r>
+            <a:r>
+              <a:rPr lang="en-US" sz="1200" b="1" smtClean="0"/>
+              <a:t>         "</a:t>
+            </a:r>
+            <a:r>
+              <a:rPr lang="en-US" sz="1200" b="1" smtClean="0"/>
+              <a:t>rtnInfo":</a:t>
+            </a:r>
+            <a:r>
+              <a:rPr lang="en-US" sz="1200" smtClean="0"/>
+              <a:t>aInfo</a:t>
+            </a:r>
+            <a:r>
+              <a:rPr lang="en-US" sz="1200" smtClean="0"/>
+              <a:t>, </a:t>
+            </a:r>
+            <a:endParaRPr lang="en-US" sz="1200" smtClean="0"/>
+          </a:p>
+          <a:p>
+            <a:r>
+              <a:rPr lang="en-US" sz="1200" b="1" smtClean="0"/>
+              <a:t> </a:t>
+            </a:r>
+            <a:r>
+              <a:rPr lang="en-US" sz="1200" b="1" smtClean="0"/>
+              <a:t>         "</a:t>
+            </a:r>
+            <a:r>
+              <a:rPr lang="en-US" sz="1200" b="1" smtClean="0"/>
+              <a:t>alertType":</a:t>
+            </a:r>
+            <a:r>
+              <a:rPr lang="en-US" sz="1200" smtClean="0"/>
+              <a:t>aAlert</a:t>
+            </a:r>
+            <a:r>
+              <a:rPr lang="en-US" sz="1200" smtClean="0"/>
+              <a:t>, </a:t>
+            </a:r>
+            <a:endParaRPr lang="en-US" sz="1200" smtClean="0"/>
+          </a:p>
+          <a:p>
+            <a:r>
+              <a:rPr lang="en-US" sz="1200" b="1" smtClean="0"/>
+              <a:t> </a:t>
+            </a:r>
+            <a:r>
+              <a:rPr lang="en-US" sz="1200" b="1" smtClean="0"/>
+              <a:t>         "</a:t>
+            </a:r>
+            <a:r>
+              <a:rPr lang="en-US" sz="1200" b="1" smtClean="0"/>
+              <a:t>error":</a:t>
+            </a:r>
+            <a:r>
+              <a:rPr lang="en-US" sz="1200" smtClean="0"/>
+              <a:t>aErr</a:t>
+            </a:r>
+            <a:r>
+              <a:rPr lang="en-US" sz="1200" smtClean="0"/>
+              <a:t>, </a:t>
+            </a:r>
+            <a:endParaRPr lang="en-US" sz="1200" smtClean="0"/>
+          </a:p>
+          <a:p>
+            <a:r>
+              <a:rPr lang="en-US" sz="1200" b="1" smtClean="0"/>
+              <a:t> </a:t>
+            </a:r>
+            <a:r>
+              <a:rPr lang="en-US" sz="1200" b="1" smtClean="0"/>
+              <a:t>         "</a:t>
+            </a:r>
+            <a:r>
+              <a:rPr lang="en-US" sz="1200" b="1" smtClean="0"/>
+              <a:t>exObj</a:t>
+            </a:r>
+            <a:r>
+              <a:rPr lang="en-US" sz="1200" b="1" smtClean="0"/>
+              <a:t>":</a:t>
+            </a:r>
+            <a:r>
+              <a:rPr lang="en-US" sz="1200" smtClean="0"/>
+              <a:t>aObj</a:t>
+            </a:r>
+          </a:p>
+          <a:p>
+            <a:r>
+              <a:rPr lang="en-US" sz="1200" b="1" smtClean="0"/>
+              <a:t> </a:t>
+            </a:r>
+            <a:r>
+              <a:rPr lang="en-US" sz="1200" b="1" smtClean="0"/>
+              <a:t>     }</a:t>
             </a:r>
             <a:endParaRPr lang="zh-CN" altLang="en-US" sz="1200"/>
           </a:p>
@@ -4439,14 +8320,14 @@
       </p:sp>
       <p:sp>
         <p:nvSpPr>
-          <p:cNvPr id="7" name="矩形 6"/>
+          <p:cNvPr id="14" name="矩形 13"/>
           <p:cNvSpPr/>
           <p:nvPr/>
         </p:nvSpPr>
         <p:spPr>
           <a:xfrm>
-            <a:off x="214282" y="785794"/>
-            <a:ext cx="954107" cy="276999"/>
+            <a:off x="785786" y="785794"/>
+            <a:ext cx="1064074" cy="646331"/>
           </a:xfrm>
           <a:prstGeom prst="rect">
             <a:avLst/>
@@ -4459,653 +8340,43 @@
           <a:lstStyle/>
           <a:p>
             <a:r>
-              <a:rPr lang="zh-CN" altLang="en-US" sz="1200" b="1" smtClean="0"/>
-              <a:t>参数分解</a:t>
-            </a:r>
-            <a:r>
-              <a:rPr lang="zh-CN" altLang="en-US" sz="1200" smtClean="0"/>
-              <a:t>：</a:t>
-            </a:r>
-            <a:endParaRPr lang="zh-CN" altLang="en-US" sz="1200"/>
-          </a:p>
-        </p:txBody>
-      </p:sp>
-      <p:sp>
-        <p:nvSpPr>
-          <p:cNvPr id="8" name="矩形 7"/>
-          <p:cNvSpPr/>
-          <p:nvPr/>
-        </p:nvSpPr>
-        <p:spPr>
-          <a:xfrm>
-            <a:off x="1428728" y="1586716"/>
-            <a:ext cx="6234990" cy="1015663"/>
-          </a:xfrm>
-          <a:prstGeom prst="rect">
-            <a:avLst/>
-          </a:prstGeom>
-        </p:spPr>
-        <p:style>
-          <a:lnRef idx="2">
-            <a:schemeClr val="dk1"/>
-          </a:lnRef>
-          <a:fillRef idx="1">
-            <a:schemeClr val="lt1"/>
-          </a:fillRef>
-          <a:effectRef idx="0">
-            <a:schemeClr val="dk1"/>
-          </a:effectRef>
-          <a:fontRef idx="minor">
-            <a:schemeClr val="dk1"/>
-          </a:fontRef>
-        </p:style>
-        <p:txBody>
-          <a:bodyPr wrap="square">
-            <a:spAutoFit/>
-          </a:bodyPr>
-          <a:lstStyle/>
-          <a:p>
-            <a:r>
-              <a:rPr lang="en-US" sz="1200" b="1" smtClean="0"/>
-              <a:t>if </a:t>
-            </a:r>
-            <a:r>
-              <a:rPr lang="en-US" sz="1200" smtClean="0"/>
-              <a:t>ldict</a:t>
-            </a:r>
-            <a:r>
-              <a:rPr lang="en-US" sz="1200" b="1" smtClean="0"/>
-              <a:t>['func'] in ('userlogin'</a:t>
-            </a:r>
-            <a:r>
-              <a:rPr lang="en-US" sz="1200" smtClean="0"/>
-              <a:t>, </a:t>
-            </a:r>
-            <a:r>
-              <a:rPr lang="en-US" sz="1200" b="1" smtClean="0"/>
-              <a:t>''):</a:t>
-            </a:r>
-            <a:br>
-              <a:rPr lang="en-US" sz="1200" b="1" smtClean="0"/>
-            </a:br>
-            <a:r>
-              <a:rPr lang="en-US" sz="1200" b="1" smtClean="0"/>
-              <a:t>  pass</a:t>
-            </a:r>
-            <a:br>
-              <a:rPr lang="en-US" sz="1200" b="1" smtClean="0"/>
-            </a:br>
-            <a:r>
-              <a:rPr lang="en-US" sz="1200" b="1" smtClean="0"/>
-              <a:t>else:</a:t>
-            </a:r>
-            <a:br>
-              <a:rPr lang="en-US" sz="1200" b="1" smtClean="0"/>
-            </a:br>
-            <a:r>
-              <a:rPr lang="en-US" sz="1200" b="1" smtClean="0"/>
-              <a:t>  if (not 'username' in </a:t>
-            </a:r>
-            <a:r>
-              <a:rPr lang="en-US" sz="1200" smtClean="0"/>
-              <a:t>request.session.keys</a:t>
-            </a:r>
-            <a:r>
-              <a:rPr lang="en-US" sz="1200" b="1" smtClean="0"/>
-              <a:t>()) or ( not </a:t>
-            </a:r>
-            <a:r>
-              <a:rPr lang="en-US" sz="1200" smtClean="0"/>
-              <a:t>len </a:t>
-            </a:r>
-            <a:r>
-              <a:rPr lang="en-US" sz="1200" b="1" smtClean="0"/>
-              <a:t>(</a:t>
-            </a:r>
-            <a:r>
-              <a:rPr lang="en-US" sz="1200" smtClean="0"/>
-              <a:t>request.session</a:t>
-            </a:r>
-            <a:r>
-              <a:rPr lang="en-US" sz="1200" b="1" smtClean="0"/>
-              <a:t>['username']) &gt; </a:t>
-            </a:r>
-            <a:r>
-              <a:rPr lang="en-US" sz="1200" smtClean="0"/>
-              <a:t>0 </a:t>
-            </a:r>
-            <a:r>
-              <a:rPr lang="en-US" sz="1200" b="1" smtClean="0"/>
-              <a:t>) :</a:t>
-            </a:r>
-            <a:br>
-              <a:rPr lang="en-US" sz="1200" b="1" smtClean="0"/>
-            </a:br>
-            <a:r>
-              <a:rPr lang="en-US" sz="1200" b="1" smtClean="0"/>
-              <a:t>    raise </a:t>
-            </a:r>
-            <a:r>
-              <a:rPr lang="en-US" sz="1200" smtClean="0"/>
-              <a:t>AppException</a:t>
-            </a:r>
-            <a:r>
-              <a:rPr lang="en-US" sz="1200" b="1" smtClean="0"/>
-              <a:t>('</a:t>
-            </a:r>
-            <a:r>
-              <a:rPr lang="zh-CN" altLang="en-US" sz="1200" b="1" smtClean="0"/>
-              <a:t>未登录。</a:t>
-            </a:r>
-            <a:r>
-              <a:rPr lang="en-US" altLang="zh-CN" sz="1200" b="1" smtClean="0"/>
-              <a:t>')</a:t>
-            </a:r>
-            <a:endParaRPr lang="zh-CN" altLang="en-US" sz="1200"/>
-          </a:p>
-        </p:txBody>
-      </p:sp>
-      <p:sp>
-        <p:nvSpPr>
-          <p:cNvPr id="9" name="矩形 8"/>
-          <p:cNvSpPr/>
-          <p:nvPr/>
-        </p:nvSpPr>
-        <p:spPr>
-          <a:xfrm>
-            <a:off x="247342" y="1586716"/>
-            <a:ext cx="954107" cy="461665"/>
-          </a:xfrm>
-          <a:prstGeom prst="rect">
-            <a:avLst/>
-          </a:prstGeom>
-        </p:spPr>
-        <p:txBody>
-          <a:bodyPr wrap="none">
-            <a:spAutoFit/>
-          </a:bodyPr>
-          <a:lstStyle/>
-          <a:p>
-            <a:r>
-              <a:rPr lang="zh-CN" altLang="en-US" sz="1200" b="1" smtClean="0"/>
-              <a:t>用户身份：</a:t>
-            </a:r>
-            <a:r>
-              <a:rPr lang="en-US" altLang="zh-CN" sz="1200" b="1" smtClean="0"/>
-              <a:t/>
-            </a:r>
-            <a:br>
-              <a:rPr lang="en-US" altLang="zh-CN" sz="1200" b="1" smtClean="0"/>
-            </a:br>
-            <a:r>
-              <a:rPr lang="en-US" altLang="zh-CN" sz="1200" b="1" smtClean="0"/>
-              <a:t>session</a:t>
-            </a:r>
-            <a:endParaRPr lang="zh-CN" altLang="en-US" sz="1200" b="1"/>
-          </a:p>
-        </p:txBody>
-      </p:sp>
-      <p:sp>
-        <p:nvSpPr>
-          <p:cNvPr id="10" name="矩形 9"/>
-          <p:cNvSpPr/>
-          <p:nvPr/>
-        </p:nvSpPr>
-        <p:spPr>
-          <a:xfrm>
-            <a:off x="1448612" y="2714620"/>
-            <a:ext cx="4143404" cy="3046988"/>
-          </a:xfrm>
-          <a:prstGeom prst="rect">
-            <a:avLst/>
-          </a:prstGeom>
-        </p:spPr>
-        <p:style>
-          <a:lnRef idx="2">
-            <a:schemeClr val="dk1"/>
-          </a:lnRef>
-          <a:fillRef idx="1">
-            <a:schemeClr val="lt1"/>
-          </a:fillRef>
-          <a:effectRef idx="0">
-            <a:schemeClr val="dk1"/>
-          </a:effectRef>
-          <a:fontRef idx="minor">
-            <a:schemeClr val="dk1"/>
-          </a:fontRef>
-        </p:style>
-        <p:txBody>
-          <a:bodyPr wrap="square">
-            <a:spAutoFit/>
-          </a:bodyPr>
-          <a:lstStyle/>
-          <a:p>
-            <a:r>
-              <a:rPr lang="en-US" sz="1200" b="1" smtClean="0"/>
-              <a:t>try:</a:t>
-            </a:r>
-            <a:endParaRPr lang="en-US" sz="1200" b="1" smtClean="0"/>
-          </a:p>
-          <a:p>
-            <a:r>
-              <a:rPr lang="en-US" sz="1200" b="1" smtClean="0"/>
-              <a:t> </a:t>
-            </a:r>
-            <a:r>
-              <a:rPr lang="en-US" sz="1200" b="1" smtClean="0"/>
-              <a:t> with </a:t>
-            </a:r>
-            <a:r>
-              <a:rPr lang="en-US" sz="1200" smtClean="0"/>
-              <a:t>transaction.atomic</a:t>
-            </a:r>
-            <a:r>
-              <a:rPr lang="en-US" sz="1200" b="1" smtClean="0"/>
-              <a:t>():</a:t>
-            </a:r>
-          </a:p>
-          <a:p>
-            <a:r>
-              <a:rPr lang="en-US" altLang="zh-CN" sz="1200" b="1" smtClean="0"/>
-              <a:t>     xxxx.xxx..............</a:t>
-            </a:r>
-            <a:endParaRPr lang="en-US" altLang="zh-CN" sz="1200" b="1" smtClean="0"/>
-          </a:p>
-          <a:p>
-            <a:r>
-              <a:rPr lang="en-US" sz="1200" b="1" smtClean="0"/>
-              <a:t>except </a:t>
-            </a:r>
-            <a:r>
-              <a:rPr lang="en-US" sz="1200" smtClean="0"/>
-              <a:t>AppException </a:t>
-            </a:r>
-            <a:r>
-              <a:rPr lang="en-US" sz="1200" b="1" smtClean="0"/>
-              <a:t>as </a:t>
-            </a:r>
-            <a:r>
-              <a:rPr lang="en-US" sz="1200" smtClean="0"/>
-              <a:t>e</a:t>
-            </a:r>
-            <a:r>
-              <a:rPr lang="en-US" sz="1200" b="1" smtClean="0"/>
-              <a:t>:</a:t>
-            </a:r>
-            <a:br>
-              <a:rPr lang="en-US" sz="1200" b="1" smtClean="0"/>
-            </a:br>
-            <a:r>
-              <a:rPr lang="en-US" sz="1200" b="1" smtClean="0"/>
-              <a:t>  </a:t>
-            </a:r>
-            <a:r>
-              <a:rPr lang="en-US" sz="1200" smtClean="0"/>
-              <a:t>l_rtn </a:t>
-            </a:r>
-            <a:r>
-              <a:rPr lang="en-US" sz="1200" b="1" smtClean="0"/>
-              <a:t>= </a:t>
-            </a:r>
-            <a:r>
-              <a:rPr lang="en-US" sz="1200" smtClean="0"/>
-              <a:t>genRtnFail</a:t>
-            </a:r>
-            <a:r>
-              <a:rPr lang="en-US" sz="1200" b="1" smtClean="0"/>
-              <a:t>(None</a:t>
-            </a:r>
-            <a:r>
-              <a:rPr lang="en-US" sz="1200" smtClean="0"/>
-              <a:t>, e.args</a:t>
-            </a:r>
-            <a:r>
-              <a:rPr lang="en-US" sz="1200" b="1" smtClean="0"/>
-              <a:t>)</a:t>
-            </a:r>
-            <a:br>
-              <a:rPr lang="en-US" sz="1200" b="1" smtClean="0"/>
-            </a:br>
-            <a:r>
-              <a:rPr lang="en-US" sz="1200" b="1" smtClean="0"/>
-              <a:t>  raise </a:t>
-            </a:r>
-            <a:r>
-              <a:rPr lang="en-US" sz="1200" smtClean="0"/>
-              <a:t>e</a:t>
-            </a:r>
-            <a:br>
-              <a:rPr lang="en-US" sz="1200" smtClean="0"/>
-            </a:br>
-            <a:r>
-              <a:rPr lang="en-US" sz="1200" b="1" smtClean="0"/>
-              <a:t>except </a:t>
-            </a:r>
-            <a:r>
-              <a:rPr lang="en-US" sz="1200" smtClean="0"/>
-              <a:t>Exception </a:t>
-            </a:r>
-            <a:r>
-              <a:rPr lang="en-US" sz="1200" b="1" smtClean="0"/>
-              <a:t>as </a:t>
-            </a:r>
-            <a:r>
-              <a:rPr lang="en-US" sz="1200" smtClean="0"/>
-              <a:t>e</a:t>
-            </a:r>
-            <a:r>
-              <a:rPr lang="en-US" sz="1200" b="1" smtClean="0"/>
-              <a:t>:</a:t>
-            </a:r>
-            <a:br>
-              <a:rPr lang="en-US" sz="1200" b="1" smtClean="0"/>
-            </a:br>
-            <a:r>
-              <a:rPr lang="en-US" sz="1200" b="1" smtClean="0"/>
-              <a:t>  </a:t>
-            </a:r>
-            <a:r>
-              <a:rPr lang="en-US" sz="1200" smtClean="0"/>
-              <a:t>log</a:t>
-            </a:r>
-            <a:r>
-              <a:rPr lang="en-US" sz="1200" b="1" smtClean="0"/>
-              <a:t>(“ajaxResp.dealPAjax</a:t>
-            </a:r>
-            <a:r>
-              <a:rPr lang="zh-CN" altLang="en-US" sz="1200" b="1" smtClean="0"/>
-              <a:t>执行错误：</a:t>
-            </a:r>
-            <a:r>
-              <a:rPr lang="en-US" altLang="zh-CN" sz="1200" b="1" smtClean="0"/>
-              <a:t>%</a:t>
-            </a:r>
-            <a:r>
-              <a:rPr lang="en-US" sz="1200" b="1" smtClean="0"/>
-              <a:t>s” </a:t>
-            </a:r>
-            <a:r>
-              <a:rPr lang="en-US" sz="1200" b="1" smtClean="0"/>
-              <a:t>% </a:t>
-            </a:r>
-            <a:r>
-              <a:rPr lang="en-US" sz="1200" smtClean="0"/>
-              <a:t>str</a:t>
-            </a:r>
-            <a:r>
-              <a:rPr lang="en-US" sz="1200" b="1" smtClean="0"/>
-              <a:t>(</a:t>
-            </a:r>
-            <a:r>
-              <a:rPr lang="en-US" sz="1200" smtClean="0"/>
-              <a:t>e.args</a:t>
-            </a:r>
-            <a:r>
-              <a:rPr lang="en-US" sz="1200" b="1" smtClean="0"/>
-              <a:t>))</a:t>
-            </a:r>
-            <a:br>
-              <a:rPr lang="en-US" sz="1200" b="1" smtClean="0"/>
-            </a:br>
-            <a:r>
-              <a:rPr lang="en-US" sz="1200" b="1" smtClean="0"/>
-              <a:t>  </a:t>
-            </a:r>
-            <a:r>
-              <a:rPr lang="en-US" sz="1200" smtClean="0"/>
-              <a:t>l_rtn </a:t>
-            </a:r>
-            <a:r>
-              <a:rPr lang="en-US" sz="1200" b="1" smtClean="0"/>
-              <a:t>= </a:t>
-            </a:r>
-            <a:r>
-              <a:rPr lang="en-US" sz="1200" smtClean="0"/>
-              <a:t>genRtnFail</a:t>
-            </a:r>
-            <a:r>
-              <a:rPr lang="en-US" sz="1200" b="1" smtClean="0"/>
-              <a:t>(None</a:t>
-            </a:r>
-            <a:r>
-              <a:rPr lang="en-US" sz="1200" smtClean="0"/>
-              <a:t>, </a:t>
-            </a:r>
-            <a:r>
-              <a:rPr lang="en-US" sz="1200" b="1" smtClean="0"/>
-              <a:t>“</a:t>
-            </a:r>
-            <a:r>
-              <a:rPr lang="zh-CN" altLang="en-US" sz="1200" b="1" smtClean="0"/>
-              <a:t>服务器</a:t>
-            </a:r>
-            <a:r>
-              <a:rPr lang="zh-CN" altLang="en-US" sz="1200" b="1" smtClean="0"/>
-              <a:t>端</a:t>
-            </a:r>
-            <a:r>
-              <a:rPr lang="zh-CN" altLang="en-US" sz="1200" b="1" smtClean="0"/>
-              <a:t>错误</a:t>
-            </a:r>
-            <a:r>
-              <a:rPr lang="zh-CN" altLang="en-US" sz="1200" b="1" smtClean="0"/>
-              <a:t>。</a:t>
-            </a:r>
-            <a:r>
-              <a:rPr lang="en-US" altLang="zh-CN" sz="1200" b="1" smtClean="0"/>
-              <a:t>”)</a:t>
-            </a:r>
-            <a:r>
-              <a:rPr lang="en-US" altLang="zh-CN" sz="1200" b="1" smtClean="0"/>
-              <a:t/>
-            </a:r>
-            <a:br>
-              <a:rPr lang="en-US" altLang="zh-CN" sz="1200" b="1" smtClean="0"/>
-            </a:br>
-            <a:r>
-              <a:rPr lang="en-US" altLang="zh-CN" sz="1200" b="1" smtClean="0"/>
-              <a:t>  </a:t>
-            </a:r>
-            <a:r>
-              <a:rPr lang="en-US" sz="1200" b="1" smtClean="0"/>
-              <a:t>raise </a:t>
-            </a:r>
-            <a:r>
-              <a:rPr lang="en-US" sz="1200" smtClean="0"/>
-              <a:t>e</a:t>
-            </a:r>
-            <a:br>
-              <a:rPr lang="en-US" sz="1200" smtClean="0"/>
-            </a:br>
-            <a:r>
-              <a:rPr lang="en-US" sz="1200" b="1" smtClean="0"/>
-              <a:t>finally:</a:t>
-            </a:r>
-            <a:br>
-              <a:rPr lang="en-US" sz="1200" b="1" smtClean="0"/>
-            </a:br>
-            <a:r>
-              <a:rPr lang="en-US" sz="1200" b="1" smtClean="0"/>
-              <a:t>  for </a:t>
-            </a:r>
-            <a:r>
-              <a:rPr lang="en-US" sz="1200" smtClean="0"/>
-              <a:t>q </a:t>
-            </a:r>
-            <a:r>
-              <a:rPr lang="en-US" sz="1200" b="1" smtClean="0"/>
-              <a:t>in </a:t>
-            </a:r>
-            <a:r>
-              <a:rPr lang="en-US" sz="1200" smtClean="0"/>
-              <a:t>connection.queries</a:t>
-            </a:r>
-            <a:r>
-              <a:rPr lang="en-US" sz="1200" b="1" smtClean="0"/>
-              <a:t>:</a:t>
-            </a:r>
-            <a:br>
-              <a:rPr lang="en-US" sz="1200" b="1" smtClean="0"/>
-            </a:br>
-            <a:r>
-              <a:rPr lang="en-US" sz="1200" b="1" smtClean="0"/>
-              <a:t>    </a:t>
-            </a:r>
-            <a:r>
-              <a:rPr lang="en-US" sz="1200" smtClean="0"/>
-              <a:t>log</a:t>
-            </a:r>
-            <a:r>
-              <a:rPr lang="en-US" sz="1200" b="1" smtClean="0"/>
-              <a:t>(</a:t>
-            </a:r>
-            <a:r>
-              <a:rPr lang="en-US" sz="1200" smtClean="0"/>
-              <a:t>q</a:t>
-            </a:r>
-            <a:r>
-              <a:rPr lang="en-US" sz="1200" b="1" smtClean="0"/>
-              <a:t>) // </a:t>
-            </a:r>
-            <a:r>
-              <a:rPr lang="zh-CN" altLang="en-US" sz="1200" b="1" smtClean="0"/>
-              <a:t>记录</a:t>
-            </a:r>
-            <a:r>
-              <a:rPr lang="en-US" altLang="zh-CN" sz="1200" b="1" smtClean="0"/>
-              <a:t>sql</a:t>
-            </a:r>
-            <a:r>
-              <a:rPr lang="zh-CN" altLang="en-US" sz="1200" b="1" smtClean="0"/>
-              <a:t>语句。</a:t>
-            </a:r>
-            <a:endParaRPr lang="en-US" altLang="zh-CN" sz="1200" b="1" smtClean="0"/>
-          </a:p>
-          <a:p>
-            <a:endParaRPr lang="en-US" altLang="zh-CN" sz="1200" b="1" smtClean="0"/>
-          </a:p>
-          <a:p>
-            <a:r>
-              <a:rPr lang="en-US" sz="1200" b="1" smtClean="0"/>
-              <a:t>return </a:t>
-            </a:r>
-            <a:r>
-              <a:rPr lang="en-US" sz="1200" smtClean="0"/>
-              <a:t>HttpResponse</a:t>
-            </a:r>
-            <a:r>
-              <a:rPr lang="en-US" sz="1200" b="1" smtClean="0"/>
-              <a:t>(</a:t>
-            </a:r>
-            <a:r>
-              <a:rPr lang="en-US" sz="1200" smtClean="0"/>
-              <a:t>json.dumps</a:t>
-            </a:r>
-            <a:r>
-              <a:rPr lang="en-US" sz="1200" b="1" smtClean="0"/>
-              <a:t>(</a:t>
-            </a:r>
-            <a:r>
-              <a:rPr lang="en-US" sz="1200" smtClean="0"/>
-              <a:t>l_rtn, </a:t>
-            </a:r>
-            <a:r>
-              <a:rPr lang="en-US" sz="1200" smtClean="0"/>
-              <a:t>ensure_ascii</a:t>
-            </a:r>
-            <a:r>
-              <a:rPr lang="en-US" sz="1200" b="1" smtClean="0"/>
-              <a:t>=False</a:t>
-            </a:r>
-            <a:r>
-              <a:rPr lang="en-US" sz="1200" b="1" smtClean="0"/>
-              <a:t>))</a:t>
-            </a:r>
-          </a:p>
-          <a:p>
-            <a:endParaRPr lang="zh-CN" altLang="en-US" sz="1200"/>
-          </a:p>
-        </p:txBody>
-      </p:sp>
-      <p:sp>
-        <p:nvSpPr>
-          <p:cNvPr id="11" name="矩形 10"/>
-          <p:cNvSpPr/>
-          <p:nvPr/>
-        </p:nvSpPr>
-        <p:spPr>
-          <a:xfrm>
-            <a:off x="221778" y="2801162"/>
-            <a:ext cx="1064074" cy="830997"/>
-          </a:xfrm>
-          <a:prstGeom prst="rect">
-            <a:avLst/>
-          </a:prstGeom>
-        </p:spPr>
-        <p:txBody>
-          <a:bodyPr wrap="none">
-            <a:spAutoFit/>
-          </a:bodyPr>
-          <a:lstStyle/>
-          <a:p>
-            <a:r>
-              <a:rPr lang="zh-CN" altLang="en-US" sz="1200" b="1" smtClean="0"/>
-              <a:t>原子处理：</a:t>
-            </a:r>
-            <a:r>
-              <a:rPr lang="en-US" altLang="zh-CN" sz="1200" b="1" smtClean="0"/>
-              <a:t/>
-            </a:r>
-            <a:br>
-              <a:rPr lang="en-US" altLang="zh-CN" sz="1200" b="1" smtClean="0"/>
-            </a:br>
-            <a:r>
-              <a:rPr lang="zh-CN" altLang="en-US" sz="1200" b="1" smtClean="0"/>
+              <a:rPr lang="zh-CN" altLang="en-US" sz="1200" b="1" smtClean="0">
+                <a:solidFill>
+                  <a:schemeClr val="tx2"/>
+                </a:solidFill>
+              </a:rPr>
               <a:t>返回</a:t>
             </a:r>
-            <a:endParaRPr lang="en-US" altLang="zh-CN" sz="1200" b="1" smtClean="0"/>
-          </a:p>
-          <a:p>
-            <a:r>
-              <a:rPr lang="en-US" altLang="zh-CN" sz="1200" b="1" smtClean="0"/>
+            <a:endParaRPr lang="en-US" altLang="zh-CN" sz="1200" b="1" smtClean="0">
+              <a:solidFill>
+                <a:schemeClr val="tx2"/>
+              </a:solidFill>
+            </a:endParaRPr>
+          </a:p>
+          <a:p>
+            <a:r>
+              <a:rPr lang="en-US" altLang="zh-CN" sz="1200" b="1" smtClean="0">
+                <a:solidFill>
+                  <a:schemeClr val="tx2"/>
+                </a:solidFill>
+              </a:rPr>
               <a:t>httpResponse</a:t>
             </a:r>
           </a:p>
           <a:p>
-            <a:endParaRPr lang="zh-CN" altLang="en-US" sz="1200" b="1"/>
-          </a:p>
-        </p:txBody>
-      </p:sp>
-      <p:sp>
-        <p:nvSpPr>
-          <p:cNvPr id="12" name="矩形 11"/>
-          <p:cNvSpPr/>
-          <p:nvPr/>
-        </p:nvSpPr>
-        <p:spPr>
-          <a:xfrm>
-            <a:off x="4643438" y="214290"/>
-            <a:ext cx="2857520" cy="276999"/>
-          </a:xfrm>
-          <a:prstGeom prst="rect">
-            <a:avLst/>
-          </a:prstGeom>
-        </p:spPr>
-        <p:txBody>
-          <a:bodyPr wrap="square">
-            <a:spAutoFit/>
-          </a:bodyPr>
-          <a:lstStyle/>
-          <a:p>
-            <a:r>
-              <a:rPr lang="en-US" altLang="zh-CN" sz="1200" b="1" smtClean="0"/>
-              <a:t>REST</a:t>
-            </a:r>
-            <a:r>
-              <a:rPr lang="zh-CN" altLang="en-US" sz="1200" b="1" smtClean="0"/>
-              <a:t>框架处理流程。</a:t>
-            </a:r>
-            <a:endParaRPr lang="zh-CN" altLang="en-US" sz="1200"/>
+            <a:r>
+              <a:rPr lang="zh-CN" altLang="en-US" sz="1200" b="1" smtClean="0">
+                <a:solidFill>
+                  <a:schemeClr val="tx2"/>
+                </a:solidFill>
+              </a:rPr>
+              <a:t>参数：</a:t>
+            </a:r>
+            <a:endParaRPr lang="zh-CN" altLang="en-US" sz="1200" b="1">
+              <a:solidFill>
+                <a:schemeClr val="tx2"/>
+              </a:solidFill>
+            </a:endParaRPr>
           </a:p>
         </p:txBody>
       </p:sp>
